--- a/Daily(written_in_Korean)/181005.pptx
+++ b/Daily(written_in_Korean)/181005.pptx
@@ -266,7 +266,7 @@
               <a:pPr>
                 <a:defRPr/>
               </a:pPr>
-              <a:t>2018-10-04</a:t>
+              <a:t>2018-10-05</a:t>
             </a:fld>
             <a:endParaRPr lang="ko-KR" altLang="en-US"/>
           </a:p>
@@ -1223,19 +1223,7 @@
               <a:rPr kumimoji="0" lang="ko-KR" altLang="en-US" kern="0" dirty="0" smtClean="0">
                 <a:sym typeface="굴림" pitchFamily="50" charset="-127"/>
               </a:rPr>
-              <a:t>에서는 </a:t>
-            </a:r>
-            <a:r>
-              <a:rPr kumimoji="0" lang="en-US" altLang="ko-KR" kern="0" dirty="0" smtClean="0">
-                <a:sym typeface="굴림" pitchFamily="50" charset="-127"/>
-              </a:rPr>
-              <a:t>formulation</a:t>
-            </a:r>
-            <a:r>
-              <a:rPr kumimoji="0" lang="ko-KR" altLang="en-US" kern="0" dirty="0" smtClean="0">
-                <a:sym typeface="굴림" pitchFamily="50" charset="-127"/>
-              </a:rPr>
-              <a:t>에 대한 정리를 보이겠습니다</a:t>
+              <a:t>에서는 현재까지 정리된 보이겠습니다</a:t>
             </a:r>
             <a:r>
               <a:rPr kumimoji="0" lang="en-US" altLang="ko-KR" kern="0" dirty="0" smtClean="0">
@@ -1632,52 +1620,124 @@
             </a:r>
           </a:p>
           <a:p>
+            <a:pPr marL="171450" indent="-171450">
+              <a:buFontTx/>
+              <a:buChar char="-"/>
+              <a:defRPr/>
+            </a:pPr>
+            <a:r>
+              <a:rPr kumimoji="0" lang="en-US" altLang="ko-KR" kern="0" baseline="0" dirty="0" smtClean="0">
+                <a:sym typeface="Wingdings" panose="05000000000000000000" pitchFamily="2" charset="2"/>
+              </a:rPr>
+              <a:t>(</a:t>
+            </a:r>
+            <a:r>
+              <a:rPr kumimoji="0" lang="en-US" altLang="ko-KR" kern="0" baseline="0" dirty="0" smtClean="0">
+                <a:sym typeface="Wingdings" panose="05000000000000000000" pitchFamily="2" charset="2"/>
+              </a:rPr>
+              <a:t>5)</a:t>
+            </a:r>
+            <a:r>
+              <a:rPr kumimoji="0" lang="ko-KR" altLang="en-US" kern="0" baseline="0" dirty="0" smtClean="0">
+                <a:sym typeface="Wingdings" panose="05000000000000000000" pitchFamily="2" charset="2"/>
+              </a:rPr>
+              <a:t>에서</a:t>
+            </a:r>
+            <a:r>
+              <a:rPr kumimoji="0" lang="en-US" altLang="ko-KR" kern="0" baseline="0" dirty="0" smtClean="0">
+                <a:sym typeface="Wingdings" panose="05000000000000000000" pitchFamily="2" charset="2"/>
+              </a:rPr>
+              <a:t> time </a:t>
+            </a:r>
+            <a:r>
+              <a:rPr kumimoji="0" lang="en-US" altLang="ko-KR" kern="0" baseline="0" dirty="0" err="1" smtClean="0">
+                <a:sym typeface="Wingdings" panose="05000000000000000000" pitchFamily="2" charset="2"/>
+              </a:rPr>
+              <a:t>req</a:t>
+            </a:r>
+            <a:r>
+              <a:rPr kumimoji="0" lang="ko-KR" altLang="en-US" kern="0" baseline="0" dirty="0" smtClean="0">
+                <a:sym typeface="Wingdings" panose="05000000000000000000" pitchFamily="2" charset="2"/>
+              </a:rPr>
+              <a:t>뭔지 </a:t>
+            </a:r>
+            <a:r>
+              <a:rPr kumimoji="0" lang="ko-KR" altLang="en-US" kern="0" baseline="0" dirty="0" smtClean="0">
+                <a:sym typeface="Wingdings" panose="05000000000000000000" pitchFamily="2" charset="2"/>
+              </a:rPr>
+              <a:t>설명</a:t>
+            </a:r>
+            <a:endParaRPr kumimoji="0" lang="en-US" altLang="ko-KR" kern="0" baseline="0" dirty="0" smtClean="0">
+              <a:sym typeface="Wingdings" panose="05000000000000000000" pitchFamily="2" charset="2"/>
+            </a:endParaRPr>
+          </a:p>
+          <a:p>
             <a:pPr marL="0" indent="0">
-              <a:buFont typeface="Wingdings" panose="05000000000000000000" pitchFamily="2" charset="2"/>
+              <a:buFontTx/>
               <a:buNone/>
               <a:defRPr/>
             </a:pPr>
             <a:r>
-              <a:rPr kumimoji="0" lang="en-US" altLang="ko-KR" kern="0" dirty="0" smtClean="0">
-                <a:sym typeface="Wingdings" panose="05000000000000000000" pitchFamily="2" charset="2"/>
-              </a:rPr>
-              <a:t>-</a:t>
-            </a:r>
-            <a:r>
               <a:rPr kumimoji="0" lang="en-US" altLang="ko-KR" kern="0" baseline="0" dirty="0" smtClean="0">
                 <a:sym typeface="Wingdings" panose="05000000000000000000" pitchFamily="2" charset="2"/>
               </a:rPr>
-              <a:t> (5)</a:t>
-            </a:r>
-            <a:r>
-              <a:rPr kumimoji="0" lang="ko-KR" altLang="en-US" kern="0" baseline="0" dirty="0" smtClean="0">
-                <a:sym typeface="Wingdings" panose="05000000000000000000" pitchFamily="2" charset="2"/>
-              </a:rPr>
-              <a:t>에서</a:t>
-            </a:r>
-            <a:r>
-              <a:rPr kumimoji="0" lang="en-US" altLang="ko-KR" kern="0" baseline="0" dirty="0" smtClean="0">
-                <a:sym typeface="Wingdings" panose="05000000000000000000" pitchFamily="2" charset="2"/>
-              </a:rPr>
-              <a:t> time </a:t>
-            </a:r>
-            <a:r>
-              <a:rPr kumimoji="0" lang="en-US" altLang="ko-KR" kern="0" baseline="0" dirty="0" err="1" smtClean="0">
-                <a:sym typeface="Wingdings" panose="05000000000000000000" pitchFamily="2" charset="2"/>
-              </a:rPr>
-              <a:t>req</a:t>
-            </a:r>
-            <a:r>
-              <a:rPr kumimoji="0" lang="ko-KR" altLang="en-US" kern="0" baseline="0" dirty="0" smtClean="0">
-                <a:sym typeface="Wingdings" panose="05000000000000000000" pitchFamily="2" charset="2"/>
-              </a:rPr>
-              <a:t>뭔지 설명</a:t>
+              <a:t>? </a:t>
             </a:r>
             <a:endParaRPr kumimoji="0" lang="en-US" altLang="ko-KR" kern="0" dirty="0" smtClean="0">
               <a:sym typeface="굴림" pitchFamily="50" charset="-127"/>
             </a:endParaRPr>
           </a:p>
           <a:p>
+            <a:pPr marL="171450" indent="-171450">
+              <a:buFontTx/>
+              <a:buChar char="-"/>
+              <a:defRPr/>
+            </a:pPr>
+            <a:r>
+              <a:rPr kumimoji="0" lang="en-US" altLang="ko-KR" kern="0" dirty="0" smtClean="0">
+                <a:sym typeface="굴림" pitchFamily="50" charset="-127"/>
+              </a:rPr>
+              <a:t>(6)</a:t>
+            </a:r>
+            <a:r>
+              <a:rPr kumimoji="0" lang="en-US" altLang="ko-KR" kern="0" baseline="0" dirty="0" smtClean="0">
+                <a:sym typeface="굴림" pitchFamily="50" charset="-127"/>
+              </a:rPr>
+              <a:t> </a:t>
+            </a:r>
+            <a:r>
+              <a:rPr kumimoji="0" lang="ko-KR" altLang="en-US" kern="0" baseline="0" dirty="0" smtClean="0">
+                <a:sym typeface="굴림" pitchFamily="50" charset="-127"/>
+              </a:rPr>
+              <a:t>식 어떻게 저렇게 나옴</a:t>
+            </a:r>
+            <a:r>
+              <a:rPr kumimoji="0" lang="en-US" altLang="ko-KR" kern="0" baseline="0" dirty="0" smtClean="0">
+                <a:sym typeface="굴림" pitchFamily="50" charset="-127"/>
+              </a:rPr>
+              <a:t>?</a:t>
+            </a:r>
+            <a:endParaRPr kumimoji="0" lang="en-US" altLang="ko-KR" kern="0" dirty="0" smtClean="0">
+              <a:sym typeface="굴림" pitchFamily="50" charset="-127"/>
+            </a:endParaRPr>
+          </a:p>
+          <a:p>
+            <a:pPr marL="171450" indent="-171450">
+              <a:buFont typeface="Wingdings" panose="05000000000000000000" pitchFamily="2" charset="2"/>
+              <a:buChar char="à"/>
+              <a:defRPr/>
+            </a:pPr>
+            <a:r>
+              <a:rPr kumimoji="0" lang="en-US" altLang="ko-KR" kern="0" dirty="0" smtClean="0">
+                <a:sym typeface="Wingdings" panose="05000000000000000000" pitchFamily="2" charset="2"/>
+              </a:rPr>
+              <a:t>?</a:t>
+            </a:r>
+            <a:endParaRPr kumimoji="0" lang="en-US" altLang="ko-KR" kern="0" dirty="0" smtClean="0">
+              <a:sym typeface="굴림" pitchFamily="50" charset="-127"/>
+            </a:endParaRPr>
+          </a:p>
+          <a:p>
             <a:pPr>
               <a:defRPr/>
             </a:pPr>
@@ -1689,356 +1749,566 @@
             </a:r>
           </a:p>
           <a:p>
-            <a:pPr marL="228600" indent="-228600">
-              <a:buAutoNum type="arabicParenBoth"/>
+            <a:pPr>
               <a:defRPr/>
             </a:pPr>
             <a:r>
-              <a:rPr kumimoji="0" lang="en-US" altLang="ko-KR" b="0" kern="0" baseline="0" dirty="0" smtClean="0">
-                <a:sym typeface="굴림" pitchFamily="50" charset="-127"/>
-              </a:rPr>
-              <a:t>UE</a:t>
-            </a:r>
-            <a:r>
-              <a:rPr kumimoji="0" lang="ko-KR" altLang="en-US" b="0" kern="0" baseline="0" dirty="0" smtClean="0">
-                <a:sym typeface="굴림" pitchFamily="50" charset="-127"/>
-              </a:rPr>
-              <a:t>가 새로운 </a:t>
-            </a:r>
-            <a:r>
-              <a:rPr kumimoji="0" lang="en-US" altLang="ko-KR" b="0" kern="0" baseline="0" dirty="0" smtClean="0">
-                <a:sym typeface="굴림" pitchFamily="50" charset="-127"/>
-              </a:rPr>
-              <a:t>AP</a:t>
-            </a:r>
-            <a:r>
-              <a:rPr kumimoji="0" lang="ko-KR" altLang="en-US" b="0" kern="0" baseline="0" dirty="0" smtClean="0">
-                <a:sym typeface="굴림" pitchFamily="50" charset="-127"/>
-              </a:rPr>
-              <a:t>에 연결될 때마다 </a:t>
-            </a:r>
-            <a:r>
-              <a:rPr kumimoji="0" lang="en-US" altLang="ko-KR" b="0" kern="0" baseline="0" dirty="0" smtClean="0">
-                <a:sym typeface="굴림" pitchFamily="50" charset="-127"/>
-              </a:rPr>
-              <a:t>Bitrate </a:t>
-            </a:r>
-            <a:r>
-              <a:rPr kumimoji="0" lang="ko-KR" altLang="en-US" b="0" kern="0" baseline="0" dirty="0" smtClean="0">
-                <a:sym typeface="굴림" pitchFamily="50" charset="-127"/>
-              </a:rPr>
-              <a:t>재조정</a:t>
-            </a:r>
-            <a:r>
-              <a:rPr kumimoji="0" lang="en-US" altLang="ko-KR" b="0" kern="0" baseline="0" dirty="0" smtClean="0">
-                <a:sym typeface="굴림" pitchFamily="50" charset="-127"/>
-              </a:rPr>
-              <a:t>, </a:t>
-            </a:r>
-            <a:r>
-              <a:rPr kumimoji="0" lang="ko-KR" altLang="en-US" b="0" kern="0" baseline="0" dirty="0" smtClean="0">
-                <a:sym typeface="굴림" pitchFamily="50" charset="-127"/>
-              </a:rPr>
-              <a:t>만약 원하는 </a:t>
-            </a:r>
-            <a:r>
-              <a:rPr kumimoji="0" lang="en-US" altLang="ko-KR" b="0" kern="0" baseline="0" dirty="0" smtClean="0">
-                <a:sym typeface="굴림" pitchFamily="50" charset="-127"/>
-              </a:rPr>
-              <a:t>Bitrate</a:t>
-            </a:r>
-            <a:r>
-              <a:rPr kumimoji="0" lang="ko-KR" altLang="en-US" b="0" kern="0" baseline="0" dirty="0" smtClean="0">
-                <a:sym typeface="굴림" pitchFamily="50" charset="-127"/>
-              </a:rPr>
-              <a:t>랑 </a:t>
-            </a:r>
-            <a:r>
-              <a:rPr kumimoji="0" lang="en-US" altLang="ko-KR" b="0" kern="0" baseline="0" dirty="0" smtClean="0">
-                <a:sym typeface="굴림" pitchFamily="50" charset="-127"/>
-              </a:rPr>
-              <a:t>SDN</a:t>
-            </a:r>
-            <a:r>
-              <a:rPr kumimoji="0" lang="ko-KR" altLang="en-US" b="0" kern="0" baseline="0" dirty="0" smtClean="0">
-                <a:sym typeface="굴림" pitchFamily="50" charset="-127"/>
-              </a:rPr>
-              <a:t>이 정해주는 </a:t>
-            </a:r>
-            <a:r>
-              <a:rPr kumimoji="0" lang="en-US" altLang="ko-KR" b="0" kern="0" baseline="0" dirty="0" smtClean="0">
-                <a:sym typeface="굴림" pitchFamily="50" charset="-127"/>
-              </a:rPr>
-              <a:t>Bitrate</a:t>
-            </a:r>
-            <a:r>
-              <a:rPr kumimoji="0" lang="ko-KR" altLang="en-US" b="0" kern="0" baseline="0" dirty="0" smtClean="0">
-                <a:sym typeface="굴림" pitchFamily="50" charset="-127"/>
-              </a:rPr>
-              <a:t>와의</a:t>
-            </a:r>
-            <a:r>
-              <a:rPr kumimoji="0" lang="en-US" altLang="ko-KR" b="0" kern="0" baseline="0" dirty="0" smtClean="0">
+              <a:rPr kumimoji="0" lang="ko-KR" altLang="en-US" kern="0" dirty="0" err="1" smtClean="0">
+                <a:sym typeface="굴림" pitchFamily="50" charset="-127"/>
+              </a:rPr>
+              <a:t>포뮬레이션을</a:t>
+            </a:r>
+            <a:r>
+              <a:rPr kumimoji="0" lang="ko-KR" altLang="en-US" kern="0" dirty="0" smtClean="0">
                 <a:sym typeface="굴림" pitchFamily="50" charset="-127"/>
               </a:rPr>
               <a:t> </a:t>
             </a:r>
             <a:r>
-              <a:rPr kumimoji="0" lang="ko-KR" altLang="en-US" b="0" kern="0" baseline="0" dirty="0" smtClean="0">
-                <a:sym typeface="굴림" pitchFamily="50" charset="-127"/>
-              </a:rPr>
-              <a:t>차이가 특정 값보다 크면 </a:t>
-            </a:r>
-            <a:r>
-              <a:rPr kumimoji="0" lang="en-US" altLang="ko-KR" b="0" kern="0" baseline="0" dirty="0" smtClean="0">
-                <a:sym typeface="굴림" pitchFamily="50" charset="-127"/>
-              </a:rPr>
-              <a:t>AP </a:t>
-            </a:r>
-            <a:r>
-              <a:rPr kumimoji="0" lang="ko-KR" altLang="en-US" b="0" kern="0" baseline="0" dirty="0" smtClean="0">
-                <a:sym typeface="굴림" pitchFamily="50" charset="-127"/>
-              </a:rPr>
-              <a:t>연결을 재 구성합니다</a:t>
-            </a:r>
-            <a:r>
-              <a:rPr kumimoji="0" lang="en-US" altLang="ko-KR" b="0" kern="0" baseline="0" dirty="0" smtClean="0">
+              <a:rPr kumimoji="0" lang="ko-KR" altLang="en-US" kern="0" dirty="0" err="1" smtClean="0">
+                <a:sym typeface="굴림" pitchFamily="50" charset="-127"/>
+              </a:rPr>
+              <a:t>설명드리겠습니다</a:t>
+            </a:r>
+            <a:r>
+              <a:rPr kumimoji="0" lang="en-US" altLang="ko-KR" kern="0" dirty="0" smtClean="0">
                 <a:sym typeface="굴림" pitchFamily="50" charset="-127"/>
               </a:rPr>
               <a:t>.</a:t>
             </a:r>
           </a:p>
           <a:p>
-            <a:pPr marL="228600" indent="-228600">
-              <a:buAutoNum type="arabicParenBoth"/>
+            <a:pPr>
               <a:defRPr/>
             </a:pPr>
             <a:r>
-              <a:rPr kumimoji="0" lang="ko-KR" altLang="en-US" b="0" kern="0" baseline="0" dirty="0" smtClean="0">
-                <a:sym typeface="굴림" pitchFamily="50" charset="-127"/>
-              </a:rPr>
-              <a:t>사용자가 원하는 퀄리티와 </a:t>
-            </a:r>
-            <a:r>
-              <a:rPr kumimoji="0" lang="en-US" altLang="ko-KR" b="0" kern="0" baseline="0" dirty="0" smtClean="0">
-                <a:sym typeface="굴림" pitchFamily="50" charset="-127"/>
-              </a:rPr>
-              <a:t>SDN</a:t>
-            </a:r>
-            <a:r>
-              <a:rPr kumimoji="0" lang="ko-KR" altLang="en-US" b="0" kern="0" baseline="0" dirty="0" smtClean="0">
-                <a:sym typeface="굴림" pitchFamily="50" charset="-127"/>
-              </a:rPr>
-              <a:t>이 정해주는 퀄리티의 차이를 최소화 하는 것이 </a:t>
-            </a:r>
-            <a:r>
-              <a:rPr kumimoji="0" lang="en-US" altLang="ko-KR" b="0" kern="0" baseline="0" dirty="0" smtClean="0">
-                <a:sym typeface="굴림" pitchFamily="50" charset="-127"/>
-              </a:rPr>
-              <a:t>Formulation</a:t>
-            </a:r>
-            <a:r>
-              <a:rPr kumimoji="0" lang="ko-KR" altLang="en-US" b="0" kern="0" baseline="0" dirty="0" smtClean="0">
-                <a:sym typeface="굴림" pitchFamily="50" charset="-127"/>
-              </a:rPr>
-              <a:t>의 목적</a:t>
-            </a:r>
-            <a:r>
-              <a:rPr kumimoji="0" lang="en-US" altLang="ko-KR" b="0" kern="0" baseline="0" dirty="0" smtClean="0">
-                <a:sym typeface="굴림" pitchFamily="50" charset="-127"/>
-              </a:rPr>
-              <a:t>, </a:t>
-            </a:r>
-            <a:r>
-              <a:rPr kumimoji="0" lang="ko-KR" altLang="en-US" b="0" kern="0" baseline="0" dirty="0" smtClean="0">
-                <a:sym typeface="굴림" pitchFamily="50" charset="-127"/>
-              </a:rPr>
-              <a:t>식에 </a:t>
-            </a:r>
-            <a:r>
-              <a:rPr kumimoji="0" lang="en-US" altLang="ko-KR" b="0" kern="0" baseline="0" dirty="0" smtClean="0">
-                <a:sym typeface="굴림" pitchFamily="50" charset="-127"/>
-              </a:rPr>
-              <a:t>max</a:t>
-            </a:r>
-            <a:r>
-              <a:rPr kumimoji="0" lang="ko-KR" altLang="en-US" b="0" kern="0" baseline="0" dirty="0" smtClean="0">
-                <a:sym typeface="굴림" pitchFamily="50" charset="-127"/>
-              </a:rPr>
-              <a:t>값이 들어간 이유는 </a:t>
-            </a:r>
-            <a:r>
-              <a:rPr kumimoji="0" lang="en-US" altLang="ko-KR" b="0" kern="0" baseline="0" dirty="0" smtClean="0">
-                <a:sym typeface="굴림" pitchFamily="50" charset="-127"/>
-              </a:rPr>
-              <a:t>– </a:t>
-            </a:r>
-            <a:r>
-              <a:rPr kumimoji="0" lang="ko-KR" altLang="en-US" b="0" kern="0" baseline="0" dirty="0" smtClean="0">
-                <a:sym typeface="굴림" pitchFamily="50" charset="-127"/>
-              </a:rPr>
-              <a:t>값을</a:t>
-            </a:r>
-            <a:r>
-              <a:rPr kumimoji="0" lang="en-US" altLang="ko-KR" b="0" kern="0" baseline="0" dirty="0" smtClean="0">
-                <a:sym typeface="굴림" pitchFamily="50" charset="-127"/>
-              </a:rPr>
-              <a:t> </a:t>
-            </a:r>
-            <a:r>
-              <a:rPr kumimoji="0" lang="ko-KR" altLang="en-US" b="0" kern="0" baseline="0" dirty="0" smtClean="0">
-                <a:sym typeface="굴림" pitchFamily="50" charset="-127"/>
-              </a:rPr>
-              <a:t>제거 하기 위함입니다</a:t>
-            </a:r>
-            <a:r>
-              <a:rPr kumimoji="0" lang="en-US" altLang="ko-KR" b="0" kern="0" baseline="0" dirty="0" smtClean="0">
+              <a:rPr kumimoji="0" lang="en-US" altLang="ko-KR" kern="0" dirty="0" smtClean="0">
+                <a:sym typeface="굴림" pitchFamily="50" charset="-127"/>
+              </a:rPr>
+              <a:t>(1)</a:t>
+            </a:r>
+            <a:r>
+              <a:rPr kumimoji="0" lang="ko-KR" altLang="en-US" kern="0" dirty="0" smtClean="0">
+                <a:sym typeface="굴림" pitchFamily="50" charset="-127"/>
+              </a:rPr>
+              <a:t>문제는 </a:t>
+            </a:r>
+            <a:r>
+              <a:rPr kumimoji="0" lang="en-US" altLang="ko-KR" kern="0" dirty="0" smtClean="0">
+                <a:sym typeface="굴림" pitchFamily="50" charset="-127"/>
+              </a:rPr>
+              <a:t>Bitrate</a:t>
+            </a:r>
+            <a:r>
+              <a:rPr kumimoji="0" lang="ko-KR" altLang="en-US" kern="0" dirty="0" smtClean="0">
+                <a:sym typeface="굴림" pitchFamily="50" charset="-127"/>
+              </a:rPr>
+              <a:t>와 </a:t>
+            </a:r>
+            <a:r>
+              <a:rPr kumimoji="0" lang="en-US" altLang="ko-KR" kern="0" dirty="0" smtClean="0">
+                <a:sym typeface="굴림" pitchFamily="50" charset="-127"/>
+              </a:rPr>
+              <a:t>AP</a:t>
+            </a:r>
+            <a:r>
+              <a:rPr kumimoji="0" lang="ko-KR" altLang="en-US" kern="0" dirty="0" smtClean="0">
+                <a:sym typeface="굴림" pitchFamily="50" charset="-127"/>
+              </a:rPr>
+              <a:t>의 연결을 결정합니다</a:t>
+            </a:r>
+            <a:r>
+              <a:rPr kumimoji="0" lang="en-US" altLang="ko-KR" kern="0" dirty="0" smtClean="0">
                 <a:sym typeface="굴림" pitchFamily="50" charset="-127"/>
               </a:rPr>
               <a:t>.</a:t>
             </a:r>
           </a:p>
           <a:p>
-            <a:pPr marL="228600" indent="-228600">
-              <a:buAutoNum type="arabicParenBoth"/>
+            <a:pPr>
               <a:defRPr/>
             </a:pPr>
             <a:r>
-              <a:rPr kumimoji="0" lang="en-US" altLang="ko-KR" b="0" kern="0" baseline="0" dirty="0" smtClean="0">
-                <a:sym typeface="굴림" pitchFamily="50" charset="-127"/>
-              </a:rPr>
-              <a:t>Underflow</a:t>
-            </a:r>
-            <a:r>
-              <a:rPr kumimoji="0" lang="ko-KR" altLang="en-US" b="0" kern="0" baseline="0" dirty="0" smtClean="0">
-                <a:sym typeface="굴림" pitchFamily="50" charset="-127"/>
-              </a:rPr>
-              <a:t>를 파일 사이즈 관점에서 식을 세웠습니다</a:t>
-            </a:r>
-            <a:r>
-              <a:rPr kumimoji="0" lang="en-US" altLang="ko-KR" b="0" kern="0" baseline="0" dirty="0" smtClean="0">
+              <a:rPr kumimoji="0" lang="en-US" altLang="ko-KR" kern="0" dirty="0" smtClean="0">
+                <a:sym typeface="굴림" pitchFamily="50" charset="-127"/>
+              </a:rPr>
+              <a:t>(2)</a:t>
+            </a:r>
+            <a:r>
+              <a:rPr kumimoji="0" lang="ko-KR" altLang="en-US" kern="0" dirty="0" smtClean="0">
+                <a:sym typeface="굴림" pitchFamily="50" charset="-127"/>
+              </a:rPr>
+              <a:t>목적은 사용자가 원하는 퀄리티와 제안된 시스템에서 조절된 퀄리티의 차이의 합을 최소화 하는 것입니다</a:t>
+            </a:r>
+            <a:r>
+              <a:rPr kumimoji="0" lang="en-US" altLang="ko-KR" kern="0" dirty="0" smtClean="0">
                 <a:sym typeface="굴림" pitchFamily="50" charset="-127"/>
               </a:rPr>
               <a:t>.</a:t>
             </a:r>
           </a:p>
           <a:p>
-            <a:pPr marL="228600" indent="-228600">
-              <a:buAutoNum type="arabicParenBoth"/>
+            <a:pPr>
               <a:defRPr/>
             </a:pPr>
             <a:r>
-              <a:rPr kumimoji="0" lang="en-US" altLang="ko-KR" b="0" kern="0" baseline="0" dirty="0" smtClean="0">
-                <a:sym typeface="굴림" pitchFamily="50" charset="-127"/>
-              </a:rPr>
-              <a:t>SDN</a:t>
-            </a:r>
-            <a:r>
-              <a:rPr kumimoji="0" lang="ko-KR" altLang="en-US" b="0" kern="0" baseline="0" dirty="0" smtClean="0">
-                <a:sym typeface="굴림" pitchFamily="50" charset="-127"/>
-              </a:rPr>
-              <a:t>이 정해주는 </a:t>
-            </a:r>
-            <a:r>
-              <a:rPr kumimoji="0" lang="en-US" altLang="ko-KR" b="0" kern="0" baseline="0" dirty="0" smtClean="0">
-                <a:sym typeface="굴림" pitchFamily="50" charset="-127"/>
-              </a:rPr>
-              <a:t>Bitrate</a:t>
-            </a:r>
-            <a:r>
-              <a:rPr kumimoji="0" lang="ko-KR" altLang="en-US" b="0" kern="0" baseline="0" dirty="0" smtClean="0">
-                <a:sym typeface="굴림" pitchFamily="50" charset="-127"/>
-              </a:rPr>
-              <a:t>는 추정한</a:t>
-            </a:r>
-            <a:r>
-              <a:rPr kumimoji="0" lang="en-US" altLang="ko-KR" b="0" kern="0" baseline="0" dirty="0" smtClean="0">
-                <a:sym typeface="굴림" pitchFamily="50" charset="-127"/>
-              </a:rPr>
-              <a:t> Bandwidth </a:t>
-            </a:r>
-            <a:r>
-              <a:rPr kumimoji="0" lang="ko-KR" altLang="en-US" b="0" kern="0" baseline="0" dirty="0" smtClean="0">
-                <a:sym typeface="굴림" pitchFamily="50" charset="-127"/>
-              </a:rPr>
-              <a:t>보다 항상 같거나 </a:t>
-            </a:r>
-            <a:r>
-              <a:rPr kumimoji="0" lang="ko-KR" altLang="en-US" b="0" kern="0" baseline="0" dirty="0" err="1" smtClean="0">
-                <a:sym typeface="굴림" pitchFamily="50" charset="-127"/>
-              </a:rPr>
-              <a:t>작아야합니다</a:t>
-            </a:r>
-            <a:r>
-              <a:rPr kumimoji="0" lang="en-US" altLang="ko-KR" b="0" kern="0" baseline="0" dirty="0" smtClean="0">
+              <a:rPr kumimoji="0" lang="ko-KR" altLang="en-US" kern="0" dirty="0" smtClean="0">
+                <a:sym typeface="굴림" pitchFamily="50" charset="-127"/>
+              </a:rPr>
+              <a:t>여기서 </a:t>
+            </a:r>
+            <a:r>
+              <a:rPr kumimoji="0" lang="en-US" altLang="ko-KR" kern="0" dirty="0" smtClean="0">
+                <a:sym typeface="굴림" pitchFamily="50" charset="-127"/>
+              </a:rPr>
+              <a:t>max</a:t>
+            </a:r>
+            <a:r>
+              <a:rPr kumimoji="0" lang="ko-KR" altLang="en-US" kern="0" dirty="0" smtClean="0">
+                <a:sym typeface="굴림" pitchFamily="50" charset="-127"/>
+              </a:rPr>
+              <a:t>함수가 사용되었는데 이는 퀄리티의 차이가 음수가 나오는 것을 방지하기 위함입니다</a:t>
+            </a:r>
+            <a:r>
+              <a:rPr kumimoji="0" lang="en-US" altLang="ko-KR" kern="0" dirty="0" smtClean="0">
                 <a:sym typeface="굴림" pitchFamily="50" charset="-127"/>
               </a:rPr>
               <a:t>.</a:t>
             </a:r>
           </a:p>
           <a:p>
-            <a:pPr marL="228600" indent="-228600">
-              <a:buAutoNum type="arabicParenBoth"/>
+            <a:pPr>
               <a:defRPr/>
             </a:pPr>
             <a:r>
-              <a:rPr kumimoji="0" lang="ko-KR" altLang="en-US" b="0" kern="0" baseline="0" dirty="0" err="1" smtClean="0">
-                <a:sym typeface="굴림" pitchFamily="50" charset="-127"/>
-              </a:rPr>
-              <a:t>ㄹ</a:t>
-            </a:r>
-            <a:endParaRPr kumimoji="0" lang="en-US" altLang="ko-KR" b="0" kern="0" baseline="0" dirty="0" smtClean="0">
-              <a:sym typeface="굴림" pitchFamily="50" charset="-127"/>
-            </a:endParaRPr>
-          </a:p>
-          <a:p>
-            <a:pPr marL="228600" indent="-228600">
-              <a:buAutoNum type="arabicParenBoth"/>
+              <a:rPr kumimoji="0" lang="en-US" altLang="ko-KR" kern="0" dirty="0" smtClean="0">
+                <a:sym typeface="굴림" pitchFamily="50" charset="-127"/>
+              </a:rPr>
+              <a:t>(3)</a:t>
+            </a:r>
+            <a:r>
+              <a:rPr kumimoji="0" lang="ko-KR" altLang="en-US" kern="0" dirty="0" smtClean="0">
+                <a:sym typeface="굴림" pitchFamily="50" charset="-127"/>
+              </a:rPr>
+              <a:t>여기서 부터 </a:t>
+            </a:r>
+            <a:r>
+              <a:rPr kumimoji="0" lang="ko-KR" altLang="en-US" kern="0" dirty="0" err="1" smtClean="0">
+                <a:sym typeface="굴림" pitchFamily="50" charset="-127"/>
+              </a:rPr>
+              <a:t>제약조건입니다</a:t>
+            </a:r>
+            <a:r>
+              <a:rPr kumimoji="0" lang="en-US" altLang="ko-KR" kern="0" dirty="0" smtClean="0">
+                <a:sym typeface="굴림" pitchFamily="50" charset="-127"/>
+              </a:rPr>
+              <a:t>.</a:t>
+            </a:r>
+          </a:p>
+          <a:p>
+            <a:pPr>
               <a:defRPr/>
             </a:pPr>
             <a:r>
-              <a:rPr kumimoji="0" lang="ko-KR" altLang="en-US" b="0" kern="0" baseline="0" dirty="0" smtClean="0">
-                <a:sym typeface="굴림" pitchFamily="50" charset="-127"/>
-              </a:rPr>
-              <a:t>자원관리를 시간 관점에서 관리합니다</a:t>
-            </a:r>
-            <a:r>
-              <a:rPr kumimoji="0" lang="en-US" altLang="ko-KR" b="0" kern="0" baseline="0" dirty="0" smtClean="0">
+              <a:rPr kumimoji="0" lang="ko-KR" altLang="en-US" kern="0" dirty="0" smtClean="0">
+                <a:sym typeface="굴림" pitchFamily="50" charset="-127"/>
+              </a:rPr>
+              <a:t>세번째의 경우는 파일 사이즈 관점에서 버퍼 </a:t>
+            </a:r>
+            <a:r>
+              <a:rPr kumimoji="0" lang="ko-KR" altLang="en-US" kern="0" dirty="0" err="1" smtClean="0">
+                <a:sym typeface="굴림" pitchFamily="50" charset="-127"/>
+              </a:rPr>
+              <a:t>언더플로우를</a:t>
+            </a:r>
+            <a:r>
+              <a:rPr kumimoji="0" lang="ko-KR" altLang="en-US" kern="0" dirty="0" smtClean="0">
+                <a:sym typeface="굴림" pitchFamily="50" charset="-127"/>
+              </a:rPr>
+              <a:t> 막기 위한 식입니다</a:t>
+            </a:r>
+            <a:r>
+              <a:rPr kumimoji="0" lang="en-US" altLang="ko-KR" kern="0" dirty="0" smtClean="0">
+                <a:sym typeface="굴림" pitchFamily="50" charset="-127"/>
+              </a:rPr>
+              <a:t>.</a:t>
+            </a:r>
+          </a:p>
+          <a:p>
+            <a:pPr>
+              <a:defRPr/>
+            </a:pPr>
+            <a:r>
+              <a:rPr kumimoji="0" lang="ko-KR" altLang="en-US" kern="0" dirty="0" smtClean="0">
+                <a:sym typeface="굴림" pitchFamily="50" charset="-127"/>
+              </a:rPr>
+              <a:t>이항은 현재 받고 있는 파일의 크기입니다</a:t>
+            </a:r>
+            <a:r>
+              <a:rPr kumimoji="0" lang="en-US" altLang="ko-KR" kern="0" dirty="0" smtClean="0">
                 <a:sym typeface="굴림" pitchFamily="50" charset="-127"/>
               </a:rPr>
               <a:t>. </a:t>
             </a:r>
             <a:r>
-              <a:rPr kumimoji="0" lang="ko-KR" altLang="en-US" b="0" kern="0" baseline="0" dirty="0" smtClean="0">
-                <a:sym typeface="굴림" pitchFamily="50" charset="-127"/>
-              </a:rPr>
-              <a:t>그래서 </a:t>
-            </a:r>
-            <a:r>
-              <a:rPr kumimoji="0" lang="en-US" altLang="ko-KR" b="0" kern="0" baseline="0" dirty="0" smtClean="0">
-                <a:sym typeface="굴림" pitchFamily="50" charset="-127"/>
-              </a:rPr>
-              <a:t>time slot</a:t>
-            </a:r>
-            <a:r>
-              <a:rPr kumimoji="0" lang="ko-KR" altLang="en-US" b="0" kern="0" baseline="0" dirty="0" smtClean="0">
-                <a:sym typeface="굴림" pitchFamily="50" charset="-127"/>
-              </a:rPr>
-              <a:t>을 사용하였습니다</a:t>
-            </a:r>
-            <a:r>
-              <a:rPr kumimoji="0" lang="en-US" altLang="ko-KR" b="0" kern="0" baseline="0" dirty="0" smtClean="0">
+              <a:rPr kumimoji="0" lang="ko-KR" altLang="en-US" kern="0" dirty="0" smtClean="0">
+                <a:sym typeface="굴림" pitchFamily="50" charset="-127"/>
+              </a:rPr>
+              <a:t>이항은 현재 버퍼에 저장된 파일의 크기입니다</a:t>
+            </a:r>
+            <a:r>
+              <a:rPr kumimoji="0" lang="en-US" altLang="ko-KR" kern="0" dirty="0" smtClean="0">
                 <a:sym typeface="굴림" pitchFamily="50" charset="-127"/>
               </a:rPr>
               <a:t>.</a:t>
             </a:r>
-            <a:r>
-              <a:rPr kumimoji="0" lang="ko-KR" altLang="en-US" b="0" kern="0" baseline="0" dirty="0" smtClean="0">
-                <a:sym typeface="굴림" pitchFamily="50" charset="-127"/>
-              </a:rPr>
-              <a:t> </a:t>
-            </a:r>
-            <a:endParaRPr kumimoji="0" lang="en-US" altLang="ko-KR" b="0" kern="0" baseline="0" dirty="0" smtClean="0">
+          </a:p>
+          <a:p>
+            <a:pPr>
+              <a:defRPr/>
+            </a:pPr>
+            <a:r>
+              <a:rPr kumimoji="0" lang="ko-KR" altLang="en-US" kern="0" dirty="0" smtClean="0">
+                <a:sym typeface="굴림" pitchFamily="50" charset="-127"/>
+              </a:rPr>
+              <a:t>좌변은 지금 재생 중인 인덱스까지의 파일 크기입니다</a:t>
+            </a:r>
+            <a:r>
+              <a:rPr kumimoji="0" lang="en-US" altLang="ko-KR" kern="0" dirty="0" smtClean="0">
+                <a:sym typeface="굴림" pitchFamily="50" charset="-127"/>
+              </a:rPr>
+              <a:t>.</a:t>
+            </a:r>
+          </a:p>
+          <a:p>
+            <a:pPr>
+              <a:defRPr/>
+            </a:pPr>
+            <a:r>
+              <a:rPr kumimoji="0" lang="ko-KR" altLang="en-US" kern="0" dirty="0" smtClean="0">
+                <a:sym typeface="굴림" pitchFamily="50" charset="-127"/>
+              </a:rPr>
+              <a:t>버퍼 </a:t>
+            </a:r>
+            <a:r>
+              <a:rPr kumimoji="0" lang="ko-KR" altLang="en-US" kern="0" dirty="0" err="1" smtClean="0">
+                <a:sym typeface="굴림" pitchFamily="50" charset="-127"/>
+              </a:rPr>
+              <a:t>언더플로우를</a:t>
+            </a:r>
+            <a:r>
+              <a:rPr kumimoji="0" lang="ko-KR" altLang="en-US" kern="0" dirty="0" smtClean="0">
+                <a:sym typeface="굴림" pitchFamily="50" charset="-127"/>
+              </a:rPr>
+              <a:t> 막으려면 현재 재생 중인 곳까지의 파일 크기보다 이미 받은 파일의 크기가 더 </a:t>
+            </a:r>
+            <a:r>
+              <a:rPr kumimoji="0" lang="ko-KR" altLang="en-US" kern="0" dirty="0" err="1" smtClean="0">
+                <a:sym typeface="굴림" pitchFamily="50" charset="-127"/>
+              </a:rPr>
+              <a:t>커야합니다</a:t>
+            </a:r>
+            <a:r>
+              <a:rPr kumimoji="0" lang="en-US" altLang="ko-KR" kern="0" dirty="0" smtClean="0">
+                <a:sym typeface="굴림" pitchFamily="50" charset="-127"/>
+              </a:rPr>
+              <a:t>.</a:t>
+            </a:r>
+          </a:p>
+          <a:p>
+            <a:pPr>
+              <a:defRPr/>
+            </a:pPr>
+            <a:r>
+              <a:rPr kumimoji="0" lang="ko-KR" altLang="en-US" kern="0" dirty="0" smtClean="0">
+                <a:sym typeface="굴림" pitchFamily="50" charset="-127"/>
+              </a:rPr>
+              <a:t>또한 단순히 재생중인 곳까지의 </a:t>
+            </a:r>
+            <a:r>
+              <a:rPr kumimoji="0" lang="ko-KR" altLang="en-US" kern="0" dirty="0" err="1" smtClean="0">
+                <a:sym typeface="굴림" pitchFamily="50" charset="-127"/>
+              </a:rPr>
+              <a:t>파일크기와</a:t>
+            </a:r>
+            <a:r>
+              <a:rPr kumimoji="0" lang="ko-KR" altLang="en-US" kern="0" dirty="0" smtClean="0">
+                <a:sym typeface="굴림" pitchFamily="50" charset="-127"/>
+              </a:rPr>
+              <a:t> 이미 받은 파일 크기가 같으면 끊김 현상이 발생할 수 있으므로 </a:t>
+            </a:r>
+          </a:p>
+          <a:p>
+            <a:pPr>
+              <a:defRPr/>
+            </a:pPr>
+            <a:r>
+              <a:rPr kumimoji="0" lang="ko-KR" altLang="en-US" kern="0" dirty="0" smtClean="0">
+                <a:sym typeface="굴림" pitchFamily="50" charset="-127"/>
+              </a:rPr>
+              <a:t>특정한 </a:t>
+            </a:r>
+            <a:r>
+              <a:rPr kumimoji="0" lang="en-US" altLang="ko-KR" kern="0" dirty="0" smtClean="0">
+                <a:sym typeface="굴림" pitchFamily="50" charset="-127"/>
+              </a:rPr>
+              <a:t>Threshold</a:t>
+            </a:r>
+            <a:r>
+              <a:rPr kumimoji="0" lang="ko-KR" altLang="en-US" kern="0" dirty="0" smtClean="0">
+                <a:sym typeface="굴림" pitchFamily="50" charset="-127"/>
+              </a:rPr>
+              <a:t>를 넣어 </a:t>
+            </a:r>
+            <a:r>
+              <a:rPr kumimoji="0" lang="ko-KR" altLang="en-US" kern="0" dirty="0" err="1" smtClean="0">
+                <a:sym typeface="굴림" pitchFamily="50" charset="-127"/>
+              </a:rPr>
+              <a:t>끊김없는</a:t>
+            </a:r>
+            <a:r>
+              <a:rPr kumimoji="0" lang="ko-KR" altLang="en-US" kern="0" dirty="0" smtClean="0">
+                <a:sym typeface="굴림" pitchFamily="50" charset="-127"/>
+              </a:rPr>
+              <a:t> 영상이 스트리밍되도록 합니다</a:t>
+            </a:r>
+            <a:r>
+              <a:rPr kumimoji="0" lang="en-US" altLang="ko-KR" kern="0" dirty="0" smtClean="0">
+                <a:sym typeface="굴림" pitchFamily="50" charset="-127"/>
+              </a:rPr>
+              <a:t>.</a:t>
+            </a:r>
+          </a:p>
+          <a:p>
+            <a:pPr>
+              <a:defRPr/>
+            </a:pPr>
+            <a:r>
+              <a:rPr kumimoji="0" lang="en-US" altLang="ko-KR" kern="0" dirty="0" smtClean="0">
+                <a:sym typeface="굴림" pitchFamily="50" charset="-127"/>
+              </a:rPr>
+              <a:t>(4)</a:t>
+            </a:r>
+            <a:r>
+              <a:rPr kumimoji="0" lang="ko-KR" altLang="en-US" kern="0" dirty="0" smtClean="0">
+                <a:sym typeface="굴림" pitchFamily="50" charset="-127"/>
+              </a:rPr>
+              <a:t>의 경우는 </a:t>
+            </a:r>
+            <a:r>
+              <a:rPr kumimoji="0" lang="en-US" altLang="ko-KR" kern="0" dirty="0" smtClean="0">
+                <a:sym typeface="굴림" pitchFamily="50" charset="-127"/>
+              </a:rPr>
+              <a:t>SDN Controller</a:t>
+            </a:r>
+            <a:r>
+              <a:rPr kumimoji="0" lang="ko-KR" altLang="en-US" kern="0" dirty="0" smtClean="0">
+                <a:sym typeface="굴림" pitchFamily="50" charset="-127"/>
+              </a:rPr>
+              <a:t>가 </a:t>
+            </a:r>
+            <a:r>
+              <a:rPr kumimoji="0" lang="en-US" altLang="ko-KR" kern="0" dirty="0" smtClean="0">
+                <a:sym typeface="굴림" pitchFamily="50" charset="-127"/>
+              </a:rPr>
+              <a:t>Bitrate</a:t>
+            </a:r>
+            <a:r>
+              <a:rPr kumimoji="0" lang="ko-KR" altLang="en-US" kern="0" dirty="0" smtClean="0">
+                <a:sym typeface="굴림" pitchFamily="50" charset="-127"/>
+              </a:rPr>
+              <a:t>를 추정된 </a:t>
+            </a:r>
+            <a:r>
+              <a:rPr kumimoji="0" lang="en-US" altLang="ko-KR" kern="0" dirty="0" smtClean="0">
+                <a:sym typeface="굴림" pitchFamily="50" charset="-127"/>
+              </a:rPr>
+              <a:t>Bandwidth</a:t>
+            </a:r>
+            <a:r>
+              <a:rPr kumimoji="0" lang="ko-KR" altLang="en-US" kern="0" dirty="0" smtClean="0">
+                <a:sym typeface="굴림" pitchFamily="50" charset="-127"/>
+              </a:rPr>
+              <a:t>보다 작게 조절해야함을 말합니다</a:t>
+            </a:r>
+            <a:r>
+              <a:rPr kumimoji="0" lang="en-US" altLang="ko-KR" kern="0" dirty="0" smtClean="0">
+                <a:sym typeface="굴림" pitchFamily="50" charset="-127"/>
+              </a:rPr>
+              <a:t>.</a:t>
+            </a:r>
+          </a:p>
+          <a:p>
+            <a:pPr>
+              <a:defRPr/>
+            </a:pPr>
+            <a:r>
+              <a:rPr kumimoji="0" lang="en-US" altLang="ko-KR" kern="0" dirty="0" smtClean="0">
+                <a:sym typeface="굴림" pitchFamily="50" charset="-127"/>
+              </a:rPr>
+              <a:t>(5)</a:t>
+            </a:r>
+            <a:r>
+              <a:rPr kumimoji="0" lang="ko-KR" altLang="en-US" kern="0" dirty="0" smtClean="0">
+                <a:sym typeface="굴림" pitchFamily="50" charset="-127"/>
+              </a:rPr>
+              <a:t>우변은 </a:t>
+            </a:r>
+            <a:r>
+              <a:rPr kumimoji="0" lang="en-US" altLang="ko-KR" kern="0" dirty="0" smtClean="0">
+                <a:sym typeface="굴림" pitchFamily="50" charset="-127"/>
+              </a:rPr>
+              <a:t>UE</a:t>
+            </a:r>
+            <a:r>
+              <a:rPr kumimoji="0" lang="ko-KR" altLang="en-US" kern="0" dirty="0" smtClean="0">
+                <a:sym typeface="굴림" pitchFamily="50" charset="-127"/>
+              </a:rPr>
+              <a:t>가 </a:t>
+            </a:r>
+            <a:r>
+              <a:rPr kumimoji="0" lang="ko-KR" altLang="en-US" kern="0" dirty="0" err="1" smtClean="0">
+                <a:sym typeface="굴림" pitchFamily="50" charset="-127"/>
+              </a:rPr>
+              <a:t>이용가능한</a:t>
+            </a:r>
+            <a:r>
+              <a:rPr kumimoji="0" lang="ko-KR" altLang="en-US" kern="0" dirty="0" smtClean="0">
+                <a:sym typeface="굴림" pitchFamily="50" charset="-127"/>
+              </a:rPr>
+              <a:t> 데이터의 양을 의미합니다</a:t>
+            </a:r>
+            <a:r>
+              <a:rPr kumimoji="0" lang="en-US" altLang="ko-KR" kern="0" dirty="0" smtClean="0">
+                <a:sym typeface="굴림" pitchFamily="50" charset="-127"/>
+              </a:rPr>
+              <a:t>. RSSI</a:t>
+            </a:r>
+            <a:r>
+              <a:rPr kumimoji="0" lang="ko-KR" altLang="en-US" kern="0" dirty="0" smtClean="0">
+                <a:sym typeface="굴림" pitchFamily="50" charset="-127"/>
+              </a:rPr>
+              <a:t>에 따른 </a:t>
+            </a:r>
+            <a:r>
+              <a:rPr kumimoji="0" lang="en-US" altLang="ko-KR" kern="0" dirty="0" smtClean="0">
+                <a:sym typeface="굴림" pitchFamily="50" charset="-127"/>
+              </a:rPr>
+              <a:t>Bandwidth</a:t>
+            </a:r>
+            <a:r>
+              <a:rPr kumimoji="0" lang="ko-KR" altLang="en-US" kern="0" dirty="0" smtClean="0">
+                <a:sym typeface="굴림" pitchFamily="50" charset="-127"/>
+              </a:rPr>
+              <a:t>와 </a:t>
+            </a:r>
+            <a:r>
+              <a:rPr kumimoji="0" lang="ko-KR" altLang="en-US" kern="0" dirty="0" err="1" smtClean="0">
+                <a:sym typeface="굴림" pitchFamily="50" charset="-127"/>
+              </a:rPr>
+              <a:t>이용가능한</a:t>
+            </a:r>
+            <a:r>
+              <a:rPr kumimoji="0" lang="ko-KR" altLang="en-US" kern="0" dirty="0" smtClean="0">
+                <a:sym typeface="굴림" pitchFamily="50" charset="-127"/>
+              </a:rPr>
+              <a:t> 시간을 이용해 데이터의 양을 구합니다</a:t>
+            </a:r>
+            <a:r>
+              <a:rPr kumimoji="0" lang="en-US" altLang="ko-KR" kern="0" dirty="0" smtClean="0">
+                <a:sym typeface="굴림" pitchFamily="50" charset="-127"/>
+              </a:rPr>
+              <a:t>.</a:t>
+            </a:r>
+          </a:p>
+          <a:p>
+            <a:pPr>
+              <a:defRPr/>
+            </a:pPr>
+            <a:r>
+              <a:rPr kumimoji="0" lang="ko-KR" altLang="en-US" kern="0" dirty="0" smtClean="0">
+                <a:sym typeface="굴림" pitchFamily="50" charset="-127"/>
+              </a:rPr>
+              <a:t>좌변은 받는 데이터의 양이며 </a:t>
+            </a:r>
+            <a:r>
+              <a:rPr kumimoji="0" lang="en-US" altLang="ko-KR" kern="0" dirty="0" smtClean="0">
+                <a:sym typeface="굴림" pitchFamily="50" charset="-127"/>
+              </a:rPr>
+              <a:t>SDN</a:t>
+            </a:r>
+            <a:r>
+              <a:rPr kumimoji="0" lang="ko-KR" altLang="en-US" kern="0" dirty="0" smtClean="0">
+                <a:sym typeface="굴림" pitchFamily="50" charset="-127"/>
+              </a:rPr>
+              <a:t>이 </a:t>
+            </a:r>
+            <a:r>
+              <a:rPr kumimoji="0" lang="ko-KR" altLang="en-US" kern="0" dirty="0" err="1" smtClean="0">
+                <a:sym typeface="굴림" pitchFamily="50" charset="-127"/>
+              </a:rPr>
+              <a:t>이용가능한</a:t>
+            </a:r>
+            <a:r>
+              <a:rPr kumimoji="0" lang="ko-KR" altLang="en-US" kern="0" dirty="0" smtClean="0">
+                <a:sym typeface="굴림" pitchFamily="50" charset="-127"/>
+              </a:rPr>
+              <a:t> 데이터의 양보다 작게 </a:t>
+            </a:r>
+            <a:r>
+              <a:rPr kumimoji="0" lang="en-US" altLang="ko-KR" kern="0" dirty="0" smtClean="0">
+                <a:sym typeface="굴림" pitchFamily="50" charset="-127"/>
+              </a:rPr>
+              <a:t>Bitrate</a:t>
+            </a:r>
+            <a:r>
+              <a:rPr kumimoji="0" lang="ko-KR" altLang="en-US" kern="0" dirty="0" smtClean="0">
+                <a:sym typeface="굴림" pitchFamily="50" charset="-127"/>
+              </a:rPr>
+              <a:t>를 조절하게 합니다</a:t>
+            </a:r>
+            <a:r>
+              <a:rPr kumimoji="0" lang="en-US" altLang="ko-KR" kern="0" dirty="0" smtClean="0">
+                <a:sym typeface="굴림" pitchFamily="50" charset="-127"/>
+              </a:rPr>
+              <a:t>.</a:t>
+            </a:r>
+          </a:p>
+          <a:p>
+            <a:pPr>
+              <a:defRPr/>
+            </a:pPr>
+            <a:r>
+              <a:rPr kumimoji="0" lang="en-US" altLang="ko-KR" kern="0" dirty="0" smtClean="0">
+                <a:sym typeface="굴림" pitchFamily="50" charset="-127"/>
+              </a:rPr>
+              <a:t>(6)</a:t>
+            </a:r>
+            <a:r>
+              <a:rPr kumimoji="0" lang="ko-KR" altLang="en-US" kern="0" dirty="0" smtClean="0">
+                <a:sym typeface="굴림" pitchFamily="50" charset="-127"/>
+              </a:rPr>
+              <a:t>전체적인 자원을 시간의 관점에서 관리하도록 </a:t>
+            </a:r>
+            <a:r>
+              <a:rPr kumimoji="0" lang="en-US" altLang="ko-KR" kern="0" dirty="0" smtClean="0">
+                <a:sym typeface="굴림" pitchFamily="50" charset="-127"/>
+              </a:rPr>
+              <a:t>Timeslot</a:t>
+            </a:r>
+            <a:r>
+              <a:rPr kumimoji="0" lang="ko-KR" altLang="en-US" kern="0" dirty="0" smtClean="0">
+                <a:sym typeface="굴림" pitchFamily="50" charset="-127"/>
+              </a:rPr>
+              <a:t>을 넣었습니다</a:t>
+            </a:r>
+            <a:r>
+              <a:rPr kumimoji="0" lang="en-US" altLang="ko-KR" kern="0" dirty="0" smtClean="0">
+                <a:sym typeface="굴림" pitchFamily="50" charset="-127"/>
+              </a:rPr>
+              <a:t>.</a:t>
+            </a:r>
+            <a:endParaRPr kumimoji="0" lang="en-US" altLang="ko-KR" kern="0" dirty="0" smtClean="0">
               <a:sym typeface="굴림" pitchFamily="50" charset="-127"/>
             </a:endParaRPr>
           </a:p>
@@ -2426,356 +2696,250 @@
             </a:r>
           </a:p>
           <a:p>
-            <a:pPr marL="228600" indent="-228600">
-              <a:buAutoNum type="arabicParenBoth"/>
+            <a:pPr>
               <a:defRPr/>
             </a:pPr>
             <a:r>
-              <a:rPr kumimoji="0" lang="en-US" altLang="ko-KR" b="0" kern="0" baseline="0" dirty="0" smtClean="0">
-                <a:sym typeface="굴림" pitchFamily="50" charset="-127"/>
-              </a:rPr>
-              <a:t>UE</a:t>
-            </a:r>
-            <a:r>
-              <a:rPr kumimoji="0" lang="ko-KR" altLang="en-US" b="0" kern="0" baseline="0" dirty="0" smtClean="0">
-                <a:sym typeface="굴림" pitchFamily="50" charset="-127"/>
-              </a:rPr>
-              <a:t>가 새로운 </a:t>
-            </a:r>
-            <a:r>
-              <a:rPr kumimoji="0" lang="en-US" altLang="ko-KR" b="0" kern="0" baseline="0" dirty="0" smtClean="0">
-                <a:sym typeface="굴림" pitchFamily="50" charset="-127"/>
-              </a:rPr>
-              <a:t>AP</a:t>
-            </a:r>
-            <a:r>
-              <a:rPr kumimoji="0" lang="ko-KR" altLang="en-US" b="0" kern="0" baseline="0" dirty="0" smtClean="0">
-                <a:sym typeface="굴림" pitchFamily="50" charset="-127"/>
-              </a:rPr>
-              <a:t>에 연결될 때마다 </a:t>
-            </a:r>
-            <a:r>
-              <a:rPr kumimoji="0" lang="en-US" altLang="ko-KR" b="0" kern="0" baseline="0" dirty="0" smtClean="0">
-                <a:sym typeface="굴림" pitchFamily="50" charset="-127"/>
-              </a:rPr>
-              <a:t>Bitrate </a:t>
-            </a:r>
-            <a:r>
-              <a:rPr kumimoji="0" lang="ko-KR" altLang="en-US" b="0" kern="0" baseline="0" dirty="0" smtClean="0">
-                <a:sym typeface="굴림" pitchFamily="50" charset="-127"/>
-              </a:rPr>
-              <a:t>재조정</a:t>
-            </a:r>
-            <a:r>
-              <a:rPr kumimoji="0" lang="en-US" altLang="ko-KR" b="0" kern="0" baseline="0" dirty="0" smtClean="0">
-                <a:sym typeface="굴림" pitchFamily="50" charset="-127"/>
-              </a:rPr>
-              <a:t>, </a:t>
-            </a:r>
-            <a:r>
-              <a:rPr kumimoji="0" lang="ko-KR" altLang="en-US" b="0" kern="0" baseline="0" dirty="0" smtClean="0">
-                <a:sym typeface="굴림" pitchFamily="50" charset="-127"/>
-              </a:rPr>
-              <a:t>만약 원하는 </a:t>
-            </a:r>
-            <a:r>
-              <a:rPr kumimoji="0" lang="en-US" altLang="ko-KR" b="0" kern="0" baseline="0" dirty="0" smtClean="0">
-                <a:sym typeface="굴림" pitchFamily="50" charset="-127"/>
-              </a:rPr>
-              <a:t>Bitrate</a:t>
-            </a:r>
-            <a:r>
-              <a:rPr kumimoji="0" lang="ko-KR" altLang="en-US" b="0" kern="0" baseline="0" dirty="0" smtClean="0">
-                <a:sym typeface="굴림" pitchFamily="50" charset="-127"/>
-              </a:rPr>
-              <a:t>랑 </a:t>
-            </a:r>
-            <a:r>
-              <a:rPr kumimoji="0" lang="en-US" altLang="ko-KR" b="0" kern="0" baseline="0" dirty="0" smtClean="0">
-                <a:sym typeface="굴림" pitchFamily="50" charset="-127"/>
-              </a:rPr>
-              <a:t>SDN</a:t>
-            </a:r>
-            <a:r>
-              <a:rPr kumimoji="0" lang="ko-KR" altLang="en-US" b="0" kern="0" baseline="0" dirty="0" smtClean="0">
-                <a:sym typeface="굴림" pitchFamily="50" charset="-127"/>
-              </a:rPr>
-              <a:t>이 정해주는 </a:t>
-            </a:r>
-            <a:r>
-              <a:rPr kumimoji="0" lang="en-US" altLang="ko-KR" b="0" kern="0" baseline="0" dirty="0" smtClean="0">
-                <a:sym typeface="굴림" pitchFamily="50" charset="-127"/>
-              </a:rPr>
-              <a:t>Bitrate</a:t>
-            </a:r>
-            <a:r>
-              <a:rPr kumimoji="0" lang="ko-KR" altLang="en-US" b="0" kern="0" baseline="0" dirty="0" smtClean="0">
-                <a:sym typeface="굴림" pitchFamily="50" charset="-127"/>
-              </a:rPr>
-              <a:t>와의</a:t>
-            </a:r>
-            <a:r>
-              <a:rPr kumimoji="0" lang="en-US" altLang="ko-KR" b="0" kern="0" baseline="0" dirty="0" smtClean="0">
-                <a:sym typeface="굴림" pitchFamily="50" charset="-127"/>
-              </a:rPr>
-              <a:t> </a:t>
-            </a:r>
-            <a:r>
-              <a:rPr kumimoji="0" lang="ko-KR" altLang="en-US" b="0" kern="0" baseline="0" dirty="0" smtClean="0">
-                <a:sym typeface="굴림" pitchFamily="50" charset="-127"/>
-              </a:rPr>
-              <a:t>차이가 특정 값보다 크면 </a:t>
-            </a:r>
-            <a:r>
-              <a:rPr kumimoji="0" lang="en-US" altLang="ko-KR" b="0" kern="0" baseline="0" dirty="0" smtClean="0">
-                <a:sym typeface="굴림" pitchFamily="50" charset="-127"/>
-              </a:rPr>
-              <a:t>AP </a:t>
-            </a:r>
-            <a:r>
-              <a:rPr kumimoji="0" lang="ko-KR" altLang="en-US" b="0" kern="0" baseline="0" dirty="0" smtClean="0">
-                <a:sym typeface="굴림" pitchFamily="50" charset="-127"/>
-              </a:rPr>
-              <a:t>연결을 재 구성합니다</a:t>
-            </a:r>
-            <a:r>
-              <a:rPr kumimoji="0" lang="en-US" altLang="ko-KR" b="0" kern="0" baseline="0" dirty="0" smtClean="0">
+              <a:rPr kumimoji="0" lang="ko-KR" altLang="en-US" kern="0" dirty="0" smtClean="0">
+                <a:sym typeface="굴림" pitchFamily="50" charset="-127"/>
+              </a:rPr>
+              <a:t>전체적인 알고리즘을 </a:t>
+            </a:r>
+            <a:r>
+              <a:rPr kumimoji="0" lang="ko-KR" altLang="en-US" kern="0" dirty="0" err="1" smtClean="0">
+                <a:sym typeface="굴림" pitchFamily="50" charset="-127"/>
+              </a:rPr>
+              <a:t>설명드리겠습니다</a:t>
+            </a:r>
+            <a:r>
+              <a:rPr kumimoji="0" lang="en-US" altLang="ko-KR" kern="0" dirty="0" smtClean="0">
                 <a:sym typeface="굴림" pitchFamily="50" charset="-127"/>
               </a:rPr>
               <a:t>.</a:t>
             </a:r>
           </a:p>
           <a:p>
-            <a:pPr marL="228600" indent="-228600">
-              <a:buAutoNum type="arabicParenBoth"/>
+            <a:pPr>
               <a:defRPr/>
             </a:pPr>
             <a:r>
-              <a:rPr kumimoji="0" lang="ko-KR" altLang="en-US" b="0" kern="0" baseline="0" dirty="0" smtClean="0">
-                <a:sym typeface="굴림" pitchFamily="50" charset="-127"/>
-              </a:rPr>
-              <a:t>사용자가 원하는 퀄리티와 </a:t>
-            </a:r>
-            <a:r>
-              <a:rPr kumimoji="0" lang="en-US" altLang="ko-KR" b="0" kern="0" baseline="0" dirty="0" smtClean="0">
-                <a:sym typeface="굴림" pitchFamily="50" charset="-127"/>
-              </a:rPr>
-              <a:t>SDN</a:t>
-            </a:r>
-            <a:r>
-              <a:rPr kumimoji="0" lang="ko-KR" altLang="en-US" b="0" kern="0" baseline="0" dirty="0" smtClean="0">
-                <a:sym typeface="굴림" pitchFamily="50" charset="-127"/>
-              </a:rPr>
-              <a:t>이 정해주는 퀄리티의 차이를 최소화 하는 것이 </a:t>
-            </a:r>
-            <a:r>
-              <a:rPr kumimoji="0" lang="en-US" altLang="ko-KR" b="0" kern="0" baseline="0" dirty="0" smtClean="0">
-                <a:sym typeface="굴림" pitchFamily="50" charset="-127"/>
-              </a:rPr>
-              <a:t>Formulation</a:t>
-            </a:r>
-            <a:r>
-              <a:rPr kumimoji="0" lang="ko-KR" altLang="en-US" b="0" kern="0" baseline="0" dirty="0" smtClean="0">
-                <a:sym typeface="굴림" pitchFamily="50" charset="-127"/>
-              </a:rPr>
-              <a:t>의 목적</a:t>
-            </a:r>
-            <a:r>
-              <a:rPr kumimoji="0" lang="en-US" altLang="ko-KR" b="0" kern="0" baseline="0" dirty="0" smtClean="0">
-                <a:sym typeface="굴림" pitchFamily="50" charset="-127"/>
-              </a:rPr>
-              <a:t>, </a:t>
-            </a:r>
-            <a:r>
-              <a:rPr kumimoji="0" lang="ko-KR" altLang="en-US" b="0" kern="0" baseline="0" dirty="0" smtClean="0">
-                <a:sym typeface="굴림" pitchFamily="50" charset="-127"/>
-              </a:rPr>
-              <a:t>식에 </a:t>
-            </a:r>
-            <a:r>
-              <a:rPr kumimoji="0" lang="en-US" altLang="ko-KR" b="0" kern="0" baseline="0" dirty="0" smtClean="0">
-                <a:sym typeface="굴림" pitchFamily="50" charset="-127"/>
-              </a:rPr>
-              <a:t>max</a:t>
-            </a:r>
-            <a:r>
-              <a:rPr kumimoji="0" lang="ko-KR" altLang="en-US" b="0" kern="0" baseline="0" dirty="0" smtClean="0">
-                <a:sym typeface="굴림" pitchFamily="50" charset="-127"/>
-              </a:rPr>
-              <a:t>값이 들어간 이유는 </a:t>
-            </a:r>
-            <a:r>
-              <a:rPr kumimoji="0" lang="en-US" altLang="ko-KR" b="0" kern="0" baseline="0" dirty="0" smtClean="0">
-                <a:sym typeface="굴림" pitchFamily="50" charset="-127"/>
-              </a:rPr>
-              <a:t>– </a:t>
-            </a:r>
-            <a:r>
-              <a:rPr kumimoji="0" lang="ko-KR" altLang="en-US" b="0" kern="0" baseline="0" dirty="0" smtClean="0">
-                <a:sym typeface="굴림" pitchFamily="50" charset="-127"/>
-              </a:rPr>
-              <a:t>값을</a:t>
-            </a:r>
-            <a:r>
-              <a:rPr kumimoji="0" lang="en-US" altLang="ko-KR" b="0" kern="0" baseline="0" dirty="0" smtClean="0">
-                <a:sym typeface="굴림" pitchFamily="50" charset="-127"/>
-              </a:rPr>
-              <a:t> </a:t>
-            </a:r>
-            <a:r>
-              <a:rPr kumimoji="0" lang="ko-KR" altLang="en-US" b="0" kern="0" baseline="0" dirty="0" smtClean="0">
-                <a:sym typeface="굴림" pitchFamily="50" charset="-127"/>
-              </a:rPr>
-              <a:t>제거 하기 위함입니다</a:t>
-            </a:r>
-            <a:r>
-              <a:rPr kumimoji="0" lang="en-US" altLang="ko-KR" b="0" kern="0" baseline="0" dirty="0" smtClean="0">
+              <a:rPr kumimoji="0" lang="en-US" altLang="ko-KR" kern="0" dirty="0" smtClean="0">
+                <a:sym typeface="굴림" pitchFamily="50" charset="-127"/>
+              </a:rPr>
+              <a:t>UE</a:t>
+            </a:r>
+            <a:r>
+              <a:rPr kumimoji="0" lang="ko-KR" altLang="en-US" kern="0" dirty="0" smtClean="0">
+                <a:sym typeface="굴림" pitchFamily="50" charset="-127"/>
+              </a:rPr>
+              <a:t>는 연결 가능한 </a:t>
+            </a:r>
+            <a:r>
+              <a:rPr kumimoji="0" lang="en-US" altLang="ko-KR" kern="0" dirty="0" smtClean="0">
+                <a:sym typeface="굴림" pitchFamily="50" charset="-127"/>
+              </a:rPr>
+              <a:t>AP</a:t>
+            </a:r>
+            <a:r>
+              <a:rPr kumimoji="0" lang="ko-KR" altLang="en-US" kern="0" dirty="0" smtClean="0">
+                <a:sym typeface="굴림" pitchFamily="50" charset="-127"/>
+              </a:rPr>
+              <a:t>들을 모두 탐색합니다</a:t>
+            </a:r>
+            <a:r>
+              <a:rPr kumimoji="0" lang="en-US" altLang="ko-KR" kern="0" dirty="0" smtClean="0">
                 <a:sym typeface="굴림" pitchFamily="50" charset="-127"/>
               </a:rPr>
               <a:t>.</a:t>
             </a:r>
           </a:p>
           <a:p>
-            <a:pPr marL="228600" indent="-228600">
-              <a:buAutoNum type="arabicParenBoth"/>
+            <a:pPr>
               <a:defRPr/>
             </a:pPr>
             <a:r>
-              <a:rPr kumimoji="0" lang="en-US" altLang="ko-KR" b="0" kern="0" baseline="0" dirty="0" smtClean="0">
-                <a:sym typeface="굴림" pitchFamily="50" charset="-127"/>
-              </a:rPr>
-              <a:t>Underflow</a:t>
-            </a:r>
-            <a:r>
-              <a:rPr kumimoji="0" lang="ko-KR" altLang="en-US" b="0" kern="0" baseline="0" dirty="0" smtClean="0">
-                <a:sym typeface="굴림" pitchFamily="50" charset="-127"/>
-              </a:rPr>
-              <a:t>를 파일 사이즈 관점에서 식을 세웠습니다</a:t>
-            </a:r>
-            <a:r>
-              <a:rPr kumimoji="0" lang="en-US" altLang="ko-KR" b="0" kern="0" baseline="0" dirty="0" smtClean="0">
-                <a:sym typeface="굴림" pitchFamily="50" charset="-127"/>
-              </a:rPr>
-              <a:t>.</a:t>
-            </a:r>
-          </a:p>
-          <a:p>
-            <a:pPr marL="228600" indent="-228600">
-              <a:buAutoNum type="arabicParenBoth"/>
+              <a:rPr kumimoji="0" lang="ko-KR" altLang="en-US" kern="0" dirty="0" smtClean="0">
+                <a:sym typeface="굴림" pitchFamily="50" charset="-127"/>
+              </a:rPr>
+              <a:t>모두 탐색하면서 이용 가능한 </a:t>
+            </a:r>
+            <a:r>
+              <a:rPr kumimoji="0" lang="en-US" altLang="ko-KR" kern="0" dirty="0" smtClean="0">
+                <a:sym typeface="굴림" pitchFamily="50" charset="-127"/>
+              </a:rPr>
+              <a:t>Bitrate</a:t>
+            </a:r>
+            <a:r>
+              <a:rPr kumimoji="0" lang="ko-KR" altLang="en-US" kern="0" dirty="0" smtClean="0">
+                <a:sym typeface="굴림" pitchFamily="50" charset="-127"/>
+              </a:rPr>
+              <a:t>를 계산하고 </a:t>
+            </a:r>
+          </a:p>
+          <a:p>
+            <a:pPr>
               <a:defRPr/>
             </a:pPr>
             <a:r>
-              <a:rPr kumimoji="0" lang="en-US" altLang="ko-KR" b="0" kern="0" baseline="0" dirty="0" smtClean="0">
-                <a:sym typeface="굴림" pitchFamily="50" charset="-127"/>
-              </a:rPr>
-              <a:t>SDN</a:t>
-            </a:r>
-            <a:r>
-              <a:rPr kumimoji="0" lang="ko-KR" altLang="en-US" b="0" kern="0" baseline="0" dirty="0" smtClean="0">
-                <a:sym typeface="굴림" pitchFamily="50" charset="-127"/>
-              </a:rPr>
-              <a:t>이 정해주는 </a:t>
-            </a:r>
-            <a:r>
-              <a:rPr kumimoji="0" lang="en-US" altLang="ko-KR" b="0" kern="0" baseline="0" dirty="0" smtClean="0">
+              <a:rPr kumimoji="0" lang="ko-KR" altLang="en-US" kern="0" dirty="0" smtClean="0">
+                <a:sym typeface="굴림" pitchFamily="50" charset="-127"/>
+              </a:rPr>
+              <a:t>그 </a:t>
+            </a:r>
+            <a:r>
+              <a:rPr kumimoji="0" lang="en-US" altLang="ko-KR" kern="0" dirty="0" smtClean="0">
                 <a:sym typeface="굴림" pitchFamily="50" charset="-127"/>
               </a:rPr>
               <a:t>Bitrate</a:t>
             </a:r>
             <a:r>
-              <a:rPr kumimoji="0" lang="ko-KR" altLang="en-US" b="0" kern="0" baseline="0" dirty="0" smtClean="0">
-                <a:sym typeface="굴림" pitchFamily="50" charset="-127"/>
-              </a:rPr>
-              <a:t>는 추정한</a:t>
-            </a:r>
-            <a:r>
-              <a:rPr kumimoji="0" lang="en-US" altLang="ko-KR" b="0" kern="0" baseline="0" dirty="0" smtClean="0">
-                <a:sym typeface="굴림" pitchFamily="50" charset="-127"/>
-              </a:rPr>
-              <a:t> Bandwidth </a:t>
-            </a:r>
-            <a:r>
-              <a:rPr kumimoji="0" lang="ko-KR" altLang="en-US" b="0" kern="0" baseline="0" dirty="0" smtClean="0">
-                <a:sym typeface="굴림" pitchFamily="50" charset="-127"/>
-              </a:rPr>
-              <a:t>보다 항상 같거나 </a:t>
-            </a:r>
-            <a:r>
-              <a:rPr kumimoji="0" lang="ko-KR" altLang="en-US" b="0" kern="0" baseline="0" dirty="0" err="1" smtClean="0">
-                <a:sym typeface="굴림" pitchFamily="50" charset="-127"/>
-              </a:rPr>
-              <a:t>작아야합니다</a:t>
-            </a:r>
-            <a:r>
-              <a:rPr kumimoji="0" lang="en-US" altLang="ko-KR" b="0" kern="0" baseline="0" dirty="0" smtClean="0">
-                <a:sym typeface="굴림" pitchFamily="50" charset="-127"/>
-              </a:rPr>
-              <a:t>.</a:t>
-            </a:r>
-          </a:p>
-          <a:p>
-            <a:pPr marL="228600" indent="-228600">
-              <a:buAutoNum type="arabicParenBoth"/>
+              <a:rPr kumimoji="0" lang="ko-KR" altLang="en-US" kern="0" dirty="0" smtClean="0">
+                <a:sym typeface="굴림" pitchFamily="50" charset="-127"/>
+              </a:rPr>
+              <a:t>와 </a:t>
+            </a:r>
+            <a:r>
+              <a:rPr kumimoji="0" lang="en-US" altLang="ko-KR" kern="0" dirty="0" smtClean="0">
+                <a:sym typeface="굴림" pitchFamily="50" charset="-127"/>
+              </a:rPr>
+              <a:t>UE</a:t>
+            </a:r>
+            <a:r>
+              <a:rPr kumimoji="0" lang="ko-KR" altLang="en-US" kern="0" dirty="0" smtClean="0">
+                <a:sym typeface="굴림" pitchFamily="50" charset="-127"/>
+              </a:rPr>
+              <a:t>가 요청하는 </a:t>
+            </a:r>
+            <a:r>
+              <a:rPr kumimoji="0" lang="en-US" altLang="ko-KR" kern="0" dirty="0" smtClean="0">
+                <a:sym typeface="굴림" pitchFamily="50" charset="-127"/>
+              </a:rPr>
+              <a:t>Bitrate</a:t>
+            </a:r>
+            <a:r>
+              <a:rPr kumimoji="0" lang="ko-KR" altLang="en-US" kern="0" dirty="0" smtClean="0">
+                <a:sym typeface="굴림" pitchFamily="50" charset="-127"/>
+              </a:rPr>
+              <a:t>와 차이가 특정한 값보다 작고</a:t>
+            </a:r>
+          </a:p>
+          <a:p>
+            <a:pPr>
               <a:defRPr/>
             </a:pPr>
             <a:r>
-              <a:rPr kumimoji="0" lang="ko-KR" altLang="en-US" b="0" kern="0" baseline="0" dirty="0" err="1" smtClean="0">
-                <a:sym typeface="굴림" pitchFamily="50" charset="-127"/>
-              </a:rPr>
-              <a:t>ㄹ</a:t>
-            </a:r>
-            <a:endParaRPr kumimoji="0" lang="en-US" altLang="ko-KR" b="0" kern="0" baseline="0" dirty="0" smtClean="0">
-              <a:sym typeface="굴림" pitchFamily="50" charset="-127"/>
-            </a:endParaRPr>
-          </a:p>
-          <a:p>
-            <a:pPr marL="228600" indent="-228600">
-              <a:buAutoNum type="arabicParenBoth"/>
+              <a:rPr kumimoji="0" lang="ko-KR" altLang="en-US" kern="0" dirty="0" smtClean="0">
+                <a:sym typeface="굴림" pitchFamily="50" charset="-127"/>
+              </a:rPr>
+              <a:t>이전 탐색한 </a:t>
+            </a:r>
+            <a:r>
+              <a:rPr kumimoji="0" lang="en-US" altLang="ko-KR" kern="0" dirty="0" smtClean="0">
+                <a:sym typeface="굴림" pitchFamily="50" charset="-127"/>
+              </a:rPr>
+              <a:t>AP</a:t>
+            </a:r>
+            <a:r>
+              <a:rPr kumimoji="0" lang="ko-KR" altLang="en-US" kern="0" dirty="0" smtClean="0">
+                <a:sym typeface="굴림" pitchFamily="50" charset="-127"/>
+              </a:rPr>
+              <a:t>들보다 차이가 작으면 연결 가능한 </a:t>
+            </a:r>
+            <a:r>
+              <a:rPr kumimoji="0" lang="en-US" altLang="ko-KR" kern="0" dirty="0" smtClean="0">
+                <a:sym typeface="굴림" pitchFamily="50" charset="-127"/>
+              </a:rPr>
+              <a:t>AP </a:t>
+            </a:r>
+            <a:r>
+              <a:rPr kumimoji="0" lang="ko-KR" altLang="en-US" kern="0" dirty="0" smtClean="0">
+                <a:sym typeface="굴림" pitchFamily="50" charset="-127"/>
+              </a:rPr>
+              <a:t>후보로 둡니다</a:t>
+            </a:r>
+            <a:r>
+              <a:rPr kumimoji="0" lang="en-US" altLang="ko-KR" kern="0" dirty="0" smtClean="0">
+                <a:sym typeface="굴림" pitchFamily="50" charset="-127"/>
+              </a:rPr>
+              <a:t>.</a:t>
+            </a:r>
+          </a:p>
+          <a:p>
+            <a:pPr>
               <a:defRPr/>
             </a:pPr>
             <a:r>
-              <a:rPr kumimoji="0" lang="ko-KR" altLang="en-US" b="0" kern="0" baseline="0" dirty="0" smtClean="0">
-                <a:sym typeface="굴림" pitchFamily="50" charset="-127"/>
-              </a:rPr>
-              <a:t>자원관리를 시간 관점에서 관리합니다</a:t>
-            </a:r>
-            <a:r>
-              <a:rPr kumimoji="0" lang="en-US" altLang="ko-KR" b="0" kern="0" baseline="0" dirty="0" smtClean="0">
-                <a:sym typeface="굴림" pitchFamily="50" charset="-127"/>
-              </a:rPr>
-              <a:t>. </a:t>
-            </a:r>
-            <a:r>
-              <a:rPr kumimoji="0" lang="ko-KR" altLang="en-US" b="0" kern="0" baseline="0" dirty="0" smtClean="0">
-                <a:sym typeface="굴림" pitchFamily="50" charset="-127"/>
-              </a:rPr>
-              <a:t>그래서 </a:t>
-            </a:r>
-            <a:r>
-              <a:rPr kumimoji="0" lang="en-US" altLang="ko-KR" b="0" kern="0" baseline="0" dirty="0" smtClean="0">
-                <a:sym typeface="굴림" pitchFamily="50" charset="-127"/>
-              </a:rPr>
-              <a:t>time slot</a:t>
-            </a:r>
-            <a:r>
-              <a:rPr kumimoji="0" lang="ko-KR" altLang="en-US" b="0" kern="0" baseline="0" dirty="0" smtClean="0">
-                <a:sym typeface="굴림" pitchFamily="50" charset="-127"/>
-              </a:rPr>
-              <a:t>을 사용하였습니다</a:t>
-            </a:r>
-            <a:r>
-              <a:rPr kumimoji="0" lang="en-US" altLang="ko-KR" b="0" kern="0" baseline="0" dirty="0" smtClean="0">
+              <a:rPr kumimoji="0" lang="ko-KR" altLang="en-US" kern="0" dirty="0" smtClean="0">
+                <a:sym typeface="굴림" pitchFamily="50" charset="-127"/>
+              </a:rPr>
+              <a:t>탐색이 모두 끝난 후 연결 가능한 </a:t>
+            </a:r>
+            <a:r>
+              <a:rPr kumimoji="0" lang="en-US" altLang="ko-KR" kern="0" dirty="0" smtClean="0">
+                <a:sym typeface="굴림" pitchFamily="50" charset="-127"/>
+              </a:rPr>
+              <a:t>AP </a:t>
+            </a:r>
+            <a:r>
+              <a:rPr kumimoji="0" lang="ko-KR" altLang="en-US" kern="0" dirty="0" smtClean="0">
+                <a:sym typeface="굴림" pitchFamily="50" charset="-127"/>
+              </a:rPr>
+              <a:t>후보가 존재한다면 그 </a:t>
+            </a:r>
+            <a:r>
+              <a:rPr kumimoji="0" lang="en-US" altLang="ko-KR" kern="0" dirty="0" smtClean="0">
+                <a:sym typeface="굴림" pitchFamily="50" charset="-127"/>
+              </a:rPr>
+              <a:t>AP</a:t>
+            </a:r>
+            <a:r>
+              <a:rPr kumimoji="0" lang="ko-KR" altLang="en-US" kern="0" dirty="0" smtClean="0">
+                <a:sym typeface="굴림" pitchFamily="50" charset="-127"/>
+              </a:rPr>
+              <a:t>로 </a:t>
+            </a:r>
+            <a:r>
+              <a:rPr kumimoji="0" lang="en-US" altLang="ko-KR" kern="0" dirty="0" smtClean="0">
+                <a:sym typeface="굴림" pitchFamily="50" charset="-127"/>
+              </a:rPr>
+              <a:t>Handover</a:t>
+            </a:r>
+            <a:r>
+              <a:rPr kumimoji="0" lang="ko-KR" altLang="en-US" kern="0" dirty="0" smtClean="0">
+                <a:sym typeface="굴림" pitchFamily="50" charset="-127"/>
+              </a:rPr>
+              <a:t>를 하며</a:t>
+            </a:r>
+          </a:p>
+          <a:p>
+            <a:pPr>
+              <a:defRPr/>
+            </a:pPr>
+            <a:r>
+              <a:rPr kumimoji="0" lang="ko-KR" altLang="en-US" kern="0" dirty="0" smtClean="0">
+                <a:sym typeface="굴림" pitchFamily="50" charset="-127"/>
+              </a:rPr>
+              <a:t>없다면 전체적인 </a:t>
+            </a:r>
+            <a:r>
+              <a:rPr kumimoji="0" lang="en-US" altLang="ko-KR" kern="0" dirty="0" smtClean="0">
+                <a:sym typeface="굴림" pitchFamily="50" charset="-127"/>
+              </a:rPr>
+              <a:t>Handover</a:t>
+            </a:r>
+            <a:r>
+              <a:rPr kumimoji="0" lang="ko-KR" altLang="en-US" kern="0" dirty="0" smtClean="0">
+                <a:sym typeface="굴림" pitchFamily="50" charset="-127"/>
+              </a:rPr>
+              <a:t>를 진행합니다</a:t>
+            </a:r>
+            <a:r>
+              <a:rPr kumimoji="0" lang="en-US" altLang="ko-KR" kern="0" dirty="0" smtClean="0">
                 <a:sym typeface="굴림" pitchFamily="50" charset="-127"/>
               </a:rPr>
               <a:t>.</a:t>
             </a:r>
-            <a:r>
-              <a:rPr kumimoji="0" lang="ko-KR" altLang="en-US" b="0" kern="0" baseline="0" dirty="0" smtClean="0">
-                <a:sym typeface="굴림" pitchFamily="50" charset="-127"/>
-              </a:rPr>
-              <a:t> </a:t>
-            </a:r>
-            <a:endParaRPr kumimoji="0" lang="en-US" altLang="ko-KR" b="0" kern="0" baseline="0" dirty="0" smtClean="0">
+            <a:endParaRPr kumimoji="0" lang="en-US" altLang="ko-KR" kern="0" dirty="0" smtClean="0">
               <a:sym typeface="굴림" pitchFamily="50" charset="-127"/>
             </a:endParaRPr>
           </a:p>
@@ -10402,14 +10566,6 @@
               </a:rPr>
               <a:t>Formulation</a:t>
             </a:r>
-            <a:endParaRPr lang="en-US" altLang="ko-KR" sz="2000" kern="0" dirty="0" smtClean="0">
-              <a:solidFill>
-                <a:srgbClr val="000000"/>
-              </a:solidFill>
-              <a:latin typeface="Arial"/>
-              <a:ea typeface="굴림"/>
-              <a:cs typeface="Tahoma" panose="020B0604030504040204" pitchFamily="34" charset="0"/>
-            </a:endParaRPr>
           </a:p>
           <a:p>
             <a:pPr marL="648000" lvl="1" indent="-285750" fontAlgn="t">
@@ -10449,18 +10605,7 @@
                 <a:ea typeface="굴림"/>
                 <a:cs typeface="Tahoma" panose="020B0604030504040204" pitchFamily="34" charset="0"/>
               </a:rPr>
-              <a:t>Future </a:t>
-            </a:r>
-            <a:r>
-              <a:rPr lang="en-US" altLang="ko-KR" sz="2000" kern="0" dirty="0" smtClean="0">
-                <a:solidFill>
-                  <a:srgbClr val="000000"/>
-                </a:solidFill>
-                <a:latin typeface="Arial"/>
-                <a:ea typeface="굴림"/>
-                <a:cs typeface="Tahoma" panose="020B0604030504040204" pitchFamily="34" charset="0"/>
-              </a:rPr>
-              <a:t>Work</a:t>
+              <a:t>Future Work</a:t>
             </a:r>
             <a:endParaRPr lang="en-US" altLang="ko-KR" sz="2000" kern="0" dirty="0">
               <a:solidFill>
@@ -11193,8 +11338,8 @@
           </a:p>
         </p:txBody>
       </p:sp>
-      <mc:AlternateContent xmlns:mc="http://schemas.openxmlformats.org/markup-compatibility/2006">
-        <mc:Choice xmlns:a14="http://schemas.microsoft.com/office/drawing/2010/main" Requires="a14">
+      <mc:AlternateContent xmlns:mc="http://schemas.openxmlformats.org/markup-compatibility/2006" xmlns:a14="http://schemas.microsoft.com/office/drawing/2010/main">
+        <mc:Choice Requires="a14">
           <p:graphicFrame>
             <p:nvGraphicFramePr>
               <p:cNvPr id="2" name="표 1"/>
@@ -11204,7 +11349,7 @@
               <p:nvPr>
                 <p:extLst>
                   <p:ext uri="{D42A27DB-BD31-4B8C-83A1-F6EECF244321}">
-                    <p14:modId xmlns:p14="http://schemas.microsoft.com/office/powerpoint/2010/main" val="427569251"/>
+                    <p14:modId xmlns:p14="http://schemas.microsoft.com/office/powerpoint/2010/main" val="548832362"/>
                   </p:ext>
                 </p:extLst>
               </p:nvPr>
@@ -11247,233 +11392,70 @@
                           </a:pPr>
                           <a14:m>
                             <m:oMath xmlns:m="http://schemas.openxmlformats.org/officeDocument/2006/math">
-                              <m:sSub>
-                                <m:sSubPr>
+                              <m:sSubSup>
+                                <m:sSubSupPr>
                                   <m:ctrlPr>
-                                    <a:rPr lang="ko-KR" sz="1200" kern="100" spc="-5" smtClean="0">
+                                    <a:rPr lang="ko-KR" altLang="ko-KR" sz="1200" i="1" kern="100" spc="-5" smtClean="0">
                                       <a:solidFill>
                                         <a:schemeClr val="tx1"/>
                                       </a:solidFill>
                                       <a:effectLst/>
-                                    </a:rPr>
-                                  </m:ctrlPr>
-                                </m:sSubPr>
-                                <m:e>
-                                  <m:r>
-                                    <a:rPr lang="x-none" sz="1200" kern="100" spc="-5">
-                                      <a:solidFill>
-                                        <a:schemeClr val="tx1"/>
-                                      </a:solidFill>
-                                      <a:effectLst/>
-                                    </a:rPr>
-                                    <m:t>𝑝</m:t>
-                                  </m:r>
-                                </m:e>
-                                <m:sub>
-                                  <m:r>
-                                    <a:rPr lang="x-none" sz="1200" kern="100" spc="-5">
-                                      <a:solidFill>
-                                        <a:schemeClr val="tx1"/>
-                                      </a:solidFill>
-                                      <a:effectLst/>
-                                    </a:rPr>
-                                    <m:t>𝑖</m:t>
-                                  </m:r>
-                                  <m:r>
-                                    <a:rPr lang="x-none" sz="1200" kern="100" spc="-5">
-                                      <a:solidFill>
-                                        <a:schemeClr val="tx1"/>
-                                      </a:solidFill>
-                                      <a:effectLst/>
-                                    </a:rPr>
-                                    <m:t>,</m:t>
-                                  </m:r>
-                                  <m:r>
-                                    <a:rPr lang="x-none" sz="1200" kern="100" spc="-5">
-                                      <a:solidFill>
-                                        <a:schemeClr val="tx1"/>
-                                      </a:solidFill>
-                                      <a:effectLst/>
-                                    </a:rPr>
-                                    <m:t>𝑗</m:t>
-                                  </m:r>
-                                </m:sub>
-                              </m:sSub>
-                              <m:r>
-                                <a:rPr lang="x-none" sz="1200" kern="100" spc="-5">
-                                  <a:solidFill>
-                                    <a:schemeClr val="tx1"/>
-                                  </a:solidFill>
-                                  <a:effectLst/>
-                                </a:rPr>
-                                <m:t> </m:t>
-                              </m:r>
-                              <m:r>
-                                <a:rPr lang="x-none" sz="1200" kern="100" spc="-5">
-                                  <a:solidFill>
-                                    <a:schemeClr val="tx1"/>
-                                  </a:solidFill>
-                                  <a:effectLst/>
-                                </a:rPr>
-                                <m:t>𝑓𝑜𝑟</m:t>
-                              </m:r>
-                              <m:r>
-                                <a:rPr lang="x-none" sz="1200" kern="100" spc="-5">
-                                  <a:solidFill>
-                                    <a:schemeClr val="tx1"/>
-                                  </a:solidFill>
-                                  <a:effectLst/>
-                                </a:rPr>
-                                <m:t> ∀ </m:t>
-                              </m:r>
-                              <m:r>
-                                <a:rPr lang="x-none" sz="1200" kern="100" spc="-5">
-                                  <a:solidFill>
-                                    <a:schemeClr val="tx1"/>
-                                  </a:solidFill>
-                                  <a:effectLst/>
-                                </a:rPr>
-                                <m:t>𝑖</m:t>
-                              </m:r>
-                              <m:r>
-                                <a:rPr lang="x-none" sz="1200" kern="100" spc="-5">
-                                  <a:solidFill>
-                                    <a:schemeClr val="tx1"/>
-                                  </a:solidFill>
-                                  <a:effectLst/>
-                                </a:rPr>
-                                <m:t>∈</m:t>
-                              </m:r>
-                              <m:r>
-                                <a:rPr lang="x-none" sz="1200" kern="100" spc="-5">
-                                  <a:solidFill>
-                                    <a:schemeClr val="tx1"/>
-                                  </a:solidFill>
-                                  <a:effectLst/>
-                                </a:rPr>
-                                <m:t>𝑁</m:t>
-                              </m:r>
-                              <m:r>
-                                <a:rPr lang="x-none" sz="1200" kern="100" spc="-5">
-                                  <a:solidFill>
-                                    <a:schemeClr val="tx1"/>
-                                  </a:solidFill>
-                                  <a:effectLst/>
-                                </a:rPr>
-                                <m:t>, ∀ </m:t>
-                              </m:r>
-                              <m:r>
-                                <a:rPr lang="x-none" sz="1200" kern="100" spc="-5">
-                                  <a:solidFill>
-                                    <a:schemeClr val="tx1"/>
-                                  </a:solidFill>
-                                  <a:effectLst/>
-                                </a:rPr>
-                                <m:t>𝑗</m:t>
-                              </m:r>
-                              <m:r>
-                                <a:rPr lang="x-none" sz="1200" kern="100" spc="-5">
-                                  <a:solidFill>
-                                    <a:schemeClr val="tx1"/>
-                                  </a:solidFill>
-                                  <a:effectLst/>
-                                </a:rPr>
-                                <m:t>∈</m:t>
-                              </m:r>
-                              <m:r>
-                                <a:rPr lang="x-none" sz="1200" kern="100" spc="-5">
-                                  <a:solidFill>
-                                    <a:schemeClr val="tx1"/>
-                                  </a:solidFill>
-                                  <a:effectLst/>
-                                </a:rPr>
-                                <m:t>𝑀</m:t>
-                              </m:r>
-                              <m:r>
-                                <a:rPr lang="x-none" sz="1200" kern="100" spc="-5">
-                                  <a:solidFill>
-                                    <a:schemeClr val="tx1"/>
-                                  </a:solidFill>
-                                  <a:effectLst/>
-                                </a:rPr>
-                                <m:t> </m:t>
-                              </m:r>
-                              <m:r>
-                                <a:rPr lang="x-none" sz="1200" kern="100" spc="-5">
-                                  <a:solidFill>
-                                    <a:schemeClr val="tx1"/>
-                                  </a:solidFill>
-                                  <a:effectLst/>
-                                </a:rPr>
-                                <m:t>𝑎𝑛𝑑</m:t>
-                              </m:r>
-                              <m:r>
-                                <a:rPr lang="x-none" sz="1200" kern="100" spc="-5">
-                                  <a:solidFill>
-                                    <a:schemeClr val="tx1"/>
-                                  </a:solidFill>
-                                  <a:effectLst/>
-                                </a:rPr>
-                                <m:t> </m:t>
-                              </m:r>
-                              <m:sSubSup>
-                                <m:sSubSupPr>
-                                  <m:ctrlPr>
-                                    <a:rPr lang="ko-KR" sz="1200" kern="100" spc="-5">
-                                      <a:solidFill>
-                                        <a:schemeClr val="tx1"/>
-                                      </a:solidFill>
-                                      <a:effectLst/>
+                                      <a:latin typeface="Cambria Math" panose="02040503050406030204" pitchFamily="18" charset="0"/>
                                     </a:rPr>
                                   </m:ctrlPr>
                                 </m:sSubSupPr>
                                 <m:e>
                                   <m:r>
-                                    <a:rPr lang="x-none" sz="1200" kern="100" spc="-5">
+                                    <a:rPr lang="x-none" altLang="ko-KR" sz="1200" kern="100" spc="-5">
                                       <a:solidFill>
                                         <a:schemeClr val="tx1"/>
                                       </a:solidFill>
                                       <a:effectLst/>
+                                      <a:latin typeface="Cambria Math"/>
                                     </a:rPr>
                                     <m:t>𝑟</m:t>
                                   </m:r>
                                 </m:e>
                                 <m:sub>
                                   <m:r>
-                                    <a:rPr lang="x-none" sz="1200" kern="100" spc="-5">
+                                    <a:rPr lang="x-none" altLang="ko-KR" sz="1200" kern="100" spc="-5">
                                       <a:solidFill>
                                         <a:schemeClr val="tx1"/>
                                       </a:solidFill>
                                       <a:effectLst/>
+                                      <a:latin typeface="Cambria Math"/>
                                     </a:rPr>
                                     <m:t>𝑖</m:t>
                                   </m:r>
                                   <m:r>
-                                    <a:rPr lang="x-none" sz="1200" kern="100" spc="-5">
+                                    <a:rPr lang="x-none" altLang="ko-KR" sz="1200" kern="100" spc="-5">
                                       <a:solidFill>
                                         <a:schemeClr val="tx1"/>
                                       </a:solidFill>
                                       <a:effectLst/>
+                                      <a:latin typeface="Cambria Math"/>
                                     </a:rPr>
                                     <m:t>,</m:t>
                                   </m:r>
                                   <m:r>
-                                    <a:rPr lang="x-none" sz="1200" kern="100" spc="-5">
+                                    <a:rPr lang="x-none" altLang="ko-KR" sz="1200" kern="100" spc="-5">
                                       <a:solidFill>
                                         <a:schemeClr val="tx1"/>
                                       </a:solidFill>
                                       <a:effectLst/>
+                                      <a:latin typeface="Cambria Math"/>
                                     </a:rPr>
                                     <m:t>𝑗</m:t>
                                   </m:r>
                                 </m:sub>
                                 <m:sup>
                                   <m:r>
-                                    <a:rPr lang="x-none" sz="1200" kern="100" spc="-5">
+                                    <a:rPr lang="x-none" altLang="ko-KR" sz="1200" kern="100" spc="-5">
                                       <a:solidFill>
                                         <a:schemeClr val="tx1"/>
                                       </a:solidFill>
                                       <a:effectLst/>
+                                      <a:latin typeface="Cambria Math"/>
                                     </a:rPr>
                                     <m:t>𝑠𝑢𝑝</m:t>
                                   </m:r>
@@ -11485,6 +11467,7 @@
                                     <a:schemeClr val="tx1"/>
                                   </a:solidFill>
                                   <a:effectLst/>
+                                  <a:latin typeface="Cambria Math"/>
                                 </a:rPr>
                                 <m:t> </m:t>
                               </m:r>
@@ -11494,51 +11477,184 @@
                                     <a:schemeClr val="tx1"/>
                                   </a:solidFill>
                                   <a:effectLst/>
+                                  <a:latin typeface="Cambria Math"/>
+                                </a:rPr>
+                                <m:t>𝑎𝑛𝑑</m:t>
+                              </m:r>
+                              <m:r>
+                                <a:rPr lang="en-US" sz="1200" b="1" i="0" kern="100" spc="-5" smtClean="0">
+                                  <a:solidFill>
+                                    <a:schemeClr val="tx1"/>
+                                  </a:solidFill>
+                                  <a:effectLst/>
+                                  <a:latin typeface="Cambria Math"/>
+                                </a:rPr>
+                                <m:t> </m:t>
+                              </m:r>
+                              <m:sSub>
+                                <m:sSubPr>
+                                  <m:ctrlPr>
+                                    <a:rPr lang="ko-KR" altLang="ko-KR" sz="1200" i="1" kern="100" spc="-5" smtClean="0">
+                                      <a:solidFill>
+                                        <a:schemeClr val="tx1"/>
+                                      </a:solidFill>
+                                      <a:effectLst/>
+                                      <a:latin typeface="Cambria Math" panose="02040503050406030204" pitchFamily="18" charset="0"/>
+                                    </a:rPr>
+                                  </m:ctrlPr>
+                                </m:sSubPr>
+                                <m:e>
+                                  <m:r>
+                                    <a:rPr lang="x-none" altLang="ko-KR" sz="1200" kern="100" spc="-5">
+                                      <a:solidFill>
+                                        <a:schemeClr val="tx1"/>
+                                      </a:solidFill>
+                                      <a:effectLst/>
+                                      <a:latin typeface="Cambria Math"/>
+                                    </a:rPr>
+                                    <m:t>𝑝</m:t>
+                                  </m:r>
+                                </m:e>
+                                <m:sub>
+                                  <m:r>
+                                    <a:rPr lang="x-none" altLang="ko-KR" sz="1200" kern="100" spc="-5">
+                                      <a:solidFill>
+                                        <a:schemeClr val="tx1"/>
+                                      </a:solidFill>
+                                      <a:effectLst/>
+                                      <a:latin typeface="Cambria Math"/>
+                                    </a:rPr>
+                                    <m:t>𝑖</m:t>
+                                  </m:r>
+                                  <m:r>
+                                    <a:rPr lang="x-none" altLang="ko-KR" sz="1200" kern="100" spc="-5">
+                                      <a:solidFill>
+                                        <a:schemeClr val="tx1"/>
+                                      </a:solidFill>
+                                      <a:effectLst/>
+                                      <a:latin typeface="Cambria Math"/>
+                                    </a:rPr>
+                                    <m:t>,</m:t>
+                                  </m:r>
+                                  <m:r>
+                                    <a:rPr lang="x-none" altLang="ko-KR" sz="1200" kern="100" spc="-5">
+                                      <a:solidFill>
+                                        <a:schemeClr val="tx1"/>
+                                      </a:solidFill>
+                                      <a:effectLst/>
+                                      <a:latin typeface="Cambria Math"/>
+                                    </a:rPr>
+                                    <m:t>𝑗</m:t>
+                                  </m:r>
+                                </m:sub>
+                              </m:sSub>
+                              <m:r>
+                                <a:rPr lang="en-US" altLang="ko-KR" sz="1200" b="1" i="0" kern="100" spc="-5" smtClean="0">
+                                  <a:solidFill>
+                                    <a:schemeClr val="tx1"/>
+                                  </a:solidFill>
+                                  <a:effectLst/>
+                                  <a:latin typeface="Cambria Math"/>
+                                </a:rPr>
+                                <m:t> </m:t>
+                              </m:r>
+                              <m:r>
+                                <a:rPr lang="x-none" altLang="ko-KR" sz="1200" kern="100" spc="-5" smtClean="0">
+                                  <a:solidFill>
+                                    <a:schemeClr val="tx1"/>
+                                  </a:solidFill>
+                                  <a:effectLst/>
+                                  <a:latin typeface="Cambria Math"/>
                                 </a:rPr>
                                 <m:t>𝑓𝑜𝑟</m:t>
                               </m:r>
                               <m:r>
-                                <a:rPr lang="x-none" sz="1200" kern="100" spc="-5">
+                                <a:rPr lang="x-none" altLang="ko-KR" sz="1200" kern="100" spc="-5" smtClean="0">
                                   <a:solidFill>
                                     <a:schemeClr val="tx1"/>
                                   </a:solidFill>
                                   <a:effectLst/>
+                                  <a:latin typeface="Cambria Math"/>
                                 </a:rPr>
                                 <m:t> ∀ </m:t>
                               </m:r>
                               <m:r>
-                                <a:rPr lang="x-none" sz="1200" kern="100" spc="-5">
+                                <a:rPr lang="x-none" altLang="ko-KR" sz="1200" kern="100" spc="-5" smtClean="0">
                                   <a:solidFill>
                                     <a:schemeClr val="tx1"/>
                                   </a:solidFill>
                                   <a:effectLst/>
+                                  <a:latin typeface="Cambria Math"/>
                                 </a:rPr>
                                 <m:t>𝑖</m:t>
                               </m:r>
                               <m:r>
-                                <a:rPr lang="x-none" sz="1200" kern="100" spc="-5">
+                                <a:rPr lang="x-none" altLang="ko-KR" sz="1200" kern="100" spc="-5" smtClean="0">
                                   <a:solidFill>
                                     <a:schemeClr val="tx1"/>
                                   </a:solidFill>
                                   <a:effectLst/>
+                                  <a:latin typeface="Cambria Math"/>
                                 </a:rPr>
                                 <m:t>∈</m:t>
                               </m:r>
                               <m:r>
-                                <a:rPr lang="x-none" sz="1200" kern="100" spc="-5">
+                                <a:rPr lang="x-none" altLang="ko-KR" sz="1200" kern="100" spc="-5" smtClean="0">
                                   <a:solidFill>
                                     <a:schemeClr val="tx1"/>
                                   </a:solidFill>
                                   <a:effectLst/>
+                                  <a:latin typeface="Cambria Math"/>
                                 </a:rPr>
                                 <m:t>𝑁</m:t>
                               </m:r>
                               <m:r>
-                                <a:rPr lang="x-none" sz="1200" kern="100" spc="-5">
+                                <a:rPr lang="x-none" altLang="ko-KR" sz="1200" kern="100" spc="-5" smtClean="0">
                                   <a:solidFill>
                                     <a:schemeClr val="tx1"/>
                                   </a:solidFill>
                                   <a:effectLst/>
+                                  <a:latin typeface="Cambria Math"/>
+                                </a:rPr>
+                                <m:t>, ∀ </m:t>
+                              </m:r>
+                              <m:r>
+                                <a:rPr lang="x-none" altLang="ko-KR" sz="1200" kern="100" spc="-5" smtClean="0">
+                                  <a:solidFill>
+                                    <a:schemeClr val="tx1"/>
+                                  </a:solidFill>
+                                  <a:effectLst/>
+                                  <a:latin typeface="Cambria Math"/>
+                                </a:rPr>
+                                <m:t>𝑗</m:t>
+                              </m:r>
+                              <m:r>
+                                <a:rPr lang="x-none" altLang="ko-KR" sz="1200" kern="100" spc="-5" smtClean="0">
+                                  <a:solidFill>
+                                    <a:schemeClr val="tx1"/>
+                                  </a:solidFill>
+                                  <a:effectLst/>
+                                  <a:latin typeface="Cambria Math"/>
+                                </a:rPr>
+                                <m:t>∈</m:t>
+                              </m:r>
+                              <m:r>
+                                <a:rPr lang="x-none" altLang="ko-KR" sz="1200" kern="100" spc="-5" smtClean="0">
+                                  <a:solidFill>
+                                    <a:schemeClr val="tx1"/>
+                                  </a:solidFill>
+                                  <a:effectLst/>
+                                  <a:latin typeface="Cambria Math"/>
+                                </a:rPr>
+                                <m:t>𝑀</m:t>
+                              </m:r>
+                              <m:r>
+                                <a:rPr lang="en-US" altLang="ko-KR" sz="1200" b="1" i="0" kern="100" spc="-5" smtClean="0">
+                                  <a:solidFill>
+                                    <a:schemeClr val="tx1"/>
+                                  </a:solidFill>
+                                  <a:effectLst/>
+                                  <a:latin typeface="Cambria Math"/>
                                 </a:rPr>
                                 <m:t> </m:t>
                               </m:r>
@@ -11551,7 +11667,7 @@
                               </a:solidFill>
                               <a:effectLst/>
                             </a:rPr>
-                            <a:t> so as </a:t>
+                            <a:t>so as </a:t>
                           </a:r>
                           <a:r>
                             <a:rPr lang="x-none" sz="1400" kern="100" spc="-5" dirty="0" smtClean="0">
@@ -11596,11 +11712,12 @@
                                 <m:naryPr>
                                   <m:chr m:val="∑"/>
                                   <m:ctrlPr>
-                                    <a:rPr lang="ko-KR" sz="1200" kern="100" spc="-5">
+                                    <a:rPr lang="ko-KR" sz="1200" i="1" kern="100" spc="-5">
                                       <a:solidFill>
                                         <a:schemeClr val="tx1"/>
                                       </a:solidFill>
                                       <a:effectLst/>
+                                      <a:latin typeface="Cambria Math" panose="02040503050406030204" pitchFamily="18" charset="0"/>
                                     </a:rPr>
                                   </m:ctrlPr>
                                 </m:naryPr>
@@ -11611,6 +11728,7 @@
                                         <a:schemeClr val="tx1"/>
                                       </a:solidFill>
                                       <a:effectLst/>
+                                      <a:latin typeface="Cambria Math"/>
                                     </a:rPr>
                                     <m:t>𝒊</m:t>
                                   </m:r>
@@ -11620,6 +11738,7 @@
                                         <a:schemeClr val="tx1"/>
                                       </a:solidFill>
                                       <a:effectLst/>
+                                      <a:latin typeface="Cambria Math"/>
                                     </a:rPr>
                                     <m:t>=</m:t>
                                   </m:r>
@@ -11629,6 +11748,7 @@
                                         <a:schemeClr val="tx1"/>
                                       </a:solidFill>
                                       <a:effectLst/>
+                                      <a:latin typeface="Cambria Math"/>
                                     </a:rPr>
                                     <m:t>𝟏</m:t>
                                   </m:r>
@@ -11640,6 +11760,7 @@
                                         <a:schemeClr val="tx1"/>
                                       </a:solidFill>
                                       <a:effectLst/>
+                                      <a:latin typeface="Cambria Math"/>
                                     </a:rPr>
                                     <m:t>|</m:t>
                                   </m:r>
@@ -11649,6 +11770,7 @@
                                         <a:schemeClr val="tx1"/>
                                       </a:solidFill>
                                       <a:effectLst/>
+                                      <a:latin typeface="Cambria Math"/>
                                     </a:rPr>
                                     <m:t>𝑵</m:t>
                                   </m:r>
@@ -11658,6 +11780,7 @@
                                         <a:schemeClr val="tx1"/>
                                       </a:solidFill>
                                       <a:effectLst/>
+                                      <a:latin typeface="Cambria Math"/>
                                     </a:rPr>
                                     <m:t>|</m:t>
                                   </m:r>
@@ -11668,11 +11791,12 @@
                                       <m:chr m:val="∑"/>
                                       <m:limLoc m:val="subSup"/>
                                       <m:ctrlPr>
-                                        <a:rPr lang="ko-KR" sz="1200" kern="100" spc="-5">
+                                        <a:rPr lang="ko-KR" sz="1200" i="1" kern="100" spc="-5">
                                           <a:solidFill>
                                             <a:schemeClr val="tx1"/>
                                           </a:solidFill>
                                           <a:effectLst/>
+                                          <a:latin typeface="Cambria Math" panose="02040503050406030204" pitchFamily="18" charset="0"/>
                                         </a:rPr>
                                       </m:ctrlPr>
                                     </m:naryPr>
@@ -11683,6 +11807,7 @@
                                             <a:schemeClr val="tx1"/>
                                           </a:solidFill>
                                           <a:effectLst/>
+                                          <a:latin typeface="Cambria Math"/>
                                         </a:rPr>
                                         <m:t>𝒋</m:t>
                                       </m:r>
@@ -11692,6 +11817,7 @@
                                             <a:schemeClr val="tx1"/>
                                           </a:solidFill>
                                           <a:effectLst/>
+                                          <a:latin typeface="Cambria Math"/>
                                         </a:rPr>
                                         <m:t>=</m:t>
                                       </m:r>
@@ -11701,6 +11827,7 @@
                                             <a:schemeClr val="tx1"/>
                                           </a:solidFill>
                                           <a:effectLst/>
+                                          <a:latin typeface="Cambria Math"/>
                                         </a:rPr>
                                         <m:t>𝟏</m:t>
                                       </m:r>
@@ -11712,6 +11839,7 @@
                                             <a:schemeClr val="tx1"/>
                                           </a:solidFill>
                                           <a:effectLst/>
+                                          <a:latin typeface="Cambria Math"/>
                                         </a:rPr>
                                         <m:t>|</m:t>
                                       </m:r>
@@ -11721,6 +11849,7 @@
                                             <a:schemeClr val="tx1"/>
                                           </a:solidFill>
                                           <a:effectLst/>
+                                          <a:latin typeface="Cambria Math"/>
                                         </a:rPr>
                                         <m:t>𝑴</m:t>
                                       </m:r>
@@ -11730,6 +11859,7 @@
                                             <a:schemeClr val="tx1"/>
                                           </a:solidFill>
                                           <a:effectLst/>
+                                          <a:latin typeface="Cambria Math"/>
                                         </a:rPr>
                                         <m:t>|</m:t>
                                       </m:r>
@@ -11738,11 +11868,12 @@
                                       <m:sSub>
                                         <m:sSubPr>
                                           <m:ctrlPr>
-                                            <a:rPr lang="ko-KR" sz="1200" kern="100" spc="-5">
+                                            <a:rPr lang="ko-KR" sz="1200" i="1" kern="100" spc="-5">
                                               <a:solidFill>
                                                 <a:schemeClr val="tx1"/>
                                               </a:solidFill>
                                               <a:effectLst/>
+                                              <a:latin typeface="Cambria Math" panose="02040503050406030204" pitchFamily="18" charset="0"/>
                                             </a:rPr>
                                           </m:ctrlPr>
                                         </m:sSubPr>
@@ -11753,6 +11884,7 @@
                                                 <a:schemeClr val="tx1"/>
                                               </a:solidFill>
                                               <a:effectLst/>
+                                              <a:latin typeface="Cambria Math"/>
                                             </a:rPr>
                                             <m:t>𝑝</m:t>
                                           </m:r>
@@ -11764,6 +11896,7 @@
                                                 <a:schemeClr val="tx1"/>
                                               </a:solidFill>
                                               <a:effectLst/>
+                                              <a:latin typeface="Cambria Math"/>
                                             </a:rPr>
                                             <m:t>𝑖</m:t>
                                           </m:r>
@@ -11773,6 +11906,7 @@
                                                 <a:schemeClr val="tx1"/>
                                               </a:solidFill>
                                               <a:effectLst/>
+                                              <a:latin typeface="Cambria Math"/>
                                             </a:rPr>
                                             <m:t>,</m:t>
                                           </m:r>
@@ -11782,6 +11916,7 @@
                                                 <a:schemeClr val="tx1"/>
                                               </a:solidFill>
                                               <a:effectLst/>
+                                              <a:latin typeface="Cambria Math"/>
                                             </a:rPr>
                                             <m:t>𝑗</m:t>
                                           </m:r>
@@ -11793,6 +11928,7 @@
                                             <a:schemeClr val="tx1"/>
                                           </a:solidFill>
                                           <a:effectLst/>
+                                          <a:latin typeface="Cambria Math"/>
                                         </a:rPr>
                                         <m:t>∙</m:t>
                                       </m:r>
@@ -11802,6 +11938,7 @@
                                             <a:schemeClr val="tx1"/>
                                           </a:solidFill>
                                           <a:effectLst/>
+                                          <a:latin typeface="Cambria Math"/>
                                         </a:rPr>
                                         <m:t>𝒎𝒂𝒙</m:t>
                                       </m:r>
@@ -11811,6 +11948,7 @@
                                             <a:schemeClr val="tx1"/>
                                           </a:solidFill>
                                           <a:effectLst/>
+                                          <a:latin typeface="Cambria Math"/>
                                         </a:rPr>
                                         <m:t>{</m:t>
                                       </m:r>
@@ -11820,17 +11958,19 @@
                                             <a:schemeClr val="tx1"/>
                                           </a:solidFill>
                                           <a:effectLst/>
+                                          <a:latin typeface="Cambria Math"/>
                                         </a:rPr>
                                         <m:t>𝒖</m:t>
                                       </m:r>
                                       <m:d>
                                         <m:dPr>
                                           <m:ctrlPr>
-                                            <a:rPr lang="ko-KR" sz="1200" kern="100" spc="-5">
+                                            <a:rPr lang="ko-KR" sz="1200" i="1" kern="100" spc="-5">
                                               <a:solidFill>
                                                 <a:schemeClr val="tx1"/>
                                               </a:solidFill>
                                               <a:effectLst/>
+                                              <a:latin typeface="Cambria Math" panose="02040503050406030204" pitchFamily="18" charset="0"/>
                                             </a:rPr>
                                           </m:ctrlPr>
                                         </m:dPr>
@@ -11838,11 +11978,12 @@
                                           <m:sSubSup>
                                             <m:sSubSupPr>
                                               <m:ctrlPr>
-                                                <a:rPr lang="ko-KR" sz="1200" kern="100" spc="-5">
+                                                <a:rPr lang="ko-KR" sz="1200" i="1" kern="100" spc="-5">
                                                   <a:solidFill>
                                                     <a:schemeClr val="tx1"/>
                                                   </a:solidFill>
                                                   <a:effectLst/>
+                                                  <a:latin typeface="Cambria Math" panose="02040503050406030204" pitchFamily="18" charset="0"/>
                                                 </a:rPr>
                                               </m:ctrlPr>
                                             </m:sSubSupPr>
@@ -11853,6 +11994,7 @@
                                                     <a:schemeClr val="tx1"/>
                                                   </a:solidFill>
                                                   <a:effectLst/>
+                                                  <a:latin typeface="Cambria Math"/>
                                                 </a:rPr>
                                                 <m:t>𝒓</m:t>
                                               </m:r>
@@ -11864,6 +12006,7 @@
                                                     <a:schemeClr val="tx1"/>
                                                   </a:solidFill>
                                                   <a:effectLst/>
+                                                  <a:latin typeface="Cambria Math"/>
                                                 </a:rPr>
                                                 <m:t>𝒊</m:t>
                                               </m:r>
@@ -11875,6 +12018,7 @@
                                                     <a:schemeClr val="tx1"/>
                                                   </a:solidFill>
                                                   <a:effectLst/>
+                                                  <a:latin typeface="Cambria Math"/>
                                                 </a:rPr>
                                                 <m:t>𝒓𝒆𝒒</m:t>
                                               </m:r>
@@ -11888,6 +12032,7 @@
                                             <a:schemeClr val="tx1"/>
                                           </a:solidFill>
                                           <a:effectLst/>
+                                          <a:latin typeface="Cambria Math"/>
                                         </a:rPr>
                                         <m:t>−</m:t>
                                       </m:r>
@@ -11897,17 +12042,19 @@
                                             <a:schemeClr val="tx1"/>
                                           </a:solidFill>
                                           <a:effectLst/>
+                                          <a:latin typeface="Cambria Math"/>
                                         </a:rPr>
                                         <m:t>𝒖</m:t>
                                       </m:r>
                                       <m:d>
                                         <m:dPr>
                                           <m:ctrlPr>
-                                            <a:rPr lang="ko-KR" sz="1200" kern="100" spc="-5">
+                                            <a:rPr lang="ko-KR" sz="1200" i="1" kern="100" spc="-5">
                                               <a:solidFill>
                                                 <a:schemeClr val="tx1"/>
                                               </a:solidFill>
                                               <a:effectLst/>
+                                              <a:latin typeface="Cambria Math" panose="02040503050406030204" pitchFamily="18" charset="0"/>
                                             </a:rPr>
                                           </m:ctrlPr>
                                         </m:dPr>
@@ -11915,11 +12062,12 @@
                                           <m:sSubSup>
                                             <m:sSubSupPr>
                                               <m:ctrlPr>
-                                                <a:rPr lang="ko-KR" sz="1200" kern="100" spc="-5">
+                                                <a:rPr lang="ko-KR" sz="1200" i="1" kern="100" spc="-5">
                                                   <a:solidFill>
                                                     <a:schemeClr val="tx1"/>
                                                   </a:solidFill>
                                                   <a:effectLst/>
+                                                  <a:latin typeface="Cambria Math" panose="02040503050406030204" pitchFamily="18" charset="0"/>
                                                 </a:rPr>
                                               </m:ctrlPr>
                                             </m:sSubSupPr>
@@ -11930,6 +12078,7 @@
                                                     <a:schemeClr val="tx1"/>
                                                   </a:solidFill>
                                                   <a:effectLst/>
+                                                  <a:latin typeface="Cambria Math"/>
                                                 </a:rPr>
                                                 <m:t>𝒓</m:t>
                                               </m:r>
@@ -11941,6 +12090,7 @@
                                                     <a:schemeClr val="tx1"/>
                                                   </a:solidFill>
                                                   <a:effectLst/>
+                                                  <a:latin typeface="Cambria Math"/>
                                                 </a:rPr>
                                                 <m:t>𝒊</m:t>
                                               </m:r>
@@ -11950,6 +12100,7 @@
                                                     <a:schemeClr val="tx1"/>
                                                   </a:solidFill>
                                                   <a:effectLst/>
+                                                  <a:latin typeface="Cambria Math"/>
                                                 </a:rPr>
                                                 <m:t>,</m:t>
                                               </m:r>
@@ -11959,6 +12110,7 @@
                                                     <a:schemeClr val="tx1"/>
                                                   </a:solidFill>
                                                   <a:effectLst/>
+                                                  <a:latin typeface="Cambria Math"/>
                                                 </a:rPr>
                                                 <m:t>𝒋</m:t>
                                               </m:r>
@@ -11970,6 +12122,7 @@
                                                     <a:schemeClr val="tx1"/>
                                                   </a:solidFill>
                                                   <a:effectLst/>
+                                                  <a:latin typeface="Cambria Math"/>
                                                 </a:rPr>
                                                 <m:t>𝒔𝒖𝒑</m:t>
                                               </m:r>
@@ -11983,6 +12136,7 @@
                                             <a:schemeClr val="tx1"/>
                                           </a:solidFill>
                                           <a:effectLst/>
+                                          <a:latin typeface="Cambria Math"/>
                                         </a:rPr>
                                         <m:t>,</m:t>
                                       </m:r>
@@ -11992,6 +12146,7 @@
                                             <a:schemeClr val="tx1"/>
                                           </a:solidFill>
                                           <a:effectLst/>
+                                          <a:latin typeface="Cambria Math"/>
                                         </a:rPr>
                                         <m:t>𝟎</m:t>
                                       </m:r>
@@ -12001,6 +12156,7 @@
                                             <a:schemeClr val="tx1"/>
                                           </a:solidFill>
                                           <a:effectLst/>
+                                          <a:latin typeface="Cambria Math"/>
                                         </a:rPr>
                                         <m:t>}</m:t>
                                       </m:r>
@@ -12043,17 +12199,19 @@
                                     <a:schemeClr val="tx1"/>
                                   </a:solidFill>
                                   <a:effectLst/>
+                                  <a:latin typeface="Cambria Math"/>
                                 </a:rPr>
                                 <m:t>𝑠</m:t>
                               </m:r>
                               <m:d>
                                 <m:dPr>
                                   <m:ctrlPr>
-                                    <a:rPr lang="ko-KR" sz="1200" kern="0">
+                                    <a:rPr lang="ko-KR" sz="1200" i="1" kern="0">
                                       <a:solidFill>
                                         <a:schemeClr val="tx1"/>
                                       </a:solidFill>
                                       <a:effectLst/>
+                                      <a:latin typeface="Cambria Math" panose="02040503050406030204" pitchFamily="18" charset="0"/>
                                     </a:rPr>
                                   </m:ctrlPr>
                                 </m:dPr>
@@ -12061,11 +12219,12 @@
                                   <m:sSubSup>
                                     <m:sSubSupPr>
                                       <m:ctrlPr>
-                                        <a:rPr lang="ko-KR" sz="1200" kern="0">
+                                        <a:rPr lang="ko-KR" sz="1200" i="1" kern="0">
                                           <a:solidFill>
                                             <a:schemeClr val="tx1"/>
                                           </a:solidFill>
                                           <a:effectLst/>
+                                          <a:latin typeface="Cambria Math" panose="02040503050406030204" pitchFamily="18" charset="0"/>
                                         </a:rPr>
                                       </m:ctrlPr>
                                     </m:sSubSupPr>
@@ -12074,11 +12233,12 @@
                                         <m:accPr>
                                           <m:chr m:val="⃗"/>
                                           <m:ctrlPr>
-                                            <a:rPr lang="ko-KR" sz="1200" kern="0">
+                                            <a:rPr lang="ko-KR" sz="1200" i="1" kern="0">
                                               <a:solidFill>
                                                 <a:schemeClr val="tx1"/>
                                               </a:solidFill>
                                               <a:effectLst/>
+                                              <a:latin typeface="Cambria Math" panose="02040503050406030204" pitchFamily="18" charset="0"/>
                                             </a:rPr>
                                           </m:ctrlPr>
                                         </m:accPr>
@@ -12089,6 +12249,7 @@
                                                 <a:schemeClr val="tx1"/>
                                               </a:solidFill>
                                               <a:effectLst/>
+                                              <a:latin typeface="Cambria Math"/>
                                             </a:rPr>
                                             <m:t>𝐼</m:t>
                                           </m:r>
@@ -12102,6 +12263,7 @@
                                             <a:schemeClr val="tx1"/>
                                           </a:solidFill>
                                           <a:effectLst/>
+                                          <a:latin typeface="Cambria Math"/>
                                         </a:rPr>
                                         <m:t>𝑖</m:t>
                                       </m:r>
@@ -12113,6 +12275,7 @@
                                             <a:schemeClr val="tx1"/>
                                           </a:solidFill>
                                           <a:effectLst/>
+                                          <a:latin typeface="Cambria Math"/>
                                         </a:rPr>
                                         <m:t>𝑝𝑙𝑎𝑦</m:t>
                                       </m:r>
@@ -12126,6 +12289,7 @@
                                     <a:schemeClr val="tx1"/>
                                   </a:solidFill>
                                   <a:effectLst/>
+                                  <a:latin typeface="Cambria Math"/>
                                 </a:rPr>
                                 <m:t>+</m:t>
                               </m:r>
@@ -12135,6 +12299,7 @@
                                     <a:schemeClr val="tx1"/>
                                   </a:solidFill>
                                   <a:effectLst/>
+                                  <a:latin typeface="Cambria Math"/>
                                 </a:rPr>
                                 <m:t>𝜃</m:t>
                               </m:r>
@@ -12144,17 +12309,19 @@
                                     <a:schemeClr val="tx1"/>
                                   </a:solidFill>
                                   <a:effectLst/>
+                                  <a:latin typeface="Cambria Math"/>
                                 </a:rPr>
                                 <m:t>≤</m:t>
                               </m:r>
                               <m:sSub>
                                 <m:sSubPr>
                                   <m:ctrlPr>
-                                    <a:rPr lang="ko-KR" sz="1200" kern="0">
+                                    <a:rPr lang="ko-KR" sz="1200" i="1" kern="0">
                                       <a:solidFill>
                                         <a:schemeClr val="tx1"/>
                                       </a:solidFill>
                                       <a:effectLst/>
+                                      <a:latin typeface="Cambria Math" panose="02040503050406030204" pitchFamily="18" charset="0"/>
                                     </a:rPr>
                                   </m:ctrlPr>
                                 </m:sSubPr>
@@ -12165,6 +12332,7 @@
                                         <a:schemeClr val="tx1"/>
                                       </a:solidFill>
                                       <a:effectLst/>
+                                      <a:latin typeface="Cambria Math"/>
                                     </a:rPr>
                                     <m:t>𝑝</m:t>
                                   </m:r>
@@ -12176,6 +12344,7 @@
                                         <a:schemeClr val="tx1"/>
                                       </a:solidFill>
                                       <a:effectLst/>
+                                      <a:latin typeface="Cambria Math"/>
                                     </a:rPr>
                                     <m:t>𝑖</m:t>
                                   </m:r>
@@ -12185,6 +12354,7 @@
                                         <a:schemeClr val="tx1"/>
                                       </a:solidFill>
                                       <a:effectLst/>
+                                      <a:latin typeface="Cambria Math"/>
                                     </a:rPr>
                                     <m:t>,</m:t>
                                   </m:r>
@@ -12194,6 +12364,7 @@
                                         <a:schemeClr val="tx1"/>
                                       </a:solidFill>
                                       <a:effectLst/>
+                                      <a:latin typeface="Cambria Math"/>
                                     </a:rPr>
                                     <m:t>𝑗</m:t>
                                   </m:r>
@@ -12205,17 +12376,19 @@
                                     <a:schemeClr val="tx1"/>
                                   </a:solidFill>
                                   <a:effectLst/>
+                                  <a:latin typeface="Cambria Math"/>
                                 </a:rPr>
                                 <m:t>∙</m:t>
                               </m:r>
                               <m:sSubSup>
                                 <m:sSubSupPr>
                                   <m:ctrlPr>
-                                    <a:rPr lang="ko-KR" sz="1200" kern="0">
+                                    <a:rPr lang="ko-KR" sz="1200" i="1" kern="0">
                                       <a:solidFill>
                                         <a:schemeClr val="tx1"/>
                                       </a:solidFill>
                                       <a:effectLst/>
+                                      <a:latin typeface="Cambria Math" panose="02040503050406030204" pitchFamily="18" charset="0"/>
                                     </a:rPr>
                                   </m:ctrlPr>
                                 </m:sSubSupPr>
@@ -12226,6 +12399,7 @@
                                         <a:schemeClr val="tx1"/>
                                       </a:solidFill>
                                       <a:effectLst/>
+                                      <a:latin typeface="Cambria Math"/>
                                     </a:rPr>
                                     <m:t>𝑟</m:t>
                                   </m:r>
@@ -12237,6 +12411,7 @@
                                         <a:schemeClr val="tx1"/>
                                       </a:solidFill>
                                       <a:effectLst/>
+                                      <a:latin typeface="Cambria Math"/>
                                     </a:rPr>
                                     <m:t>𝑖</m:t>
                                   </m:r>
@@ -12246,6 +12421,7 @@
                                         <a:schemeClr val="tx1"/>
                                       </a:solidFill>
                                       <a:effectLst/>
+                                      <a:latin typeface="Cambria Math"/>
                                     </a:rPr>
                                     <m:t>,</m:t>
                                   </m:r>
@@ -12255,6 +12431,7 @@
                                         <a:schemeClr val="tx1"/>
                                       </a:solidFill>
                                       <a:effectLst/>
+                                      <a:latin typeface="Cambria Math"/>
                                     </a:rPr>
                                     <m:t>𝑗</m:t>
                                   </m:r>
@@ -12266,6 +12443,7 @@
                                         <a:schemeClr val="tx1"/>
                                       </a:solidFill>
                                       <a:effectLst/>
+                                      <a:latin typeface="Cambria Math"/>
                                     </a:rPr>
                                     <m:t>𝑠𝑢𝑝</m:t>
                                   </m:r>
@@ -12277,17 +12455,19 @@
                                     <a:schemeClr val="tx1"/>
                                   </a:solidFill>
                                   <a:effectLst/>
+                                  <a:latin typeface="Cambria Math"/>
                                 </a:rPr>
                                 <m:t>∙</m:t>
                               </m:r>
                               <m:sSubSup>
                                 <m:sSubSupPr>
                                   <m:ctrlPr>
-                                    <a:rPr lang="ko-KR" sz="1200" kern="0">
+                                    <a:rPr lang="ko-KR" sz="1200" i="1" kern="0">
                                       <a:solidFill>
                                         <a:schemeClr val="tx1"/>
                                       </a:solidFill>
                                       <a:effectLst/>
+                                      <a:latin typeface="Cambria Math" panose="02040503050406030204" pitchFamily="18" charset="0"/>
                                     </a:rPr>
                                   </m:ctrlPr>
                                 </m:sSubSupPr>
@@ -12298,6 +12478,7 @@
                                         <a:schemeClr val="tx1"/>
                                       </a:solidFill>
                                       <a:effectLst/>
+                                      <a:latin typeface="Cambria Math"/>
                                     </a:rPr>
                                     <m:t>𝑇</m:t>
                                   </m:r>
@@ -12309,6 +12490,7 @@
                                         <a:schemeClr val="tx1"/>
                                       </a:solidFill>
                                       <a:effectLst/>
+                                      <a:latin typeface="Cambria Math"/>
                                     </a:rPr>
                                     <m:t>𝑖</m:t>
                                   </m:r>
@@ -12320,6 +12502,7 @@
                                         <a:schemeClr val="tx1"/>
                                       </a:solidFill>
                                       <a:effectLst/>
+                                      <a:latin typeface="Cambria Math"/>
                                     </a:rPr>
                                     <m:t>𝑟𝑒𝑞</m:t>
                                   </m:r>
@@ -12331,6 +12514,7 @@
                                     <a:schemeClr val="tx1"/>
                                   </a:solidFill>
                                   <a:effectLst/>
+                                  <a:latin typeface="Cambria Math"/>
                                 </a:rPr>
                                 <m:t>+</m:t>
                               </m:r>
@@ -12340,17 +12524,19 @@
                                     <a:schemeClr val="tx1"/>
                                   </a:solidFill>
                                   <a:effectLst/>
+                                  <a:latin typeface="Cambria Math"/>
                                 </a:rPr>
                                 <m:t>𝑠</m:t>
                               </m:r>
                               <m:d>
                                 <m:dPr>
                                   <m:ctrlPr>
-                                    <a:rPr lang="ko-KR" sz="1200" kern="0">
+                                    <a:rPr lang="ko-KR" sz="1200" i="1" kern="0">
                                       <a:solidFill>
                                         <a:schemeClr val="tx1"/>
                                       </a:solidFill>
                                       <a:effectLst/>
+                                      <a:latin typeface="Cambria Math" panose="02040503050406030204" pitchFamily="18" charset="0"/>
                                     </a:rPr>
                                   </m:ctrlPr>
                                 </m:dPr>
@@ -12358,11 +12544,12 @@
                                   <m:sSubSup>
                                     <m:sSubSupPr>
                                       <m:ctrlPr>
-                                        <a:rPr lang="ko-KR" sz="1200" kern="0">
+                                        <a:rPr lang="ko-KR" sz="1200" i="1" kern="0">
                                           <a:solidFill>
                                             <a:schemeClr val="tx1"/>
                                           </a:solidFill>
                                           <a:effectLst/>
+                                          <a:latin typeface="Cambria Math" panose="02040503050406030204" pitchFamily="18" charset="0"/>
                                         </a:rPr>
                                       </m:ctrlPr>
                                     </m:sSubSupPr>
@@ -12371,11 +12558,12 @@
                                         <m:accPr>
                                           <m:chr m:val="⃗"/>
                                           <m:ctrlPr>
-                                            <a:rPr lang="ko-KR" sz="1200" kern="0">
+                                            <a:rPr lang="ko-KR" sz="1200" i="1" kern="0">
                                               <a:solidFill>
                                                 <a:schemeClr val="tx1"/>
                                               </a:solidFill>
                                               <a:effectLst/>
+                                              <a:latin typeface="Cambria Math" panose="02040503050406030204" pitchFamily="18" charset="0"/>
                                             </a:rPr>
                                           </m:ctrlPr>
                                         </m:accPr>
@@ -12386,6 +12574,7 @@
                                                 <a:schemeClr val="tx1"/>
                                               </a:solidFill>
                                               <a:effectLst/>
+                                              <a:latin typeface="Cambria Math"/>
                                             </a:rPr>
                                             <m:t>𝐼</m:t>
                                           </m:r>
@@ -12399,6 +12588,7 @@
                                             <a:schemeClr val="tx1"/>
                                           </a:solidFill>
                                           <a:effectLst/>
+                                          <a:latin typeface="Cambria Math"/>
                                         </a:rPr>
                                         <m:t>𝑖</m:t>
                                       </m:r>
@@ -12410,6 +12600,7 @@
                                             <a:schemeClr val="tx1"/>
                                           </a:solidFill>
                                           <a:effectLst/>
+                                          <a:latin typeface="Cambria Math"/>
                                         </a:rPr>
                                         <m:t>𝑏𝑢𝑓</m:t>
                                       </m:r>
@@ -12423,6 +12614,7 @@
                                     <a:schemeClr val="tx1"/>
                                   </a:solidFill>
                                   <a:effectLst/>
+                                  <a:latin typeface="Cambria Math"/>
                                 </a:rPr>
                                 <m:t>  </m:t>
                               </m:r>
@@ -12432,6 +12624,7 @@
                                     <a:schemeClr val="tx1"/>
                                   </a:solidFill>
                                   <a:effectLst/>
+                                  <a:latin typeface="Cambria Math"/>
                                 </a:rPr>
                                 <m:t>𝑓𝑜𝑟</m:t>
                               </m:r>
@@ -12441,6 +12634,7 @@
                                     <a:schemeClr val="tx1"/>
                                   </a:solidFill>
                                   <a:effectLst/>
+                                  <a:latin typeface="Cambria Math"/>
                                 </a:rPr>
                                 <m:t> ∀ </m:t>
                               </m:r>
@@ -12450,6 +12644,7 @@
                                     <a:schemeClr val="tx1"/>
                                   </a:solidFill>
                                   <a:effectLst/>
+                                  <a:latin typeface="Cambria Math"/>
                                 </a:rPr>
                                 <m:t>𝑗</m:t>
                               </m:r>
@@ -12459,6 +12654,7 @@
                                     <a:schemeClr val="tx1"/>
                                   </a:solidFill>
                                   <a:effectLst/>
+                                  <a:latin typeface="Cambria Math"/>
                                 </a:rPr>
                                 <m:t>∈</m:t>
                               </m:r>
@@ -12468,6 +12664,7 @@
                                     <a:schemeClr val="tx1"/>
                                   </a:solidFill>
                                   <a:effectLst/>
+                                  <a:latin typeface="Cambria Math"/>
                                 </a:rPr>
                                 <m:t>𝑀</m:t>
                               </m:r>
@@ -12498,11 +12695,12 @@
                                 <m:sSub>
                                   <m:sSubPr>
                                     <m:ctrlPr>
-                                      <a:rPr lang="ko-KR" sz="1200" kern="0">
+                                      <a:rPr lang="ko-KR" sz="1200" i="1" kern="0">
                                         <a:solidFill>
                                           <a:schemeClr val="tx1"/>
                                         </a:solidFill>
                                         <a:effectLst/>
+                                        <a:latin typeface="Cambria Math" panose="02040503050406030204" pitchFamily="18" charset="0"/>
                                       </a:rPr>
                                     </m:ctrlPr>
                                   </m:sSubPr>
@@ -12513,6 +12711,7 @@
                                           <a:schemeClr val="tx1"/>
                                         </a:solidFill>
                                         <a:effectLst/>
+                                        <a:latin typeface="Cambria Math"/>
                                       </a:rPr>
                                       <m:t>𝑝</m:t>
                                     </m:r>
@@ -12524,6 +12723,7 @@
                                           <a:schemeClr val="tx1"/>
                                         </a:solidFill>
                                         <a:effectLst/>
+                                        <a:latin typeface="Cambria Math"/>
                                       </a:rPr>
                                       <m:t>𝑖</m:t>
                                     </m:r>
@@ -12533,6 +12733,7 @@
                                           <a:schemeClr val="tx1"/>
                                         </a:solidFill>
                                         <a:effectLst/>
+                                        <a:latin typeface="Cambria Math"/>
                                       </a:rPr>
                                       <m:t>,</m:t>
                                     </m:r>
@@ -12542,6 +12743,7 @@
                                           <a:schemeClr val="tx1"/>
                                         </a:solidFill>
                                         <a:effectLst/>
+                                        <a:latin typeface="Cambria Math"/>
                                       </a:rPr>
                                       <m:t>𝑗</m:t>
                                     </m:r>
@@ -12553,17 +12755,19 @@
                                       <a:schemeClr val="tx1"/>
                                     </a:solidFill>
                                     <a:effectLst/>
+                                    <a:latin typeface="Cambria Math"/>
                                   </a:rPr>
                                   <m:t>∙</m:t>
                                 </m:r>
                                 <m:sSubSup>
                                   <m:sSubSupPr>
                                     <m:ctrlPr>
-                                      <a:rPr lang="ko-KR" sz="1200" kern="0">
+                                      <a:rPr lang="ko-KR" sz="1200" i="1" kern="0">
                                         <a:solidFill>
                                           <a:schemeClr val="tx1"/>
                                         </a:solidFill>
                                         <a:effectLst/>
+                                        <a:latin typeface="Cambria Math" panose="02040503050406030204" pitchFamily="18" charset="0"/>
                                       </a:rPr>
                                     </m:ctrlPr>
                                   </m:sSubSupPr>
@@ -12574,6 +12778,7 @@
                                           <a:schemeClr val="tx1"/>
                                         </a:solidFill>
                                         <a:effectLst/>
+                                        <a:latin typeface="Cambria Math"/>
                                       </a:rPr>
                                       <m:t>𝑟</m:t>
                                     </m:r>
@@ -12585,6 +12790,7 @@
                                           <a:schemeClr val="tx1"/>
                                         </a:solidFill>
                                         <a:effectLst/>
+                                        <a:latin typeface="Cambria Math"/>
                                       </a:rPr>
                                       <m:t>𝑖</m:t>
                                     </m:r>
@@ -12594,6 +12800,7 @@
                                           <a:schemeClr val="tx1"/>
                                         </a:solidFill>
                                         <a:effectLst/>
+                                        <a:latin typeface="Cambria Math"/>
                                       </a:rPr>
                                       <m:t>,</m:t>
                                     </m:r>
@@ -12603,6 +12810,7 @@
                                           <a:schemeClr val="tx1"/>
                                         </a:solidFill>
                                         <a:effectLst/>
+                                        <a:latin typeface="Cambria Math"/>
                                       </a:rPr>
                                       <m:t>𝑗</m:t>
                                     </m:r>
@@ -12614,6 +12822,7 @@
                                           <a:schemeClr val="tx1"/>
                                         </a:solidFill>
                                         <a:effectLst/>
+                                        <a:latin typeface="Cambria Math"/>
                                       </a:rPr>
                                       <m:t>𝑠𝑢𝑝</m:t>
                                     </m:r>
@@ -12625,17 +12834,19 @@
                                       <a:schemeClr val="tx1"/>
                                     </a:solidFill>
                                     <a:effectLst/>
+                                    <a:latin typeface="Cambria Math"/>
                                   </a:rPr>
                                   <m:t>≤</m:t>
                                 </m:r>
                                 <m:sSubSup>
                                   <m:sSubSupPr>
                                     <m:ctrlPr>
-                                      <a:rPr lang="ko-KR" sz="1200" kern="0">
+                                      <a:rPr lang="ko-KR" sz="1200" i="1" kern="0">
                                         <a:solidFill>
                                           <a:schemeClr val="tx1"/>
                                         </a:solidFill>
                                         <a:effectLst/>
+                                        <a:latin typeface="Cambria Math" panose="02040503050406030204" pitchFamily="18" charset="0"/>
                                       </a:rPr>
                                     </m:ctrlPr>
                                   </m:sSubSupPr>
@@ -12646,6 +12857,7 @@
                                           <a:schemeClr val="tx1"/>
                                         </a:solidFill>
                                         <a:effectLst/>
+                                        <a:latin typeface="Cambria Math"/>
                                       </a:rPr>
                                       <m:t>𝑏𝑤</m:t>
                                     </m:r>
@@ -12657,6 +12869,7 @@
                                           <a:schemeClr val="tx1"/>
                                         </a:solidFill>
                                         <a:effectLst/>
+                                        <a:latin typeface="Cambria Math"/>
                                       </a:rPr>
                                       <m:t>𝑖</m:t>
                                     </m:r>
@@ -12666,6 +12879,7 @@
                                           <a:schemeClr val="tx1"/>
                                         </a:solidFill>
                                         <a:effectLst/>
+                                        <a:latin typeface="Cambria Math"/>
                                       </a:rPr>
                                       <m:t>,</m:t>
                                     </m:r>
@@ -12675,6 +12889,7 @@
                                           <a:schemeClr val="tx1"/>
                                         </a:solidFill>
                                         <a:effectLst/>
+                                        <a:latin typeface="Cambria Math"/>
                                       </a:rPr>
                                       <m:t>𝑗</m:t>
                                     </m:r>
@@ -12686,6 +12901,7 @@
                                           <a:schemeClr val="tx1"/>
                                         </a:solidFill>
                                         <a:effectLst/>
+                                        <a:latin typeface="Cambria Math"/>
                                       </a:rPr>
                                       <m:t>𝑒𝑠𝑡</m:t>
                                     </m:r>
@@ -12697,6 +12913,7 @@
                                       <a:schemeClr val="tx1"/>
                                     </a:solidFill>
                                     <a:effectLst/>
+                                    <a:latin typeface="Cambria Math"/>
                                   </a:rPr>
                                   <m:t>  </m:t>
                                 </m:r>
@@ -12706,6 +12923,7 @@
                                       <a:schemeClr val="tx1"/>
                                     </a:solidFill>
                                     <a:effectLst/>
+                                    <a:latin typeface="Cambria Math"/>
                                   </a:rPr>
                                   <m:t>𝑓𝑜𝑟</m:t>
                                 </m:r>
@@ -12715,6 +12933,7 @@
                                       <a:schemeClr val="tx1"/>
                                     </a:solidFill>
                                     <a:effectLst/>
+                                    <a:latin typeface="Cambria Math"/>
                                   </a:rPr>
                                   <m:t> ∀ </m:t>
                                 </m:r>
@@ -12724,6 +12943,7 @@
                                       <a:schemeClr val="tx1"/>
                                     </a:solidFill>
                                     <a:effectLst/>
+                                    <a:latin typeface="Cambria Math"/>
                                   </a:rPr>
                                   <m:t>𝑖</m:t>
                                 </m:r>
@@ -12733,6 +12953,7 @@
                                       <a:schemeClr val="tx1"/>
                                     </a:solidFill>
                                     <a:effectLst/>
+                                    <a:latin typeface="Cambria Math"/>
                                   </a:rPr>
                                   <m:t>∈</m:t>
                                 </m:r>
@@ -12742,6 +12963,7 @@
                                       <a:schemeClr val="tx1"/>
                                     </a:solidFill>
                                     <a:effectLst/>
+                                    <a:latin typeface="Cambria Math"/>
                                   </a:rPr>
                                   <m:t>𝑁</m:t>
                                 </m:r>
@@ -12751,6 +12973,7 @@
                                       <a:schemeClr val="tx1"/>
                                     </a:solidFill>
                                     <a:effectLst/>
+                                    <a:latin typeface="Cambria Math"/>
                                   </a:rPr>
                                   <m:t>, ∀ </m:t>
                                 </m:r>
@@ -12760,6 +12983,7 @@
                                       <a:schemeClr val="tx1"/>
                                     </a:solidFill>
                                     <a:effectLst/>
+                                    <a:latin typeface="Cambria Math"/>
                                   </a:rPr>
                                   <m:t>𝑗</m:t>
                                 </m:r>
@@ -12769,6 +12993,7 @@
                                       <a:schemeClr val="tx1"/>
                                     </a:solidFill>
                                     <a:effectLst/>
+                                    <a:latin typeface="Cambria Math"/>
                                   </a:rPr>
                                   <m:t>∈</m:t>
                                 </m:r>
@@ -12778,6 +13003,7 @@
                                       <a:schemeClr val="tx1"/>
                                     </a:solidFill>
                                     <a:effectLst/>
+                                    <a:latin typeface="Cambria Math"/>
                                   </a:rPr>
                                   <m:t>𝑀</m:t>
                                 </m:r>
@@ -12940,6 +13166,7 @@
                                       <a:schemeClr val="tx1"/>
                                     </a:solidFill>
                                     <a:effectLst/>
+                                    <a:latin typeface="Cambria Math"/>
                                   </a:rPr>
                                   <m:t>≤</m:t>
                                 </m:r>
@@ -13120,6 +13347,7 @@
                                       <a:schemeClr val="tx1"/>
                                     </a:solidFill>
                                     <a:effectLst/>
+                                    <a:latin typeface="Cambria Math"/>
                                   </a:rPr>
                                   <m:t>𝑓𝑜𝑟</m:t>
                                 </m:r>
@@ -13129,6 +13357,7 @@
                                       <a:schemeClr val="tx1"/>
                                     </a:solidFill>
                                     <a:effectLst/>
+                                    <a:latin typeface="Cambria Math"/>
                                   </a:rPr>
                                   <m:t> ∀ </m:t>
                                 </m:r>
@@ -13138,6 +13367,7 @@
                                       <a:schemeClr val="tx1"/>
                                     </a:solidFill>
                                     <a:effectLst/>
+                                    <a:latin typeface="Cambria Math"/>
                                   </a:rPr>
                                   <m:t>𝑖</m:t>
                                 </m:r>
@@ -13147,6 +13377,7 @@
                                       <a:schemeClr val="tx1"/>
                                     </a:solidFill>
                                     <a:effectLst/>
+                                    <a:latin typeface="Cambria Math"/>
                                   </a:rPr>
                                   <m:t>∈</m:t>
                                 </m:r>
@@ -13156,6 +13387,7 @@
                                       <a:schemeClr val="tx1"/>
                                     </a:solidFill>
                                     <a:effectLst/>
+                                    <a:latin typeface="Cambria Math"/>
                                   </a:rPr>
                                   <m:t>𝑁</m:t>
                                 </m:r>
@@ -13193,11 +13425,12 @@
                                 <m:naryPr>
                                   <m:chr m:val="∑"/>
                                   <m:ctrlPr>
-                                    <a:rPr lang="ko-KR" sz="1200" kern="0">
+                                    <a:rPr lang="ko-KR" sz="1200" i="1" kern="0">
                                       <a:solidFill>
                                         <a:schemeClr val="tx1"/>
                                       </a:solidFill>
                                       <a:effectLst/>
+                                      <a:latin typeface="Cambria Math" panose="02040503050406030204" pitchFamily="18" charset="0"/>
                                     </a:rPr>
                                   </m:ctrlPr>
                                 </m:naryPr>
@@ -13208,6 +13441,7 @@
                                         <a:schemeClr val="tx1"/>
                                       </a:solidFill>
                                       <a:effectLst/>
+                                      <a:latin typeface="Cambria Math"/>
                                     </a:rPr>
                                     <m:t>𝑖</m:t>
                                   </m:r>
@@ -13217,6 +13451,7 @@
                                         <a:schemeClr val="tx1"/>
                                       </a:solidFill>
                                       <a:effectLst/>
+                                      <a:latin typeface="Cambria Math"/>
                                     </a:rPr>
                                     <m:t>=1</m:t>
                                   </m:r>
@@ -13228,6 +13463,7 @@
                                         <a:schemeClr val="tx1"/>
                                       </a:solidFill>
                                       <a:effectLst/>
+                                      <a:latin typeface="Cambria Math"/>
                                     </a:rPr>
                                     <m:t>|</m:t>
                                   </m:r>
@@ -13237,6 +13473,7 @@
                                         <a:schemeClr val="tx1"/>
                                       </a:solidFill>
                                       <a:effectLst/>
+                                      <a:latin typeface="Cambria Math"/>
                                     </a:rPr>
                                     <m:t>𝑁</m:t>
                                   </m:r>
@@ -13246,6 +13483,7 @@
                                         <a:schemeClr val="tx1"/>
                                       </a:solidFill>
                                       <a:effectLst/>
+                                      <a:latin typeface="Cambria Math"/>
                                     </a:rPr>
                                     <m:t>|</m:t>
                                   </m:r>
@@ -13254,11 +13492,12 @@
                                   <m:f>
                                     <m:fPr>
                                       <m:ctrlPr>
-                                        <a:rPr lang="ko-KR" sz="1200" kern="0">
+                                        <a:rPr lang="ko-KR" sz="1200" i="1" kern="0">
                                           <a:solidFill>
                                             <a:schemeClr val="tx1"/>
                                           </a:solidFill>
                                           <a:effectLst/>
+                                          <a:latin typeface="Cambria Math" panose="02040503050406030204" pitchFamily="18" charset="0"/>
                                         </a:rPr>
                                       </m:ctrlPr>
                                     </m:fPr>
@@ -13266,11 +13505,12 @@
                                       <m:sSub>
                                         <m:sSubPr>
                                           <m:ctrlPr>
-                                            <a:rPr lang="ko-KR" sz="1200" kern="0">
+                                            <a:rPr lang="ko-KR" sz="1200" i="1" kern="0">
                                               <a:solidFill>
                                                 <a:schemeClr val="tx1"/>
                                               </a:solidFill>
                                               <a:effectLst/>
+                                              <a:latin typeface="Cambria Math" panose="02040503050406030204" pitchFamily="18" charset="0"/>
                                             </a:rPr>
                                           </m:ctrlPr>
                                         </m:sSubPr>
@@ -13281,6 +13521,7 @@
                                                 <a:schemeClr val="tx1"/>
                                               </a:solidFill>
                                               <a:effectLst/>
+                                              <a:latin typeface="Cambria Math"/>
                                             </a:rPr>
                                             <m:t>𝑝</m:t>
                                           </m:r>
@@ -13292,6 +13533,7 @@
                                                 <a:schemeClr val="tx1"/>
                                               </a:solidFill>
                                               <a:effectLst/>
+                                              <a:latin typeface="Cambria Math"/>
                                             </a:rPr>
                                             <m:t>𝑖</m:t>
                                           </m:r>
@@ -13301,6 +13543,7 @@
                                                 <a:schemeClr val="tx1"/>
                                               </a:solidFill>
                                               <a:effectLst/>
+                                              <a:latin typeface="Cambria Math"/>
                                             </a:rPr>
                                             <m:t>,</m:t>
                                           </m:r>
@@ -13310,6 +13553,7 @@
                                                 <a:schemeClr val="tx1"/>
                                               </a:solidFill>
                                               <a:effectLst/>
+                                              <a:latin typeface="Cambria Math"/>
                                             </a:rPr>
                                             <m:t>𝑗</m:t>
                                           </m:r>
@@ -13321,17 +13565,19 @@
                                             <a:schemeClr val="tx1"/>
                                           </a:solidFill>
                                           <a:effectLst/>
+                                          <a:latin typeface="Cambria Math"/>
                                         </a:rPr>
                                         <m:t>∙</m:t>
                                       </m:r>
                                       <m:sSubSup>
                                         <m:sSubSupPr>
                                           <m:ctrlPr>
-                                            <a:rPr lang="ko-KR" sz="1200" kern="0">
+                                            <a:rPr lang="ko-KR" sz="1200" i="1" kern="0">
                                               <a:solidFill>
                                                 <a:schemeClr val="tx1"/>
                                               </a:solidFill>
                                               <a:effectLst/>
+                                              <a:latin typeface="Cambria Math" panose="02040503050406030204" pitchFamily="18" charset="0"/>
                                             </a:rPr>
                                           </m:ctrlPr>
                                         </m:sSubSupPr>
@@ -13342,6 +13588,7 @@
                                                 <a:schemeClr val="tx1"/>
                                               </a:solidFill>
                                               <a:effectLst/>
+                                              <a:latin typeface="Cambria Math"/>
                                             </a:rPr>
                                             <m:t>𝑟</m:t>
                                           </m:r>
@@ -13353,6 +13600,7 @@
                                                 <a:schemeClr val="tx1"/>
                                               </a:solidFill>
                                               <a:effectLst/>
+                                              <a:latin typeface="Cambria Math"/>
                                             </a:rPr>
                                             <m:t>𝑖</m:t>
                                           </m:r>
@@ -13362,6 +13610,7 @@
                                                 <a:schemeClr val="tx1"/>
                                               </a:solidFill>
                                               <a:effectLst/>
+                                              <a:latin typeface="Cambria Math"/>
                                             </a:rPr>
                                             <m:t>,</m:t>
                                           </m:r>
@@ -13371,6 +13620,7 @@
                                                 <a:schemeClr val="tx1"/>
                                               </a:solidFill>
                                               <a:effectLst/>
+                                              <a:latin typeface="Cambria Math"/>
                                             </a:rPr>
                                             <m:t>𝑗</m:t>
                                           </m:r>
@@ -13382,6 +13632,7 @@
                                                 <a:schemeClr val="tx1"/>
                                               </a:solidFill>
                                               <a:effectLst/>
+                                              <a:latin typeface="Cambria Math"/>
                                             </a:rPr>
                                             <m:t>𝑠𝑢𝑝</m:t>
                                           </m:r>
@@ -13393,17 +13644,19 @@
                                             <a:schemeClr val="tx1"/>
                                           </a:solidFill>
                                           <a:effectLst/>
+                                          <a:latin typeface="Cambria Math"/>
                                         </a:rPr>
                                         <m:t>∙</m:t>
                                       </m:r>
                                       <m:sSubSup>
                                         <m:sSubSupPr>
                                           <m:ctrlPr>
-                                            <a:rPr lang="ko-KR" sz="1200" kern="0">
+                                            <a:rPr lang="ko-KR" sz="1200" i="1" kern="0">
                                               <a:solidFill>
                                                 <a:schemeClr val="tx1"/>
                                               </a:solidFill>
                                               <a:effectLst/>
+                                              <a:latin typeface="Cambria Math" panose="02040503050406030204" pitchFamily="18" charset="0"/>
                                             </a:rPr>
                                           </m:ctrlPr>
                                         </m:sSubSupPr>
@@ -13414,6 +13667,7 @@
                                                 <a:schemeClr val="tx1"/>
                                               </a:solidFill>
                                               <a:effectLst/>
+                                              <a:latin typeface="Cambria Math"/>
                                             </a:rPr>
                                             <m:t>𝑇</m:t>
                                           </m:r>
@@ -13425,6 +13679,7 @@
                                                 <a:schemeClr val="tx1"/>
                                               </a:solidFill>
                                               <a:effectLst/>
+                                              <a:latin typeface="Cambria Math"/>
                                             </a:rPr>
                                             <m:t>𝑖</m:t>
                                           </m:r>
@@ -13436,6 +13691,7 @@
                                                 <a:schemeClr val="tx1"/>
                                               </a:solidFill>
                                               <a:effectLst/>
+                                              <a:latin typeface="Cambria Math"/>
                                             </a:rPr>
                                             <m:t>𝑟𝑒𝑞</m:t>
                                           </m:r>
@@ -13446,11 +13702,12 @@
                                       <m:sSubSup>
                                         <m:sSubSupPr>
                                           <m:ctrlPr>
-                                            <a:rPr lang="ko-KR" sz="1200" kern="0">
+                                            <a:rPr lang="ko-KR" sz="1200" i="1" kern="0">
                                               <a:solidFill>
                                                 <a:schemeClr val="tx1"/>
                                               </a:solidFill>
                                               <a:effectLst/>
+                                              <a:latin typeface="Cambria Math" panose="02040503050406030204" pitchFamily="18" charset="0"/>
                                             </a:rPr>
                                           </m:ctrlPr>
                                         </m:sSubSupPr>
@@ -13461,6 +13718,7 @@
                                                 <a:schemeClr val="tx1"/>
                                               </a:solidFill>
                                               <a:effectLst/>
+                                              <a:latin typeface="Cambria Math"/>
                                             </a:rPr>
                                             <m:t>𝑏𝑤</m:t>
                                           </m:r>
@@ -13472,6 +13730,7 @@
                                                 <a:schemeClr val="tx1"/>
                                               </a:solidFill>
                                               <a:effectLst/>
+                                              <a:latin typeface="Cambria Math"/>
                                             </a:rPr>
                                             <m:t>𝑖</m:t>
                                           </m:r>
@@ -13481,6 +13740,7 @@
                                                 <a:schemeClr val="tx1"/>
                                               </a:solidFill>
                                               <a:effectLst/>
+                                              <a:latin typeface="Cambria Math"/>
                                             </a:rPr>
                                             <m:t>,</m:t>
                                           </m:r>
@@ -13490,6 +13750,7 @@
                                                 <a:schemeClr val="tx1"/>
                                               </a:solidFill>
                                               <a:effectLst/>
+                                              <a:latin typeface="Cambria Math"/>
                                             </a:rPr>
                                             <m:t>𝑗</m:t>
                                           </m:r>
@@ -13501,6 +13762,7 @@
                                                 <a:schemeClr val="tx1"/>
                                               </a:solidFill>
                                               <a:effectLst/>
+                                              <a:latin typeface="Cambria Math"/>
                                             </a:rPr>
                                             <m:t>𝑒𝑠𝑡</m:t>
                                           </m:r>
@@ -13514,17 +13776,19 @@
                                         <a:schemeClr val="tx1"/>
                                       </a:solidFill>
                                       <a:effectLst/>
+                                      <a:latin typeface="Cambria Math"/>
                                     </a:rPr>
                                     <m:t>≤</m:t>
                                   </m:r>
                                   <m:sSub>
                                     <m:sSubPr>
                                       <m:ctrlPr>
-                                        <a:rPr lang="ko-KR" sz="1200" kern="0">
+                                        <a:rPr lang="ko-KR" sz="1200" i="1" kern="0">
                                           <a:solidFill>
                                             <a:schemeClr val="tx1"/>
                                           </a:solidFill>
                                           <a:effectLst/>
+                                          <a:latin typeface="Cambria Math" panose="02040503050406030204" pitchFamily="18" charset="0"/>
                                         </a:rPr>
                                       </m:ctrlPr>
                                     </m:sSubPr>
@@ -13535,6 +13799,7 @@
                                             <a:schemeClr val="tx1"/>
                                           </a:solidFill>
                                           <a:effectLst/>
+                                          <a:latin typeface="Cambria Math"/>
                                         </a:rPr>
                                         <m:t>𝑇</m:t>
                                       </m:r>
@@ -13546,6 +13811,7 @@
                                             <a:schemeClr val="tx1"/>
                                           </a:solidFill>
                                           <a:effectLst/>
+                                          <a:latin typeface="Cambria Math"/>
                                         </a:rPr>
                                         <m:t>𝑠𝑙𝑜𝑡</m:t>
                                       </m:r>
@@ -13559,6 +13825,7 @@
                                     <a:schemeClr val="tx1"/>
                                   </a:solidFill>
                                   <a:effectLst/>
+                                  <a:latin typeface="Cambria Math"/>
                                 </a:rPr>
                                 <m:t> </m:t>
                               </m:r>
@@ -13568,6 +13835,7 @@
                                     <a:schemeClr val="tx1"/>
                                   </a:solidFill>
                                   <a:effectLst/>
+                                  <a:latin typeface="Cambria Math"/>
                                 </a:rPr>
                                 <m:t>𝑓𝑜𝑟</m:t>
                               </m:r>
@@ -13577,6 +13845,7 @@
                                     <a:schemeClr val="tx1"/>
                                   </a:solidFill>
                                   <a:effectLst/>
+                                  <a:latin typeface="Cambria Math"/>
                                 </a:rPr>
                                 <m:t> ∀ </m:t>
                               </m:r>
@@ -13586,6 +13855,7 @@
                                     <a:schemeClr val="tx1"/>
                                   </a:solidFill>
                                   <a:effectLst/>
+                                  <a:latin typeface="Cambria Math"/>
                                 </a:rPr>
                                 <m:t>𝑗</m:t>
                               </m:r>
@@ -13595,6 +13865,7 @@
                                     <a:schemeClr val="tx1"/>
                                   </a:solidFill>
                                   <a:effectLst/>
+                                  <a:latin typeface="Cambria Math"/>
                                 </a:rPr>
                                 <m:t>∈</m:t>
                               </m:r>
@@ -13604,6 +13875,7 @@
                                     <a:schemeClr val="tx1"/>
                                   </a:solidFill>
                                   <a:effectLst/>
+                                  <a:latin typeface="Cambria Math"/>
                                 </a:rPr>
                                 <m:t>𝑀</m:t>
                               </m:r>
@@ -13637,7 +13909,7 @@
             </a:graphic>
           </p:graphicFrame>
         </mc:Choice>
-        <mc:Fallback>
+        <mc:Fallback xmlns="">
           <p:graphicFrame>
             <p:nvGraphicFramePr>
               <p:cNvPr id="2" name="표 1"/>
@@ -13647,7 +13919,7 @@
               <p:nvPr>
                 <p:extLst>
                   <p:ext uri="{D42A27DB-BD31-4B8C-83A1-F6EECF244321}">
-                    <p14:modId xmlns:p14="http://schemas.microsoft.com/office/powerpoint/2010/main" val="427569251"/>
+                    <p14:modId xmlns:p14="http://schemas.microsoft.com/office/powerpoint/2010/main" val="548832362"/>
                   </p:ext>
                 </p:extLst>
               </p:nvPr>
@@ -13666,7 +13938,7 @@
                     <a:gridCol w="4375789">
                       <a:extLst>
                         <a:ext uri="{9D8B030D-6E8A-4147-A177-3AD203B41FA5}">
-                          <a16:colId xmlns:a16="http://schemas.microsoft.com/office/drawing/2014/main" val="1667308519"/>
+                          <a16:colId xmlns:a16="http://schemas.microsoft.com/office/drawing/2014/main" xmlns:a14="http://schemas.microsoft.com/office/drawing/2010/main" xmlns="" val="1667308519"/>
                         </a:ext>
                       </a:extLst>
                     </a:gridCol>
@@ -13681,17 +13953,17 @@
                         </a:p>
                       </a:txBody>
                       <a:tcPr marL="68580" marR="68580" marT="0" marB="0">
-                        <a:blipFill>
+                        <a:blipFill rotWithShape="1">
                           <a:blip r:embed="rId3"/>
                           <a:stretch>
-                            <a:fillRect l="-279" t="-2625" r="-557" b="-955"/>
+                            <a:fillRect t="-2878" b="-240"/>
                           </a:stretch>
                         </a:blipFill>
                       </a:tcPr>
                     </a:tc>
                     <a:extLst>
                       <a:ext uri="{0D108BD9-81ED-4DB2-BD59-A6C34878D82A}">
-                        <a16:rowId xmlns:a16="http://schemas.microsoft.com/office/drawing/2014/main" val="242701956"/>
+                        <a16:rowId xmlns:a16="http://schemas.microsoft.com/office/drawing/2014/main" xmlns:a14="http://schemas.microsoft.com/office/drawing/2010/main" xmlns="" val="242701956"/>
                       </a:ext>
                     </a:extLst>
                   </a:tr>
@@ -14019,7 +14291,7 @@
             <p:spPr>
               <a:xfrm>
                 <a:off x="-116362" y="3626336"/>
-                <a:ext cx="9008842" cy="2382704"/>
+                <a:ext cx="9008842" cy="2198935"/>
               </a:xfrm>
               <a:prstGeom prst="rect">
                 <a:avLst/>
@@ -14067,45 +14339,63 @@
                     <m:sSubSup>
                       <m:sSubSupPr>
                         <m:ctrlPr>
-                          <a:rPr lang="ko-KR" altLang="ko-KR" sz="1400" i="1" kern="100" spc="-5">
+                          <a:rPr lang="ko-KR" altLang="ko-KR" sz="1400" b="1" i="1" kern="100" spc="-5" smtClean="0">
+                            <a:solidFill>
+                              <a:srgbClr val="FF0000"/>
+                            </a:solidFill>
                             <a:latin typeface="Cambria Math" panose="02040503050406030204" pitchFamily="18" charset="0"/>
                           </a:rPr>
                         </m:ctrlPr>
                       </m:sSubSupPr>
                       <m:e>
                         <m:r>
-                          <a:rPr lang="x-none" altLang="ko-KR" sz="1400" kern="100" spc="-5">
+                          <a:rPr lang="x-none" altLang="ko-KR" sz="1400" b="1" i="1" kern="100" spc="-5">
+                            <a:solidFill>
+                              <a:srgbClr val="FF0000"/>
+                            </a:solidFill>
                             <a:latin typeface="Cambria Math" panose="02040503050406030204" pitchFamily="18" charset="0"/>
                           </a:rPr>
-                          <m:t>𝑟</m:t>
+                          <m:t>𝐫</m:t>
                         </m:r>
                       </m:e>
                       <m:sub>
                         <m:r>
-                          <a:rPr lang="x-none" altLang="ko-KR" sz="1400" kern="100" spc="-5">
+                          <a:rPr lang="x-none" altLang="ko-KR" sz="1400" b="1" i="1" kern="100" spc="-5">
+                            <a:solidFill>
+                              <a:srgbClr val="FF0000"/>
+                            </a:solidFill>
                             <a:latin typeface="Cambria Math" panose="02040503050406030204" pitchFamily="18" charset="0"/>
                           </a:rPr>
-                          <m:t>𝑖</m:t>
+                          <m:t>𝐢</m:t>
                         </m:r>
                         <m:r>
-                          <a:rPr lang="x-none" altLang="ko-KR" sz="1400" kern="100" spc="-5">
+                          <a:rPr lang="x-none" altLang="ko-KR" sz="1400" b="1" kern="100" spc="-5">
+                            <a:solidFill>
+                              <a:srgbClr val="FF0000"/>
+                            </a:solidFill>
                             <a:latin typeface="Cambria Math" panose="02040503050406030204" pitchFamily="18" charset="0"/>
                           </a:rPr>
                           <m:t>,</m:t>
                         </m:r>
                         <m:r>
-                          <a:rPr lang="x-none" altLang="ko-KR" sz="1400" kern="100" spc="-5">
+                          <a:rPr lang="x-none" altLang="ko-KR" sz="1400" b="1" i="1" kern="100" spc="-5">
+                            <a:solidFill>
+                              <a:srgbClr val="FF0000"/>
+                            </a:solidFill>
                             <a:latin typeface="Cambria Math" panose="02040503050406030204" pitchFamily="18" charset="0"/>
                           </a:rPr>
-                          <m:t>𝑗</m:t>
+                          <m:t>𝐣</m:t>
                         </m:r>
                       </m:sub>
                       <m:sup>
                         <m:r>
-                          <a:rPr lang="x-none" altLang="ko-KR" sz="1400" kern="100" spc="-5">
+                          <a:rPr lang="x-none" altLang="ko-KR" sz="1400" b="1" i="1" kern="100" spc="-5">
+                            <a:solidFill>
+                              <a:srgbClr val="FF0000"/>
+                            </a:solidFill>
                             <a:latin typeface="Cambria Math" panose="02040503050406030204" pitchFamily="18" charset="0"/>
                           </a:rPr>
-                          <m:t>𝑠𝑢𝑝</m:t>
+                          <m:t>𝐬𝐮𝐩</m:t>
                         </m:r>
                       </m:sup>
                     </m:sSubSup>
@@ -14131,29 +14421,7 @@
                     <a:ea typeface="굴림"/>
                     <a:cs typeface="Tahoma" panose="020B0604030504040204" pitchFamily="34" charset="0"/>
                   </a:rPr>
-                  <a:t>를 재조정</a:t>
-                </a:r>
-                <a:r>
-                  <a:rPr lang="en-US" altLang="ko-KR" sz="1400" kern="0" dirty="0" smtClean="0">
-                    <a:solidFill>
-                      <a:srgbClr val="000000"/>
-                    </a:solidFill>
-                    <a:latin typeface="Arial"/>
-                    <a:ea typeface="굴림"/>
-                    <a:cs typeface="Tahoma" panose="020B0604030504040204" pitchFamily="34" charset="0"/>
-                  </a:rPr>
-                  <a:t>, </a:t>
-                </a:r>
-                <a:r>
-                  <a:rPr lang="ko-KR" altLang="en-US" sz="1400" kern="0" dirty="0" smtClean="0">
-                    <a:solidFill>
-                      <a:srgbClr val="000000"/>
-                    </a:solidFill>
-                    <a:latin typeface="Arial"/>
-                    <a:ea typeface="굴림"/>
-                    <a:cs typeface="Tahoma" panose="020B0604030504040204" pitchFamily="34" charset="0"/>
-                  </a:rPr>
-                  <a:t>만약 </a:t>
+                  <a:t>와 </a:t>
                 </a:r>
                 <a:r>
                   <a:rPr lang="en-US" altLang="ko-KR" sz="1400" kern="0" dirty="0" smtClean="0">
@@ -14167,99 +14435,7 @@
                   <a:t>UE</a:t>
                 </a:r>
                 <a:r>
-                  <a:rPr lang="ko-KR" altLang="en-US" sz="1400" kern="0" dirty="0" smtClean="0">
-                    <a:solidFill>
-                      <a:srgbClr val="000000"/>
-                    </a:solidFill>
-                    <a:latin typeface="Arial"/>
-                    <a:ea typeface="굴림"/>
-                    <a:cs typeface="Tahoma" panose="020B0604030504040204" pitchFamily="34" charset="0"/>
-                  </a:rPr>
-                  <a:t>가 원하는 </a:t>
-                </a:r>
-                <a:r>
-                  <a:rPr lang="en-US" altLang="ko-KR" sz="1400" kern="0" dirty="0" smtClean="0">
-                    <a:solidFill>
-                      <a:srgbClr val="000000"/>
-                    </a:solidFill>
-                    <a:latin typeface="Arial"/>
-                    <a:ea typeface="굴림"/>
-                    <a:cs typeface="Tahoma" panose="020B0604030504040204" pitchFamily="34" charset="0"/>
-                  </a:rPr>
-                  <a:t>Bitrate(</a:t>
-                </a:r>
-                <a14:m>
-                  <m:oMath xmlns:m="http://schemas.openxmlformats.org/officeDocument/2006/math">
-                    <m:sSubSup>
-                      <m:sSubSupPr>
-                        <m:ctrlPr>
-                          <a:rPr lang="ko-KR" altLang="ko-KR" sz="1400" i="1" kern="100" spc="-5">
-                            <a:latin typeface="Cambria Math" panose="02040503050406030204" pitchFamily="18" charset="0"/>
-                          </a:rPr>
-                        </m:ctrlPr>
-                      </m:sSubSupPr>
-                      <m:e>
-                        <m:r>
-                          <a:rPr lang="x-none" altLang="ko-KR" sz="1400" b="0" i="1" kern="100" spc="-5">
-                            <a:latin typeface="Cambria Math" panose="02040503050406030204" pitchFamily="18" charset="0"/>
-                          </a:rPr>
-                          <m:t>𝑟</m:t>
-                        </m:r>
-                      </m:e>
-                      <m:sub>
-                        <m:r>
-                          <a:rPr lang="x-none" altLang="ko-KR" sz="1400" b="0" i="1" kern="100" spc="-5">
-                            <a:latin typeface="Cambria Math" panose="02040503050406030204" pitchFamily="18" charset="0"/>
-                          </a:rPr>
-                          <m:t>𝑖</m:t>
-                        </m:r>
-                      </m:sub>
-                      <m:sup>
-                        <m:r>
-                          <a:rPr lang="x-none" altLang="ko-KR" sz="1400" b="0" i="1" kern="100" spc="-5">
-                            <a:latin typeface="Cambria Math" panose="02040503050406030204" pitchFamily="18" charset="0"/>
-                          </a:rPr>
-                          <m:t>𝑟𝑒𝑞</m:t>
-                        </m:r>
-                      </m:sup>
-                    </m:sSubSup>
-                  </m:oMath>
-                </a14:m>
-                <a:r>
-                  <a:rPr lang="en-US" altLang="ko-KR" sz="1400" kern="0" dirty="0" smtClean="0">
-                    <a:solidFill>
-                      <a:srgbClr val="000000"/>
-                    </a:solidFill>
-                    <a:latin typeface="Arial"/>
-                    <a:ea typeface="굴림"/>
-                    <a:cs typeface="Tahoma" panose="020B0604030504040204" pitchFamily="34" charset="0"/>
-                  </a:rPr>
-                  <a:t>)</a:t>
-                </a:r>
-                <a:r>
-                  <a:rPr lang="ko-KR" altLang="en-US" sz="1400" kern="0" dirty="0" smtClean="0">
-                    <a:solidFill>
-                      <a:srgbClr val="000000"/>
-                    </a:solidFill>
-                    <a:latin typeface="Arial"/>
-                    <a:ea typeface="굴림"/>
-                    <a:cs typeface="Tahoma" panose="020B0604030504040204" pitchFamily="34" charset="0"/>
-                  </a:rPr>
-                  <a:t>와 차이가 크다면 전체적인 </a:t>
-                </a:r>
-                <a:r>
-                  <a:rPr lang="en-US" altLang="ko-KR" sz="1400" kern="0" dirty="0" smtClean="0">
-                    <a:solidFill>
-                      <a:srgbClr val="000000"/>
-                    </a:solidFill>
-                    <a:latin typeface="Arial"/>
-                    <a:ea typeface="굴림"/>
-                    <a:cs typeface="Tahoma" panose="020B0604030504040204" pitchFamily="34" charset="0"/>
-                  </a:rPr>
-                  <a:t>UE</a:t>
-                </a:r>
-                <a:r>
-                  <a:rPr lang="ko-KR" altLang="en-US" sz="1400" kern="0" dirty="0" smtClean="0">
+                  <a:rPr lang="ko-KR" altLang="en-US" sz="1400" kern="0" dirty="0">
                     <a:solidFill>
                       <a:srgbClr val="000000"/>
                     </a:solidFill>
@@ -14270,7 +14446,7 @@
                   <a:t>와 </a:t>
                 </a:r>
                 <a:r>
-                  <a:rPr lang="en-US" altLang="ko-KR" sz="1400" kern="0" dirty="0" smtClean="0">
+                  <a:rPr lang="en-US" altLang="ko-KR" sz="1400" kern="0" dirty="0">
                     <a:solidFill>
                       <a:srgbClr val="000000"/>
                     </a:solidFill>
@@ -14281,7 +14457,7 @@
                   <a:t>AP</a:t>
                 </a:r>
                 <a:r>
-                  <a:rPr lang="ko-KR" altLang="en-US" sz="1400" kern="0" dirty="0" smtClean="0">
+                  <a:rPr lang="ko-KR" altLang="en-US" sz="1400" kern="0" dirty="0">
                     <a:solidFill>
                       <a:srgbClr val="000000"/>
                     </a:solidFill>
@@ -14292,7 +14468,7 @@
                   <a:t>연결을 재조정</a:t>
                 </a:r>
                 <a:r>
-                  <a:rPr lang="en-US" altLang="ko-KR" sz="1400" kern="0" dirty="0" smtClean="0">
+                  <a:rPr lang="en-US" altLang="ko-KR" sz="1400" kern="0" dirty="0">
                     <a:solidFill>
                       <a:srgbClr val="000000"/>
                     </a:solidFill>
@@ -14307,44 +14483,59 @@
                     <m:sSub>
                       <m:sSubPr>
                         <m:ctrlPr>
-                          <a:rPr lang="ko-KR" altLang="ko-KR" sz="1400" i="1" kern="100" spc="-5">
+                          <a:rPr lang="ko-KR" altLang="ko-KR" sz="1100" b="1" i="1" kern="100" spc="-5">
+                            <a:solidFill>
+                              <a:srgbClr val="FF0000"/>
+                            </a:solidFill>
                             <a:latin typeface="Cambria Math" panose="02040503050406030204" pitchFamily="18" charset="0"/>
                           </a:rPr>
                         </m:ctrlPr>
                       </m:sSubPr>
                       <m:e>
                         <m:r>
-                          <a:rPr lang="x-none" altLang="ko-KR" sz="1400" kern="100" spc="-5">
+                          <a:rPr lang="x-none" altLang="ko-KR" sz="1100" b="1" i="1" kern="100" spc="-5">
+                            <a:solidFill>
+                              <a:srgbClr val="FF0000"/>
+                            </a:solidFill>
                             <a:latin typeface="Cambria Math" panose="02040503050406030204" pitchFamily="18" charset="0"/>
                           </a:rPr>
-                          <m:t>𝑝</m:t>
+                          <m:t>𝐩</m:t>
                         </m:r>
                       </m:e>
                       <m:sub>
                         <m:r>
-                          <a:rPr lang="x-none" altLang="ko-KR" sz="1400" kern="100" spc="-5">
+                          <a:rPr lang="x-none" altLang="ko-KR" sz="1100" b="1" i="1" kern="100" spc="-5">
+                            <a:solidFill>
+                              <a:srgbClr val="FF0000"/>
+                            </a:solidFill>
                             <a:latin typeface="Cambria Math" panose="02040503050406030204" pitchFamily="18" charset="0"/>
                           </a:rPr>
-                          <m:t>𝑖</m:t>
+                          <m:t>𝐢</m:t>
                         </m:r>
                         <m:r>
-                          <a:rPr lang="x-none" altLang="ko-KR" sz="1400" kern="100" spc="-5">
+                          <a:rPr lang="x-none" altLang="ko-KR" sz="1100" b="1" kern="100" spc="-5">
+                            <a:solidFill>
+                              <a:srgbClr val="FF0000"/>
+                            </a:solidFill>
                             <a:latin typeface="Cambria Math" panose="02040503050406030204" pitchFamily="18" charset="0"/>
                           </a:rPr>
                           <m:t>,</m:t>
                         </m:r>
                         <m:r>
-                          <a:rPr lang="x-none" altLang="ko-KR" sz="1400" kern="100" spc="-5">
+                          <a:rPr lang="x-none" altLang="ko-KR" sz="1100" b="1" i="1" kern="100" spc="-5">
+                            <a:solidFill>
+                              <a:srgbClr val="FF0000"/>
+                            </a:solidFill>
                             <a:latin typeface="Cambria Math" panose="02040503050406030204" pitchFamily="18" charset="0"/>
                           </a:rPr>
-                          <m:t>𝑗</m:t>
+                          <m:t>𝐣</m:t>
                         </m:r>
                       </m:sub>
                     </m:sSub>
                   </m:oMath>
                 </a14:m>
                 <a:r>
-                  <a:rPr lang="en-US" altLang="ko-KR" sz="1400" kern="0" dirty="0" smtClean="0">
+                  <a:rPr lang="en-US" altLang="ko-KR" sz="1100" kern="0" dirty="0">
                     <a:solidFill>
                       <a:srgbClr val="000000"/>
                     </a:solidFill>
@@ -14361,7 +14552,7 @@
                         <m:begChr m:val="{"/>
                         <m:endChr m:val="}"/>
                         <m:ctrlPr>
-                          <a:rPr lang="en-US" altLang="ko-KR" sz="900" i="1">
+                          <a:rPr lang="en-US" altLang="ko-KR" sz="1100" i="1">
                             <a:latin typeface="Cambria Math" panose="02040503050406030204" pitchFamily="18" charset="0"/>
                           </a:rPr>
                         </m:ctrlPr>
@@ -14378,7 +14569,7 @@
                               </m:mc>
                             </m:mcs>
                             <m:ctrlPr>
-                              <a:rPr lang="en-US" altLang="ko-KR" sz="900" i="1">
+                              <a:rPr lang="en-US" altLang="ko-KR" sz="1100" i="1">
                                 <a:latin typeface="Cambria Math" panose="02040503050406030204" pitchFamily="18" charset="0"/>
                               </a:rPr>
                             </m:ctrlPr>
@@ -14389,13 +14580,13 @@
                                 <m:rPr>
                                   <m:brk m:alnAt="7"/>
                                 </m:rPr>
-                                <a:rPr lang="en-US" altLang="ko-KR" sz="900">
+                                <a:rPr lang="en-US" altLang="ko-KR" sz="1100">
                                   <a:latin typeface="Cambria Math"/>
                                 </a:rPr>
                                 <m:t>0</m:t>
                               </m:r>
                               <m:r>
-                                <a:rPr lang="en-US" altLang="ko-KR" sz="900">
+                                <a:rPr lang="en-US" altLang="ko-KR" sz="1100">
                                   <a:latin typeface="Cambria Math"/>
                                 </a:rPr>
                                 <m:t>:</m:t>
@@ -14403,7 +14594,7 @@
                               <m:sSub>
                                 <m:sSubPr>
                                   <m:ctrlPr>
-                                    <a:rPr lang="en-US" altLang="ko-KR" sz="900" i="1" kern="0">
+                                    <a:rPr lang="en-US" altLang="ko-KR" sz="1100" i="1" kern="0">
                                       <a:solidFill>
                                         <a:srgbClr val="000000"/>
                                       </a:solidFill>
@@ -14415,7 +14606,7 @@
                                 </m:sSubPr>
                                 <m:e>
                                   <m:r>
-                                    <a:rPr lang="en-US" altLang="ko-KR" sz="900" i="1" kern="0">
+                                    <a:rPr lang="en-US" altLang="ko-KR" sz="1100" i="1" kern="0">
                                       <a:solidFill>
                                         <a:srgbClr val="000000"/>
                                       </a:solidFill>
@@ -14426,7 +14617,7 @@
                                     <m:t> </m:t>
                                   </m:r>
                                   <m:r>
-                                    <a:rPr lang="en-US" altLang="ko-KR" sz="900" i="1" kern="0">
+                                    <a:rPr lang="en-US" altLang="ko-KR" sz="1100" i="1" kern="0">
                                       <a:solidFill>
                                         <a:srgbClr val="000000"/>
                                       </a:solidFill>
@@ -14439,7 +14630,7 @@
                                 </m:e>
                                 <m:sub>
                                   <m:r>
-                                    <a:rPr lang="en-US" altLang="ko-KR" sz="900" i="1" kern="0">
+                                    <a:rPr lang="en-US" altLang="ko-KR" sz="1100" i="1" kern="0">
                                       <a:solidFill>
                                         <a:srgbClr val="000000"/>
                                       </a:solidFill>
@@ -14452,7 +14643,7 @@
                                 </m:sub>
                               </m:sSub>
                               <m:r>
-                                <a:rPr lang="en-US" altLang="ko-KR" sz="900" b="0" i="0" kern="0">
+                                <a:rPr lang="en-US" altLang="ko-KR" sz="1100" kern="0">
                                   <a:solidFill>
                                     <a:srgbClr val="000000"/>
                                   </a:solidFill>
@@ -14463,7 +14654,7 @@
                                 <m:t> </m:t>
                               </m:r>
                               <m:r>
-                                <a:rPr lang="en-US" altLang="ko-KR" sz="900" b="0" i="1" kern="0" smtClean="0">
+                                <a:rPr lang="en-US" altLang="ko-KR" sz="1100" i="1" kern="0">
                                   <a:solidFill>
                                     <a:srgbClr val="000000"/>
                                   </a:solidFill>
@@ -14474,7 +14665,7 @@
                                 <m:t>𝑖𝑠</m:t>
                               </m:r>
                               <m:r>
-                                <a:rPr lang="en-US" altLang="ko-KR" sz="900" b="0" i="1" kern="0" smtClean="0">
+                                <a:rPr lang="en-US" altLang="ko-KR" sz="1100" i="1" kern="0">
                                   <a:solidFill>
                                     <a:srgbClr val="000000"/>
                                   </a:solidFill>
@@ -14485,7 +14676,7 @@
                                 <m:t> </m:t>
                               </m:r>
                               <m:r>
-                                <a:rPr lang="en-US" altLang="ko-KR" sz="900" b="0" i="1" kern="0" smtClean="0">
+                                <a:rPr lang="en-US" altLang="ko-KR" sz="1100" i="1" kern="0">
                                   <a:solidFill>
                                     <a:srgbClr val="000000"/>
                                   </a:solidFill>
@@ -14496,7 +14687,7 @@
                                 <m:t>𝑛𝑜𝑡</m:t>
                               </m:r>
                               <m:r>
-                                <a:rPr lang="en-US" altLang="ko-KR" sz="900" b="0" i="1" kern="0" smtClean="0">
+                                <a:rPr lang="en-US" altLang="ko-KR" sz="1100" i="1" kern="0">
                                   <a:solidFill>
                                     <a:srgbClr val="000000"/>
                                   </a:solidFill>
@@ -14507,7 +14698,7 @@
                                 <m:t> </m:t>
                               </m:r>
                               <m:r>
-                                <a:rPr lang="en-US" altLang="ko-KR" sz="900" b="0" i="1" kern="0" smtClean="0">
+                                <a:rPr lang="en-US" altLang="ko-KR" sz="1100" i="1" kern="0">
                                   <a:solidFill>
                                     <a:srgbClr val="000000"/>
                                   </a:solidFill>
@@ -14518,7 +14709,7 @@
                                 <m:t>𝑎𝑠𝑠𝑜𝑐𝑖𝑎𝑡𝑒𝑑</m:t>
                               </m:r>
                               <m:r>
-                                <a:rPr lang="en-US" altLang="ko-KR" sz="900" b="0" i="1" kern="0" smtClean="0">
+                                <a:rPr lang="en-US" altLang="ko-KR" sz="1100" i="1" kern="0">
                                   <a:solidFill>
                                     <a:srgbClr val="000000"/>
                                   </a:solidFill>
@@ -14529,7 +14720,7 @@
                                 <m:t> </m:t>
                               </m:r>
                               <m:r>
-                                <a:rPr lang="en-US" altLang="ko-KR" sz="900" b="0" i="1" kern="0" smtClean="0">
+                                <a:rPr lang="en-US" altLang="ko-KR" sz="1100" i="1" kern="0">
                                   <a:solidFill>
                                     <a:srgbClr val="000000"/>
                                   </a:solidFill>
@@ -14542,7 +14733,7 @@
                               <m:sSub>
                                 <m:sSubPr>
                                   <m:ctrlPr>
-                                    <a:rPr lang="en-US" altLang="ko-KR" sz="900" i="1" kern="0">
+                                    <a:rPr lang="en-US" altLang="ko-KR" sz="1100" i="1" kern="0">
                                       <a:solidFill>
                                         <a:srgbClr val="000000"/>
                                       </a:solidFill>
@@ -14554,7 +14745,7 @@
                                 </m:sSubPr>
                                 <m:e>
                                   <m:r>
-                                    <a:rPr lang="en-US" altLang="ko-KR" sz="900" i="1" kern="0">
+                                    <a:rPr lang="en-US" altLang="ko-KR" sz="1100" i="1" kern="0">
                                       <a:solidFill>
                                         <a:srgbClr val="000000"/>
                                       </a:solidFill>
@@ -14565,7 +14756,7 @@
                                     <m:t> </m:t>
                                   </m:r>
                                   <m:r>
-                                    <a:rPr lang="en-US" altLang="ko-KR" sz="900" i="1" kern="0">
+                                    <a:rPr lang="en-US" altLang="ko-KR" sz="1100" i="1" kern="0">
                                       <a:solidFill>
                                         <a:srgbClr val="000000"/>
                                       </a:solidFill>
@@ -14578,7 +14769,7 @@
                                 </m:e>
                                 <m:sub>
                                   <m:r>
-                                    <a:rPr lang="en-US" altLang="ko-KR" sz="900" i="1" kern="0">
+                                    <a:rPr lang="en-US" altLang="ko-KR" sz="1100" i="1" kern="0">
                                       <a:solidFill>
                                         <a:srgbClr val="000000"/>
                                       </a:solidFill>
@@ -14595,13 +14786,13 @@
                           <m:mr>
                             <m:e>
                               <m:r>
-                                <a:rPr lang="en-US" altLang="ko-KR" sz="900">
+                                <a:rPr lang="en-US" altLang="ko-KR" sz="1100">
                                   <a:latin typeface="Cambria Math"/>
                                 </a:rPr>
                                 <m:t>1:</m:t>
                               </m:r>
                               <m:r>
-                                <a:rPr lang="en-US" altLang="ko-KR" sz="900" b="0" i="1" smtClean="0">
+                                <a:rPr lang="en-US" altLang="ko-KR" sz="1100" i="1">
                                   <a:latin typeface="Cambria Math" panose="02040503050406030204" pitchFamily="18" charset="0"/>
                                 </a:rPr>
                                 <m:t>   </m:t>
@@ -14609,7 +14800,7 @@
                               <m:sSub>
                                 <m:sSubPr>
                                   <m:ctrlPr>
-                                    <a:rPr lang="en-US" altLang="ko-KR" sz="900" i="1" kern="0">
+                                    <a:rPr lang="en-US" altLang="ko-KR" sz="1100" i="1" kern="0">
                                       <a:solidFill>
                                         <a:srgbClr val="000000"/>
                                       </a:solidFill>
@@ -14621,7 +14812,7 @@
                                 </m:sSubPr>
                                 <m:e>
                                   <m:r>
-                                    <a:rPr lang="en-US" altLang="ko-KR" sz="900" b="0" i="1" kern="0" smtClean="0">
+                                    <a:rPr lang="en-US" altLang="ko-KR" sz="1100" i="1" kern="0">
                                       <a:solidFill>
                                         <a:srgbClr val="000000"/>
                                       </a:solidFill>
@@ -14632,7 +14823,7 @@
                                     <m:t>   </m:t>
                                   </m:r>
                                   <m:r>
-                                    <a:rPr lang="en-US" altLang="ko-KR" sz="900" i="1" kern="0">
+                                    <a:rPr lang="en-US" altLang="ko-KR" sz="1100" i="1" kern="0">
                                       <a:solidFill>
                                         <a:srgbClr val="000000"/>
                                       </a:solidFill>
@@ -14643,7 +14834,7 @@
                                     <m:t>   </m:t>
                                   </m:r>
                                   <m:r>
-                                    <a:rPr lang="en-US" altLang="ko-KR" sz="900" i="1" kern="0">
+                                    <a:rPr lang="en-US" altLang="ko-KR" sz="1100" i="1" kern="0">
                                       <a:solidFill>
                                         <a:srgbClr val="000000"/>
                                       </a:solidFill>
@@ -14656,7 +14847,7 @@
                                 </m:e>
                                 <m:sub>
                                   <m:r>
-                                    <a:rPr lang="en-US" altLang="ko-KR" sz="900" i="1" kern="0">
+                                    <a:rPr lang="en-US" altLang="ko-KR" sz="1100" i="1" kern="0">
                                       <a:solidFill>
                                         <a:srgbClr val="000000"/>
                                       </a:solidFill>
@@ -14669,7 +14860,7 @@
                                 </m:sub>
                               </m:sSub>
                               <m:r>
-                                <a:rPr lang="en-US" altLang="ko-KR" sz="900" b="0" i="1" kern="0">
+                                <a:rPr lang="en-US" altLang="ko-KR" sz="1100" i="1" kern="0">
                                   <a:solidFill>
                                     <a:srgbClr val="000000"/>
                                   </a:solidFill>
@@ -14680,7 +14871,7 @@
                                 <m:t> </m:t>
                               </m:r>
                               <m:r>
-                                <a:rPr lang="en-US" altLang="ko-KR" sz="900" b="0" i="1" kern="0" smtClean="0">
+                                <a:rPr lang="en-US" altLang="ko-KR" sz="1100" i="1" kern="0">
                                   <a:solidFill>
                                     <a:srgbClr val="000000"/>
                                   </a:solidFill>
@@ -14691,7 +14882,7 @@
                                 <m:t>𝑖𝑠</m:t>
                               </m:r>
                               <m:r>
-                                <a:rPr lang="en-US" altLang="ko-KR" sz="900" b="0" i="1" kern="0" smtClean="0">
+                                <a:rPr lang="en-US" altLang="ko-KR" sz="1100" i="1" kern="0">
                                   <a:solidFill>
                                     <a:srgbClr val="000000"/>
                                   </a:solidFill>
@@ -14702,7 +14893,7 @@
                                 <m:t> </m:t>
                               </m:r>
                               <m:r>
-                                <a:rPr lang="en-US" altLang="ko-KR" sz="900" b="0" i="1" kern="0" smtClean="0">
+                                <a:rPr lang="en-US" altLang="ko-KR" sz="1100" i="1" kern="0">
                                   <a:solidFill>
                                     <a:srgbClr val="000000"/>
                                   </a:solidFill>
@@ -14713,7 +14904,7 @@
                                 <m:t>𝑎𝑠𝑠𝑜𝑐𝑖𝑎𝑡𝑒𝑑</m:t>
                               </m:r>
                               <m:r>
-                                <a:rPr lang="en-US" altLang="ko-KR" sz="900" b="0" i="1" kern="0" smtClean="0">
+                                <a:rPr lang="en-US" altLang="ko-KR" sz="1100" i="1" kern="0">
                                   <a:solidFill>
                                     <a:srgbClr val="000000"/>
                                   </a:solidFill>
@@ -14724,7 +14915,7 @@
                                 <m:t> </m:t>
                               </m:r>
                               <m:r>
-                                <a:rPr lang="en-US" altLang="ko-KR" sz="900" b="0" i="1" kern="0" smtClean="0">
+                                <a:rPr lang="en-US" altLang="ko-KR" sz="1100" i="1" kern="0">
                                   <a:solidFill>
                                     <a:srgbClr val="000000"/>
                                   </a:solidFill>
@@ -14735,7 +14926,7 @@
                                 <m:t>𝑤𝑖𝑡h</m:t>
                               </m:r>
                               <m:r>
-                                <a:rPr lang="en-US" altLang="ko-KR" sz="900" b="0" i="1" kern="0" smtClean="0">
+                                <a:rPr lang="en-US" altLang="ko-KR" sz="1100" i="1" kern="0">
                                   <a:solidFill>
                                     <a:srgbClr val="000000"/>
                                   </a:solidFill>
@@ -14748,7 +14939,7 @@
                               <m:sSub>
                                 <m:sSubPr>
                                   <m:ctrlPr>
-                                    <a:rPr lang="en-US" altLang="ko-KR" sz="900" i="1" kern="0">
+                                    <a:rPr lang="en-US" altLang="ko-KR" sz="1100" i="1" kern="0">
                                       <a:solidFill>
                                         <a:srgbClr val="000000"/>
                                       </a:solidFill>
@@ -14760,7 +14951,7 @@
                                 </m:sSubPr>
                                 <m:e>
                                   <m:r>
-                                    <a:rPr lang="en-US" altLang="ko-KR" sz="900" i="1" kern="0">
+                                    <a:rPr lang="en-US" altLang="ko-KR" sz="1100" i="1" kern="0">
                                       <a:solidFill>
                                         <a:srgbClr val="000000"/>
                                       </a:solidFill>
@@ -14773,7 +14964,7 @@
                                 </m:e>
                                 <m:sub>
                                   <m:r>
-                                    <a:rPr lang="en-US" altLang="ko-KR" sz="900" i="1" kern="0">
+                                    <a:rPr lang="en-US" altLang="ko-KR" sz="1100" i="1" kern="0">
                                       <a:solidFill>
                                         <a:srgbClr val="000000"/>
                                       </a:solidFill>
@@ -14801,8 +14992,16 @@
                     <a:ea typeface="굴림"/>
                     <a:cs typeface="Tahoma" panose="020B0604030504040204" pitchFamily="34" charset="0"/>
                   </a:rPr>
-                  <a:t>) </a:t>
+                  <a:t>)</a:t>
                 </a:r>
+                <a:endParaRPr lang="en-US" altLang="ko-KR" sz="1400" kern="0" dirty="0" smtClean="0">
+                  <a:solidFill>
+                    <a:srgbClr val="000000"/>
+                  </a:solidFill>
+                  <a:latin typeface="Arial"/>
+                  <a:ea typeface="굴림"/>
+                  <a:cs typeface="Tahoma" panose="020B0604030504040204" pitchFamily="34" charset="0"/>
+                </a:endParaRPr>
               </a:p>
               <a:p>
                 <a:pPr lvl="1" fontAlgn="t">
@@ -15075,7 +15274,29 @@
                     <a:ea typeface="굴림"/>
                     <a:cs typeface="Tahoma" panose="020B0604030504040204" pitchFamily="34" charset="0"/>
                   </a:rPr>
-                  <a:t>의 차이를 최소화하는 것</a:t>
+                  <a:t>의 </a:t>
+                </a:r>
+                <a:r>
+                  <a:rPr lang="ko-KR" altLang="en-US" sz="1400" b="1" kern="0" dirty="0" smtClean="0">
+                    <a:solidFill>
+                      <a:srgbClr val="FF0000"/>
+                    </a:solidFill>
+                    <a:latin typeface="Arial"/>
+                    <a:ea typeface="굴림"/>
+                    <a:cs typeface="Tahoma" panose="020B0604030504040204" pitchFamily="34" charset="0"/>
+                  </a:rPr>
+                  <a:t>차이를 최소화</a:t>
+                </a:r>
+                <a:r>
+                  <a:rPr lang="ko-KR" altLang="en-US" sz="1400" kern="0" dirty="0" smtClean="0">
+                    <a:solidFill>
+                      <a:srgbClr val="000000"/>
+                    </a:solidFill>
+                    <a:latin typeface="Arial"/>
+                    <a:ea typeface="굴림"/>
+                    <a:cs typeface="Tahoma" panose="020B0604030504040204" pitchFamily="34" charset="0"/>
+                  </a:rPr>
+                  <a:t>하는 것</a:t>
                 </a:r>
                 <a:endParaRPr lang="en-US" altLang="ko-KR" sz="1400" kern="0" dirty="0" smtClean="0">
                   <a:solidFill>
@@ -15174,9 +15395,9 @@
                   <a:buSzPct val="100000"/>
                 </a:pPr>
                 <a:r>
-                  <a:rPr lang="ko-KR" altLang="en-US" sz="1400" kern="0" dirty="0" smtClean="0">
+                  <a:rPr lang="ko-KR" altLang="en-US" sz="1400" b="1" kern="0" dirty="0" smtClean="0">
                     <a:solidFill>
-                      <a:srgbClr val="000000"/>
+                      <a:srgbClr val="FF0000"/>
                     </a:solidFill>
                     <a:latin typeface="Arial"/>
                     <a:ea typeface="굴림"/>
@@ -15185,9 +15406,9 @@
                   <a:t>재생하고 있는 구간까지의 크기 </a:t>
                 </a:r>
                 <a:r>
-                  <a:rPr lang="en-US" altLang="ko-KR" sz="1400" kern="0" dirty="0" smtClean="0">
+                  <a:rPr lang="en-US" altLang="ko-KR" sz="1400" b="1" kern="0" dirty="0" smtClean="0">
                     <a:solidFill>
-                      <a:srgbClr val="000000"/>
+                      <a:srgbClr val="FF0000"/>
                     </a:solidFill>
                     <a:latin typeface="Arial"/>
                     <a:ea typeface="굴림"/>
@@ -15196,9 +15417,9 @@
                   <a:t>+</a:t>
                 </a:r>
                 <a:r>
-                  <a:rPr lang="ko-KR" altLang="en-US" sz="1400" kern="0" dirty="0" smtClean="0">
+                  <a:rPr lang="ko-KR" altLang="en-US" sz="1400" b="1" kern="0" dirty="0" smtClean="0">
                     <a:solidFill>
-                      <a:srgbClr val="000000"/>
+                      <a:srgbClr val="FF0000"/>
                     </a:solidFill>
                     <a:latin typeface="Arial"/>
                     <a:ea typeface="굴림"/>
@@ -15209,17 +15430,20 @@
                 <a14:m>
                   <m:oMath xmlns:m="http://schemas.openxmlformats.org/officeDocument/2006/math">
                     <m:r>
-                      <a:rPr lang="en-US" altLang="ko-KR" sz="1400" kern="0">
+                      <a:rPr lang="en-US" altLang="ko-KR" sz="1400" b="1" i="1" kern="0">
+                        <a:solidFill>
+                          <a:srgbClr val="FF0000"/>
+                        </a:solidFill>
                         <a:latin typeface="Cambria Math" panose="02040503050406030204" pitchFamily="18" charset="0"/>
                       </a:rPr>
-                      <m:t>𝜃</m:t>
+                      <m:t>𝛉</m:t>
                     </m:r>
                   </m:oMath>
                 </a14:m>
                 <a:r>
-                  <a:rPr lang="en-US" altLang="ko-KR" sz="1400" kern="0" dirty="0" smtClean="0">
+                  <a:rPr lang="en-US" altLang="ko-KR" sz="1400" b="1" kern="0" dirty="0" smtClean="0">
                     <a:solidFill>
-                      <a:srgbClr val="000000"/>
+                      <a:srgbClr val="FF0000"/>
                     </a:solidFill>
                     <a:latin typeface="Arial"/>
                     <a:ea typeface="굴림"/>
@@ -15230,7 +15454,10 @@
                 <a14:m>
                   <m:oMath xmlns:m="http://schemas.openxmlformats.org/officeDocument/2006/math">
                     <m:r>
-                      <a:rPr lang="en-US" altLang="ko-KR" sz="1400" kern="0">
+                      <a:rPr lang="en-US" altLang="ko-KR" sz="1400" b="1" kern="0">
+                        <a:solidFill>
+                          <a:srgbClr val="FF0000"/>
+                        </a:solidFill>
                         <a:latin typeface="Cambria Math" panose="02040503050406030204" pitchFamily="18" charset="0"/>
                       </a:rPr>
                       <m:t>≤</m:t>
@@ -15238,9 +15465,9 @@
                   </m:oMath>
                 </a14:m>
                 <a:r>
-                  <a:rPr lang="en-US" altLang="ko-KR" sz="1400" kern="0" dirty="0" smtClean="0">
+                  <a:rPr lang="en-US" altLang="ko-KR" sz="1400" b="1" kern="0" dirty="0" smtClean="0">
                     <a:solidFill>
-                      <a:srgbClr val="000000"/>
+                      <a:srgbClr val="FF0000"/>
                     </a:solidFill>
                     <a:latin typeface="Arial"/>
                     <a:ea typeface="굴림"/>
@@ -15249,9 +15476,9 @@
                   <a:t> </a:t>
                 </a:r>
                 <a:r>
-                  <a:rPr lang="ko-KR" altLang="en-US" sz="1400" kern="0" dirty="0" smtClean="0">
+                  <a:rPr lang="ko-KR" altLang="en-US" sz="1400" b="1" kern="0" dirty="0" smtClean="0">
                     <a:solidFill>
-                      <a:srgbClr val="000000"/>
+                      <a:srgbClr val="FF0000"/>
                     </a:solidFill>
                     <a:latin typeface="Arial"/>
                     <a:ea typeface="굴림"/>
@@ -15260,9 +15487,9 @@
                   <a:t>받는 데이터의 양 </a:t>
                 </a:r>
                 <a:r>
-                  <a:rPr lang="en-US" altLang="ko-KR" sz="1400" kern="0" dirty="0" smtClean="0">
+                  <a:rPr lang="en-US" altLang="ko-KR" sz="1400" b="1" kern="0" dirty="0" smtClean="0">
                     <a:solidFill>
-                      <a:srgbClr val="000000"/>
+                      <a:srgbClr val="FF0000"/>
                     </a:solidFill>
                     <a:latin typeface="Arial"/>
                     <a:ea typeface="굴림"/>
@@ -15271,9 +15498,9 @@
                   <a:t>+ </a:t>
                 </a:r>
                 <a:r>
-                  <a:rPr lang="ko-KR" altLang="en-US" sz="1400" kern="0" dirty="0" smtClean="0">
+                  <a:rPr lang="ko-KR" altLang="en-US" sz="1400" b="1" kern="0" dirty="0" smtClean="0">
                     <a:solidFill>
-                      <a:srgbClr val="000000"/>
+                      <a:srgbClr val="FF0000"/>
                     </a:solidFill>
                     <a:latin typeface="Arial"/>
                     <a:ea typeface="굴림"/>
@@ -15352,45 +15579,63 @@
                     <m:sSubSup>
                       <m:sSubSupPr>
                         <m:ctrlPr>
-                          <a:rPr lang="ko-KR" altLang="ko-KR" sz="1400" i="1" kern="0">
+                          <a:rPr lang="ko-KR" altLang="ko-KR" sz="1400" b="1" i="1" kern="0" smtClean="0">
+                            <a:solidFill>
+                              <a:srgbClr val="FF0000"/>
+                            </a:solidFill>
                             <a:latin typeface="Cambria Math" panose="02040503050406030204" pitchFamily="18" charset="0"/>
                           </a:rPr>
                         </m:ctrlPr>
                       </m:sSubSupPr>
                       <m:e>
                         <m:r>
-                          <a:rPr lang="en-US" altLang="ko-KR" sz="1400" kern="0">
+                          <a:rPr lang="en-US" altLang="ko-KR" sz="1400" b="1" i="1" kern="0">
+                            <a:solidFill>
+                              <a:srgbClr val="FF0000"/>
+                            </a:solidFill>
                             <a:latin typeface="Cambria Math" panose="02040503050406030204" pitchFamily="18" charset="0"/>
                           </a:rPr>
-                          <m:t>𝑟</m:t>
+                          <m:t>𝐫</m:t>
                         </m:r>
                       </m:e>
                       <m:sub>
                         <m:r>
-                          <a:rPr lang="en-US" altLang="ko-KR" sz="1400" kern="0">
+                          <a:rPr lang="en-US" altLang="ko-KR" sz="1400" b="1" i="1" kern="0">
+                            <a:solidFill>
+                              <a:srgbClr val="FF0000"/>
+                            </a:solidFill>
                             <a:latin typeface="Cambria Math" panose="02040503050406030204" pitchFamily="18" charset="0"/>
                           </a:rPr>
-                          <m:t>𝑖</m:t>
+                          <m:t>𝐢</m:t>
                         </m:r>
                         <m:r>
-                          <a:rPr lang="en-US" altLang="ko-KR" sz="1400" kern="0">
+                          <a:rPr lang="en-US" altLang="ko-KR" sz="1400" b="1" kern="0">
+                            <a:solidFill>
+                              <a:srgbClr val="FF0000"/>
+                            </a:solidFill>
                             <a:latin typeface="Cambria Math" panose="02040503050406030204" pitchFamily="18" charset="0"/>
                           </a:rPr>
                           <m:t>,</m:t>
                         </m:r>
                         <m:r>
-                          <a:rPr lang="en-US" altLang="ko-KR" sz="1400" kern="0">
+                          <a:rPr lang="en-US" altLang="ko-KR" sz="1400" b="1" i="1" kern="0">
+                            <a:solidFill>
+                              <a:srgbClr val="FF0000"/>
+                            </a:solidFill>
                             <a:latin typeface="Cambria Math" panose="02040503050406030204" pitchFamily="18" charset="0"/>
                           </a:rPr>
-                          <m:t>𝑗</m:t>
+                          <m:t>𝐣</m:t>
                         </m:r>
                       </m:sub>
                       <m:sup>
                         <m:r>
-                          <a:rPr lang="en-US" altLang="ko-KR" sz="1400" kern="0">
+                          <a:rPr lang="en-US" altLang="ko-KR" sz="1400" b="1" i="1" kern="0">
+                            <a:solidFill>
+                              <a:srgbClr val="FF0000"/>
+                            </a:solidFill>
                             <a:latin typeface="Cambria Math" panose="02040503050406030204" pitchFamily="18" charset="0"/>
                           </a:rPr>
-                          <m:t>𝑠𝑢𝑝</m:t>
+                          <m:t>𝐬𝐮𝐩</m:t>
                         </m:r>
                       </m:sup>
                     </m:sSubSup>
@@ -15434,45 +15679,63 @@
                     <m:sSubSup>
                       <m:sSubSupPr>
                         <m:ctrlPr>
-                          <a:rPr lang="ko-KR" altLang="ko-KR" sz="1400" i="1" kern="0">
+                          <a:rPr lang="ko-KR" altLang="ko-KR" sz="1400" b="1" i="1" kern="0" smtClean="0">
+                            <a:solidFill>
+                              <a:srgbClr val="FF0000"/>
+                            </a:solidFill>
                             <a:latin typeface="Cambria Math" panose="02040503050406030204" pitchFamily="18" charset="0"/>
                           </a:rPr>
                         </m:ctrlPr>
                       </m:sSubSupPr>
                       <m:e>
                         <m:r>
-                          <a:rPr lang="en-US" altLang="ko-KR" sz="1400" kern="0">
+                          <a:rPr lang="en-US" altLang="ko-KR" sz="1400" b="1" i="1" kern="0">
+                            <a:solidFill>
+                              <a:srgbClr val="FF0000"/>
+                            </a:solidFill>
                             <a:latin typeface="Cambria Math" panose="02040503050406030204" pitchFamily="18" charset="0"/>
                           </a:rPr>
-                          <m:t>𝑏𝑤</m:t>
+                          <m:t>𝐛𝐰</m:t>
                         </m:r>
                       </m:e>
                       <m:sub>
                         <m:r>
-                          <a:rPr lang="en-US" altLang="ko-KR" sz="1400" kern="0">
+                          <a:rPr lang="en-US" altLang="ko-KR" sz="1400" b="1" i="1" kern="0">
+                            <a:solidFill>
+                              <a:srgbClr val="FF0000"/>
+                            </a:solidFill>
                             <a:latin typeface="Cambria Math" panose="02040503050406030204" pitchFamily="18" charset="0"/>
                           </a:rPr>
-                          <m:t>𝑖</m:t>
+                          <m:t>𝐢</m:t>
                         </m:r>
                         <m:r>
-                          <a:rPr lang="en-US" altLang="ko-KR" sz="1400" kern="0">
+                          <a:rPr lang="en-US" altLang="ko-KR" sz="1400" b="1" kern="0">
+                            <a:solidFill>
+                              <a:srgbClr val="FF0000"/>
+                            </a:solidFill>
                             <a:latin typeface="Cambria Math" panose="02040503050406030204" pitchFamily="18" charset="0"/>
                           </a:rPr>
                           <m:t>,</m:t>
                         </m:r>
                         <m:r>
-                          <a:rPr lang="en-US" altLang="ko-KR" sz="1400" kern="0">
+                          <a:rPr lang="en-US" altLang="ko-KR" sz="1400" b="1" i="1" kern="0">
+                            <a:solidFill>
+                              <a:srgbClr val="FF0000"/>
+                            </a:solidFill>
                             <a:latin typeface="Cambria Math" panose="02040503050406030204" pitchFamily="18" charset="0"/>
                           </a:rPr>
-                          <m:t>𝑗</m:t>
+                          <m:t>𝐣</m:t>
                         </m:r>
                       </m:sub>
                       <m:sup>
                         <m:r>
-                          <a:rPr lang="en-US" altLang="ko-KR" sz="1400" kern="0">
+                          <a:rPr lang="en-US" altLang="ko-KR" sz="1400" b="1" i="1" kern="0">
+                            <a:solidFill>
+                              <a:srgbClr val="FF0000"/>
+                            </a:solidFill>
                             <a:latin typeface="Cambria Math" panose="02040503050406030204" pitchFamily="18" charset="0"/>
                           </a:rPr>
-                          <m:t>𝑒𝑠𝑡</m:t>
+                          <m:t>𝐞𝐬𝐭</m:t>
                         </m:r>
                       </m:sup>
                     </m:sSubSup>
@@ -15579,38 +15842,53 @@
                     <m:sSubSup>
                       <m:sSubSupPr>
                         <m:ctrlPr>
-                          <a:rPr lang="ko-KR" altLang="ko-KR" sz="1400" i="1" kern="0">
+                          <a:rPr lang="ko-KR" altLang="ko-KR" sz="1400" b="1" i="1" kern="0" smtClean="0">
+                            <a:solidFill>
+                              <a:srgbClr val="FF0000"/>
+                            </a:solidFill>
                             <a:latin typeface="Cambria Math" panose="02040503050406030204" pitchFamily="18" charset="0"/>
                           </a:rPr>
                         </m:ctrlPr>
                       </m:sSubSupPr>
                       <m:e>
                         <m:r>
-                          <a:rPr lang="en-US" altLang="ko-KR" sz="1400" kern="0">
+                          <a:rPr lang="en-US" altLang="ko-KR" sz="1400" b="1" i="1" kern="0">
+                            <a:solidFill>
+                              <a:srgbClr val="FF0000"/>
+                            </a:solidFill>
                             <a:latin typeface="Cambria Math" panose="02040503050406030204" pitchFamily="18" charset="0"/>
                           </a:rPr>
-                          <m:t>𝑇</m:t>
+                          <m:t>𝐓</m:t>
                         </m:r>
                       </m:e>
                       <m:sub>
                         <m:r>
-                          <a:rPr lang="en-US" altLang="ko-KR" sz="1400" kern="0">
+                          <a:rPr lang="en-US" altLang="ko-KR" sz="1400" b="1" i="1" kern="0">
+                            <a:solidFill>
+                              <a:srgbClr val="FF0000"/>
+                            </a:solidFill>
                             <a:latin typeface="Cambria Math" panose="02040503050406030204" pitchFamily="18" charset="0"/>
                           </a:rPr>
-                          <m:t>𝑖</m:t>
+                          <m:t>𝐢</m:t>
                         </m:r>
                       </m:sub>
                       <m:sup>
                         <m:r>
-                          <a:rPr lang="en-US" altLang="ko-KR" sz="1400" kern="0">
+                          <a:rPr lang="en-US" altLang="ko-KR" sz="1400" b="1" i="1" kern="0">
+                            <a:solidFill>
+                              <a:srgbClr val="FF0000"/>
+                            </a:solidFill>
                             <a:latin typeface="Cambria Math" panose="02040503050406030204" pitchFamily="18" charset="0"/>
                           </a:rPr>
-                          <m:t>𝑟𝑒𝑞</m:t>
+                          <m:t>𝐫𝐞𝐪</m:t>
                         </m:r>
                       </m:sup>
                     </m:sSubSup>
                     <m:r>
-                      <a:rPr lang="en-US" altLang="ko-KR" sz="1400" kern="0">
+                      <a:rPr lang="en-US" altLang="ko-KR" sz="1400" b="1" kern="0">
+                        <a:solidFill>
+                          <a:srgbClr val="FF0000"/>
+                        </a:solidFill>
                         <a:latin typeface="Cambria Math" panose="02040503050406030204" pitchFamily="18" charset="0"/>
                       </a:rPr>
                       <m:t>∙</m:t>
@@ -15618,45 +15896,63 @@
                     <m:sSubSup>
                       <m:sSubSupPr>
                         <m:ctrlPr>
-                          <a:rPr lang="ko-KR" altLang="ko-KR" sz="1400" i="1" kern="0">
+                          <a:rPr lang="ko-KR" altLang="ko-KR" sz="1400" b="1" i="1" kern="0">
+                            <a:solidFill>
+                              <a:srgbClr val="FF0000"/>
+                            </a:solidFill>
                             <a:latin typeface="Cambria Math" panose="02040503050406030204" pitchFamily="18" charset="0"/>
                           </a:rPr>
                         </m:ctrlPr>
                       </m:sSubSupPr>
                       <m:e>
                         <m:r>
-                          <a:rPr lang="en-US" altLang="ko-KR" sz="1400" kern="0">
+                          <a:rPr lang="en-US" altLang="ko-KR" sz="1400" b="1" i="1" kern="0">
+                            <a:solidFill>
+                              <a:srgbClr val="FF0000"/>
+                            </a:solidFill>
                             <a:latin typeface="Cambria Math" panose="02040503050406030204" pitchFamily="18" charset="0"/>
                           </a:rPr>
-                          <m:t>𝑟</m:t>
+                          <m:t>𝐫</m:t>
                         </m:r>
                       </m:e>
                       <m:sub>
                         <m:r>
-                          <a:rPr lang="en-US" altLang="ko-KR" sz="1400" kern="0">
+                          <a:rPr lang="en-US" altLang="ko-KR" sz="1400" b="1" i="1" kern="0">
+                            <a:solidFill>
+                              <a:srgbClr val="FF0000"/>
+                            </a:solidFill>
                             <a:latin typeface="Cambria Math" panose="02040503050406030204" pitchFamily="18" charset="0"/>
                           </a:rPr>
-                          <m:t>𝑖</m:t>
+                          <m:t>𝐢</m:t>
                         </m:r>
                         <m:r>
-                          <a:rPr lang="en-US" altLang="ko-KR" sz="1400" kern="0">
+                          <a:rPr lang="en-US" altLang="ko-KR" sz="1400" b="1" kern="0">
+                            <a:solidFill>
+                              <a:srgbClr val="FF0000"/>
+                            </a:solidFill>
                             <a:latin typeface="Cambria Math" panose="02040503050406030204" pitchFamily="18" charset="0"/>
                           </a:rPr>
                           <m:t>,</m:t>
                         </m:r>
                         <m:r>
-                          <a:rPr lang="en-US" altLang="ko-KR" sz="1400" kern="0">
+                          <a:rPr lang="en-US" altLang="ko-KR" sz="1400" b="1" i="1" kern="0">
+                            <a:solidFill>
+                              <a:srgbClr val="FF0000"/>
+                            </a:solidFill>
                             <a:latin typeface="Cambria Math" panose="02040503050406030204" pitchFamily="18" charset="0"/>
                           </a:rPr>
-                          <m:t>𝑗</m:t>
+                          <m:t>𝐣</m:t>
                         </m:r>
                       </m:sub>
                       <m:sup>
                         <m:r>
-                          <a:rPr lang="en-US" altLang="ko-KR" sz="1400" kern="0">
+                          <a:rPr lang="en-US" altLang="ko-KR" sz="1400" b="1" i="1" kern="0">
+                            <a:solidFill>
+                              <a:srgbClr val="FF0000"/>
+                            </a:solidFill>
                             <a:latin typeface="Cambria Math" panose="02040503050406030204" pitchFamily="18" charset="0"/>
                           </a:rPr>
-                          <m:t>𝑠𝑢𝑝</m:t>
+                          <m:t>𝐬𝐮𝐩</m:t>
                         </m:r>
                       </m:sup>
                     </m:sSubSup>
@@ -15700,64 +15996,91 @@
                     <m:sSubSup>
                       <m:sSubSupPr>
                         <m:ctrlPr>
-                          <a:rPr lang="ko-KR" altLang="ko-KR" sz="1400" i="1" kern="0">
+                          <a:rPr lang="ko-KR" altLang="ko-KR" sz="1400" b="1" i="1" kern="0" smtClean="0">
+                            <a:solidFill>
+                              <a:srgbClr val="FF0000"/>
+                            </a:solidFill>
                             <a:latin typeface="Cambria Math" panose="02040503050406030204" pitchFamily="18" charset="0"/>
                           </a:rPr>
                         </m:ctrlPr>
                       </m:sSubSupPr>
                       <m:e>
                         <m:r>
-                          <a:rPr lang="en-US" altLang="ko-KR" sz="1400" kern="0">
+                          <a:rPr lang="en-US" altLang="ko-KR" sz="1400" b="1" i="1" kern="0">
+                            <a:solidFill>
+                              <a:srgbClr val="FF0000"/>
+                            </a:solidFill>
                             <a:latin typeface="Cambria Math" panose="02040503050406030204" pitchFamily="18" charset="0"/>
                           </a:rPr>
-                          <m:t>𝑡</m:t>
+                          <m:t>𝐭</m:t>
                         </m:r>
                       </m:e>
                       <m:sub>
                         <m:r>
-                          <a:rPr lang="en-US" altLang="ko-KR" sz="1400" kern="0">
+                          <a:rPr lang="en-US" altLang="ko-KR" sz="1400" b="1" i="1" kern="0">
+                            <a:solidFill>
+                              <a:srgbClr val="FF0000"/>
+                            </a:solidFill>
                             <a:latin typeface="Cambria Math" panose="02040503050406030204" pitchFamily="18" charset="0"/>
                           </a:rPr>
-                          <m:t>𝑖</m:t>
+                          <m:t>𝐢</m:t>
                         </m:r>
                         <m:r>
-                          <a:rPr lang="en-US" altLang="ko-KR" sz="1400" kern="0">
+                          <a:rPr lang="en-US" altLang="ko-KR" sz="1400" b="1" kern="0">
+                            <a:solidFill>
+                              <a:srgbClr val="FF0000"/>
+                            </a:solidFill>
                             <a:latin typeface="Cambria Math" panose="02040503050406030204" pitchFamily="18" charset="0"/>
                           </a:rPr>
                           <m:t>,</m:t>
                         </m:r>
                         <m:r>
-                          <a:rPr lang="en-US" altLang="ko-KR" sz="1400" kern="0">
+                          <a:rPr lang="en-US" altLang="ko-KR" sz="1400" b="1" i="1" kern="0">
+                            <a:solidFill>
+                              <a:srgbClr val="FF0000"/>
+                            </a:solidFill>
                             <a:latin typeface="Cambria Math" panose="02040503050406030204" pitchFamily="18" charset="0"/>
                           </a:rPr>
-                          <m:t>𝑗</m:t>
+                          <m:t>𝐣</m:t>
                         </m:r>
                       </m:sub>
                       <m:sup>
                         <m:r>
-                          <a:rPr lang="en-US" altLang="ko-KR" sz="1400" kern="0">
+                          <a:rPr lang="en-US" altLang="ko-KR" sz="1400" b="1" i="1" kern="0">
+                            <a:solidFill>
+                              <a:srgbClr val="FF0000"/>
+                            </a:solidFill>
                             <a:latin typeface="Cambria Math" panose="02040503050406030204" pitchFamily="18" charset="0"/>
                           </a:rPr>
-                          <m:t>𝑠𝑙𝑜𝑡</m:t>
+                          <m:t>𝐬𝐥𝐨𝐭</m:t>
                         </m:r>
                       </m:sup>
                     </m:sSubSup>
                     <m:r>
-                      <a:rPr lang="en-US" altLang="ko-KR" sz="1400" kern="0">
+                      <a:rPr lang="en-US" altLang="ko-KR" sz="1400" b="1" kern="0">
+                        <a:solidFill>
+                          <a:srgbClr val="FF0000"/>
+                        </a:solidFill>
                         <a:latin typeface="Cambria Math" panose="02040503050406030204" pitchFamily="18" charset="0"/>
                       </a:rPr>
                       <m:t>∙</m:t>
                     </m:r>
                     <m:r>
-                      <a:rPr lang="en-US" altLang="ko-KR" sz="1400" kern="0">
+                      <a:rPr lang="en-US" altLang="ko-KR" sz="1400" b="1" i="1" kern="0">
+                        <a:solidFill>
+                          <a:srgbClr val="FF0000"/>
+                        </a:solidFill>
                         <a:latin typeface="Cambria Math" panose="02040503050406030204" pitchFamily="18" charset="0"/>
                       </a:rPr>
-                      <m:t>𝑏𝑤</m:t>
+                      <m:t>𝐛𝐰</m:t>
                     </m:r>
                     <m:d>
                       <m:dPr>
                         <m:ctrlPr>
-                          <a:rPr lang="ko-KR" altLang="ko-KR" sz="1400" i="1" kern="0">
+                          <a:rPr lang="ko-KR" altLang="ko-KR" sz="1400" b="1" i="1" kern="0">
+                            <a:solidFill>
+                              <a:srgbClr val="FF0000"/>
+                            </a:solidFill>
                             <a:latin typeface="Cambria Math" panose="02040503050406030204" pitchFamily="18" charset="0"/>
                           </a:rPr>
                         </m:ctrlPr>
@@ -15766,37 +16089,52 @@
                         <m:sSub>
                           <m:sSubPr>
                             <m:ctrlPr>
-                              <a:rPr lang="ko-KR" altLang="ko-KR" sz="1400" i="1" kern="0">
+                              <a:rPr lang="ko-KR" altLang="ko-KR" sz="1400" b="1" i="1" kern="0">
+                                <a:solidFill>
+                                  <a:srgbClr val="FF0000"/>
+                                </a:solidFill>
                                 <a:latin typeface="Cambria Math" panose="02040503050406030204" pitchFamily="18" charset="0"/>
                               </a:rPr>
                             </m:ctrlPr>
                           </m:sSubPr>
                           <m:e>
                             <m:r>
-                              <a:rPr lang="en-US" altLang="ko-KR" sz="1400" kern="0">
+                              <a:rPr lang="en-US" altLang="ko-KR" sz="1400" b="1" i="1" kern="0">
+                                <a:solidFill>
+                                  <a:srgbClr val="FF0000"/>
+                                </a:solidFill>
                                 <a:latin typeface="Cambria Math" panose="02040503050406030204" pitchFamily="18" charset="0"/>
                               </a:rPr>
-                              <m:t>𝑅𝑆𝑆𝐼</m:t>
+                              <m:t>𝐑𝐒𝐒𝐈</m:t>
                             </m:r>
                           </m:e>
                           <m:sub>
                             <m:r>
-                              <a:rPr lang="en-US" altLang="ko-KR" sz="1400" kern="0">
+                              <a:rPr lang="en-US" altLang="ko-KR" sz="1400" b="1" i="1" kern="0">
+                                <a:solidFill>
+                                  <a:srgbClr val="FF0000"/>
+                                </a:solidFill>
                                 <a:latin typeface="Cambria Math" panose="02040503050406030204" pitchFamily="18" charset="0"/>
                               </a:rPr>
-                              <m:t>𝑖</m:t>
+                              <m:t>𝐢</m:t>
                             </m:r>
                             <m:r>
-                              <a:rPr lang="en-US" altLang="ko-KR" sz="1400" kern="0">
+                              <a:rPr lang="en-US" altLang="ko-KR" sz="1400" b="1" kern="0">
+                                <a:solidFill>
+                                  <a:srgbClr val="FF0000"/>
+                                </a:solidFill>
                                 <a:latin typeface="Cambria Math" panose="02040503050406030204" pitchFamily="18" charset="0"/>
                               </a:rPr>
                               <m:t>,</m:t>
                             </m:r>
                             <m:r>
-                              <a:rPr lang="en-US" altLang="ko-KR" sz="1400" kern="0">
+                              <a:rPr lang="en-US" altLang="ko-KR" sz="1400" b="1" i="1" kern="0">
+                                <a:solidFill>
+                                  <a:srgbClr val="FF0000"/>
+                                </a:solidFill>
                                 <a:latin typeface="Cambria Math" panose="02040503050406030204" pitchFamily="18" charset="0"/>
                               </a:rPr>
-                              <m:t>𝑗</m:t>
+                              <m:t>𝐣</m:t>
                             </m:r>
                           </m:sub>
                         </m:sSub>
@@ -15909,7 +16247,29 @@
                     <a:ea typeface="굴림"/>
                     <a:cs typeface="Tahoma" panose="020B0604030504040204" pitchFamily="34" charset="0"/>
                   </a:rPr>
-                  <a:t>(Time slot)</a:t>
+                  <a:t>(</a:t>
+                </a:r>
+                <a:r>
+                  <a:rPr lang="en-US" altLang="ko-KR" sz="1400" b="1" kern="0" dirty="0" smtClean="0">
+                    <a:solidFill>
+                      <a:srgbClr val="FF0000"/>
+                    </a:solidFill>
+                    <a:latin typeface="Arial"/>
+                    <a:ea typeface="굴림"/>
+                    <a:cs typeface="Tahoma" panose="020B0604030504040204" pitchFamily="34" charset="0"/>
+                  </a:rPr>
+                  <a:t>Time slot</a:t>
+                </a:r>
+                <a:r>
+                  <a:rPr lang="en-US" altLang="ko-KR" sz="1400" kern="0" dirty="0" smtClean="0">
+                    <a:solidFill>
+                      <a:srgbClr val="000000"/>
+                    </a:solidFill>
+                    <a:latin typeface="Arial"/>
+                    <a:ea typeface="굴림"/>
+                    <a:cs typeface="Tahoma" panose="020B0604030504040204" pitchFamily="34" charset="0"/>
+                  </a:rPr>
+                  <a:t>)</a:t>
                 </a:r>
                 <a:r>
                   <a:rPr lang="ko-KR" altLang="en-US" sz="1400" kern="0" dirty="0" smtClean="0">
@@ -15946,7 +16306,7 @@
             <p:spPr>
               <a:xfrm>
                 <a:off x="-116362" y="3626336"/>
-                <a:ext cx="9008842" cy="2382704"/>
+                <a:ext cx="9008842" cy="2198935"/>
               </a:xfrm>
               <a:prstGeom prst="rect">
                 <a:avLst/>
@@ -15954,7 +16314,7 @@
               <a:blipFill>
                 <a:blip r:embed="rId4"/>
                 <a:stretch>
-                  <a:fillRect t="-512" b="-1535"/>
+                  <a:fillRect t="-554" b="-1662"/>
                 </a:stretch>
               </a:blipFill>
             </p:spPr>
@@ -16726,7 +17086,7 @@
             <p:spPr>
               <a:xfrm>
                 <a:off x="395535" y="1135063"/>
-                <a:ext cx="8208913" cy="4893647"/>
+                <a:ext cx="8208913" cy="5940088"/>
               </a:xfrm>
               <a:prstGeom prst="rect">
                 <a:avLst/>
@@ -16760,14 +17120,6 @@
                   </a:rPr>
                   <a:t>Pseudo Code</a:t>
                 </a:r>
-                <a:endParaRPr lang="en-US" altLang="ko-KR" kern="0" dirty="0" smtClean="0">
-                  <a:solidFill>
-                    <a:srgbClr val="000000"/>
-                  </a:solidFill>
-                  <a:latin typeface="Arial"/>
-                  <a:ea typeface="굴림"/>
-                  <a:cs typeface="Tahoma" panose="020B0604030504040204" pitchFamily="34" charset="0"/>
-                </a:endParaRPr>
               </a:p>
               <a:p>
                 <a:pPr lvl="1" fontAlgn="t">
@@ -16799,7 +17151,7 @@
                   <a:buSzPct val="100000"/>
                 </a:pPr>
                 <a:r>
-                  <a:rPr lang="en-US" altLang="ko-KR" sz="2000" kern="0" dirty="0" smtClean="0">
+                  <a:rPr lang="en-US" altLang="ko-KR" sz="2000" kern="0" dirty="0">
                     <a:solidFill>
                       <a:srgbClr val="000000"/>
                     </a:solidFill>
@@ -16807,30 +17159,31 @@
                     <a:ea typeface="굴림"/>
                     <a:cs typeface="Tahoma" panose="020B0604030504040204" pitchFamily="34" charset="0"/>
                   </a:rPr>
-                  <a:t>For </a:t>
+                  <a:t>Best_difference = </a:t>
                 </a:r>
-                <a:r>
-                  <a:rPr lang="en-US" altLang="ko-KR" sz="2000" kern="0" dirty="0" smtClean="0">
-                    <a:solidFill>
-                      <a:srgbClr val="000000"/>
-                    </a:solidFill>
-                    <a:latin typeface="Arial"/>
-                    <a:ea typeface="굴림"/>
-                    <a:cs typeface="Tahoma" panose="020B0604030504040204" pitchFamily="34" charset="0"/>
-                  </a:rPr>
-                  <a:t>a in AP</a:t>
-                </a:r>
-                <a:r>
-                  <a:rPr lang="en-US" altLang="ko-KR" sz="2000" kern="0" dirty="0" smtClean="0">
-                    <a:solidFill>
-                      <a:srgbClr val="000000"/>
-                    </a:solidFill>
-                    <a:latin typeface="Arial"/>
-                    <a:ea typeface="굴림"/>
-                    <a:cs typeface="Tahoma" panose="020B0604030504040204" pitchFamily="34" charset="0"/>
-                  </a:rPr>
-                  <a:t>:</a:t>
-                </a:r>
+                <a14:m>
+                  <m:oMath xmlns:m="http://schemas.openxmlformats.org/officeDocument/2006/math">
+                    <m:r>
+                      <a:rPr lang="en-US" altLang="ko-KR" sz="2000" i="1" kern="0">
+                        <a:solidFill>
+                          <a:srgbClr val="000000"/>
+                        </a:solidFill>
+                        <a:latin typeface="Cambria Math" panose="02040503050406030204" pitchFamily="18" charset="0"/>
+                        <a:ea typeface="Cambria Math" panose="02040503050406030204" pitchFamily="18" charset="0"/>
+                        <a:cs typeface="Tahoma" panose="020B0604030504040204" pitchFamily="34" charset="0"/>
+                      </a:rPr>
+                      <m:t>∞</m:t>
+                    </m:r>
+                  </m:oMath>
+                </a14:m>
+                <a:endParaRPr lang="en-US" altLang="ko-KR" sz="2000" kern="0" dirty="0">
+                  <a:solidFill>
+                    <a:srgbClr val="000000"/>
+                  </a:solidFill>
+                  <a:latin typeface="Arial"/>
+                  <a:ea typeface="굴림"/>
+                  <a:cs typeface="Tahoma" panose="020B0604030504040204" pitchFamily="34" charset="0"/>
+                </a:endParaRPr>
               </a:p>
               <a:p>
                 <a:pPr lvl="1" fontAlgn="t">
@@ -16843,17 +17196,6 @@
                   <a:buSzPct val="100000"/>
                 </a:pPr>
                 <a:r>
-                  <a:rPr lang="en-US" altLang="ko-KR" sz="2000" kern="0" dirty="0">
-                    <a:solidFill>
-                      <a:srgbClr val="000000"/>
-                    </a:solidFill>
-                    <a:latin typeface="Arial"/>
-                    <a:ea typeface="굴림"/>
-                    <a:cs typeface="Tahoma" panose="020B0604030504040204" pitchFamily="34" charset="0"/>
-                  </a:rPr>
-                  <a:t>	</a:t>
-                </a:r>
-                <a:r>
                   <a:rPr lang="en-US" altLang="ko-KR" sz="2000" kern="0" dirty="0" err="1" smtClean="0">
                     <a:solidFill>
                       <a:srgbClr val="000000"/>
@@ -16862,7 +17204,7 @@
                     <a:ea typeface="굴림"/>
                     <a:cs typeface="Tahoma" panose="020B0604030504040204" pitchFamily="34" charset="0"/>
                   </a:rPr>
-                  <a:t>Best_difference</a:t>
+                  <a:t>Best_AP</a:t>
                 </a:r>
                 <a:r>
                   <a:rPr lang="en-US" altLang="ko-KR" sz="2000" kern="0" dirty="0" smtClean="0">
@@ -16873,23 +17215,30 @@
                     <a:ea typeface="굴림"/>
                     <a:cs typeface="Tahoma" panose="020B0604030504040204" pitchFamily="34" charset="0"/>
                   </a:rPr>
-                  <a:t> = </a:t>
+                  <a:t> </a:t>
                 </a:r>
-                <a14:m>
-                  <m:oMath xmlns:m="http://schemas.openxmlformats.org/officeDocument/2006/math">
-                    <m:r>
-                      <a:rPr lang="en-US" altLang="ko-KR" sz="2000" i="1" kern="0" smtClean="0">
-                        <a:solidFill>
-                          <a:srgbClr val="000000"/>
-                        </a:solidFill>
-                        <a:latin typeface="Cambria Math" panose="02040503050406030204" pitchFamily="18" charset="0"/>
-                        <a:ea typeface="Cambria Math" panose="02040503050406030204" pitchFamily="18" charset="0"/>
-                        <a:cs typeface="Tahoma" panose="020B0604030504040204" pitchFamily="34" charset="0"/>
-                      </a:rPr>
-                      <m:t>∞</m:t>
-                    </m:r>
-                  </m:oMath>
-                </a14:m>
+                <a:r>
+                  <a:rPr lang="en-US" altLang="ko-KR" sz="2000" kern="0" dirty="0">
+                    <a:solidFill>
+                      <a:srgbClr val="000000"/>
+                    </a:solidFill>
+                    <a:latin typeface="Arial"/>
+                    <a:ea typeface="굴림"/>
+                    <a:cs typeface="Tahoma" panose="020B0604030504040204" pitchFamily="34" charset="0"/>
+                  </a:rPr>
+                  <a:t>= </a:t>
+                </a:r>
+                <a:r>
+                  <a:rPr lang="en-US" altLang="ko-KR" sz="2000" kern="0" dirty="0" smtClean="0">
+                    <a:solidFill>
+                      <a:srgbClr val="000000"/>
+                    </a:solidFill>
+                    <a:latin typeface="Arial"/>
+                    <a:ea typeface="굴림"/>
+                    <a:cs typeface="Tahoma" panose="020B0604030504040204" pitchFamily="34" charset="0"/>
+                  </a:rPr>
+                  <a:t>Null</a:t>
+                </a:r>
                 <a:endParaRPr lang="en-US" altLang="ko-KR" sz="2000" kern="0" dirty="0" smtClean="0">
                   <a:solidFill>
                     <a:srgbClr val="000000"/>
@@ -16910,28 +17259,6 @@
                   <a:buSzPct val="100000"/>
                 </a:pPr>
                 <a:r>
-                  <a:rPr lang="en-US" altLang="ko-KR" sz="2000" kern="0" dirty="0">
-                    <a:solidFill>
-                      <a:srgbClr val="000000"/>
-                    </a:solidFill>
-                    <a:latin typeface="Arial"/>
-                    <a:ea typeface="굴림"/>
-                    <a:cs typeface="Tahoma" panose="020B0604030504040204" pitchFamily="34" charset="0"/>
-                  </a:rPr>
-                  <a:t>	</a:t>
-                </a:r>
-                <a:r>
-                  <a:rPr lang="en-US" altLang="ko-KR" sz="2000" kern="0" dirty="0" err="1" smtClean="0">
-                    <a:solidFill>
-                      <a:srgbClr val="000000"/>
-                    </a:solidFill>
-                    <a:latin typeface="Arial"/>
-                    <a:ea typeface="굴림"/>
-                    <a:cs typeface="Tahoma" panose="020B0604030504040204" pitchFamily="34" charset="0"/>
-                  </a:rPr>
-                  <a:t>Best_AP</a:t>
-                </a:r>
-                <a:r>
                   <a:rPr lang="en-US" altLang="ko-KR" sz="2000" kern="0" dirty="0" smtClean="0">
                     <a:solidFill>
                       <a:srgbClr val="000000"/>
@@ -16940,16 +17267,8 @@
                     <a:ea typeface="굴림"/>
                     <a:cs typeface="Tahoma" panose="020B0604030504040204" pitchFamily="34" charset="0"/>
                   </a:rPr>
-                  <a:t> = Null</a:t>
+                  <a:t>For a in AP:</a:t>
                 </a:r>
-                <a:endParaRPr lang="en-US" altLang="ko-KR" sz="2000" kern="0" dirty="0" smtClean="0">
-                  <a:solidFill>
-                    <a:srgbClr val="000000"/>
-                  </a:solidFill>
-                  <a:latin typeface="Arial"/>
-                  <a:ea typeface="굴림"/>
-                  <a:cs typeface="Tahoma" panose="020B0604030504040204" pitchFamily="34" charset="0"/>
-                </a:endParaRPr>
               </a:p>
               <a:p>
                 <a:pPr lvl="1" fontAlgn="t">
@@ -16981,7 +17300,18 @@
                     <a:ea typeface="굴림"/>
                     <a:cs typeface="Tahoma" panose="020B0604030504040204" pitchFamily="34" charset="0"/>
                   </a:rPr>
-                  <a:t>스트리밍 가능한 </a:t>
+                  <a:t>스트리밍 </a:t>
+                </a:r>
+                <a:r>
+                  <a:rPr lang="ko-KR" altLang="en-US" sz="2000" kern="0" dirty="0" smtClean="0">
+                    <a:solidFill>
+                      <a:srgbClr val="000000"/>
+                    </a:solidFill>
+                    <a:latin typeface="Arial"/>
+                    <a:ea typeface="굴림"/>
+                    <a:cs typeface="Tahoma" panose="020B0604030504040204" pitchFamily="34" charset="0"/>
+                  </a:rPr>
+                  <a:t>가능한 </a:t>
                 </a:r>
                 <a:r>
                   <a:rPr lang="en-US" altLang="ko-KR" sz="2000" kern="0" dirty="0" smtClean="0">
@@ -17314,7 +17644,40 @@
                     <a:ea typeface="굴림"/>
                     <a:cs typeface="Tahoma" panose="020B0604030504040204" pitchFamily="34" charset="0"/>
                   </a:rPr>
-                  <a:t>	If | bitrate </a:t>
+                  <a:t>	If </a:t>
+                </a:r>
+                <a:r>
+                  <a:rPr lang="en-US" altLang="ko-KR" sz="2000" kern="0" dirty="0" smtClean="0">
+                    <a:solidFill>
+                      <a:srgbClr val="000000"/>
+                    </a:solidFill>
+                    <a:latin typeface="Arial"/>
+                    <a:ea typeface="굴림"/>
+                    <a:cs typeface="Tahoma" panose="020B0604030504040204" pitchFamily="34" charset="0"/>
+                  </a:rPr>
+                  <a:t>max( </a:t>
+                </a:r>
+                <a:r>
+                  <a:rPr lang="en-US" altLang="ko-KR" sz="2000" kern="0" dirty="0" err="1" smtClean="0">
+                    <a:solidFill>
+                      <a:srgbClr val="000000"/>
+                    </a:solidFill>
+                    <a:latin typeface="Arial"/>
+                    <a:ea typeface="굴림"/>
+                    <a:cs typeface="Tahoma" panose="020B0604030504040204" pitchFamily="34" charset="0"/>
+                  </a:rPr>
+                  <a:t>Req_bitrate</a:t>
+                </a:r>
+                <a:r>
+                  <a:rPr lang="en-US" altLang="ko-KR" sz="2000" kern="0" dirty="0" smtClean="0">
+                    <a:solidFill>
+                      <a:srgbClr val="000000"/>
+                    </a:solidFill>
+                    <a:latin typeface="Arial"/>
+                    <a:ea typeface="굴림"/>
+                    <a:cs typeface="Tahoma" panose="020B0604030504040204" pitchFamily="34" charset="0"/>
+                  </a:rPr>
+                  <a:t> – bitrate, 0 ) </a:t>
                 </a:r>
                 <a:r>
                   <a:rPr lang="en-US" altLang="ko-KR" sz="2000" kern="0" dirty="0">
@@ -17325,29 +17688,7 @@
                     <a:ea typeface="굴림"/>
                     <a:cs typeface="Tahoma" panose="020B0604030504040204" pitchFamily="34" charset="0"/>
                   </a:rPr>
-                  <a:t>– </a:t>
-                </a:r>
-                <a:r>
-                  <a:rPr lang="en-US" altLang="ko-KR" sz="2000" kern="0" dirty="0" err="1">
-                    <a:solidFill>
-                      <a:srgbClr val="000000"/>
-                    </a:solidFill>
-                    <a:latin typeface="Arial"/>
-                    <a:ea typeface="굴림"/>
-                    <a:cs typeface="Tahoma" panose="020B0604030504040204" pitchFamily="34" charset="0"/>
-                  </a:rPr>
-                  <a:t>Req_bitrate</a:t>
-                </a:r>
-                <a:r>
-                  <a:rPr lang="en-US" altLang="ko-KR" sz="2000" kern="0" dirty="0">
-                    <a:solidFill>
-                      <a:srgbClr val="000000"/>
-                    </a:solidFill>
-                    <a:latin typeface="Arial"/>
-                    <a:ea typeface="굴림"/>
-                    <a:cs typeface="Tahoma" panose="020B0604030504040204" pitchFamily="34" charset="0"/>
-                  </a:rPr>
-                  <a:t> | &lt; threshold :</a:t>
+                  <a:t>&lt; threshold :</a:t>
                 </a:r>
               </a:p>
               <a:p>
@@ -17402,7 +17743,18 @@
                     <a:ea typeface="굴림"/>
                     <a:cs typeface="Tahoma" panose="020B0604030504040204" pitchFamily="34" charset="0"/>
                   </a:rPr>
-                  <a:t>&lt; | bitrate – </a:t>
+                  <a:t>&lt; </a:t>
+                </a:r>
+                <a:r>
+                  <a:rPr lang="en-US" altLang="ko-KR" sz="2000" kern="0" dirty="0">
+                    <a:solidFill>
+                      <a:srgbClr val="000000"/>
+                    </a:solidFill>
+                    <a:latin typeface="Arial"/>
+                    <a:ea typeface="굴림"/>
+                    <a:cs typeface="Tahoma" panose="020B0604030504040204" pitchFamily="34" charset="0"/>
+                  </a:rPr>
+                  <a:t>max( </a:t>
                 </a:r>
                 <a:r>
                   <a:rPr lang="en-US" altLang="ko-KR" sz="2000" kern="0" dirty="0" err="1">
@@ -17424,7 +17776,7 @@
                     <a:ea typeface="굴림"/>
                     <a:cs typeface="Tahoma" panose="020B0604030504040204" pitchFamily="34" charset="0"/>
                   </a:rPr>
-                  <a:t> |</a:t>
+                  <a:t> – bitrate, 0 ) </a:t>
                 </a:r>
                 <a:r>
                   <a:rPr lang="en-US" altLang="ko-KR" sz="2000" kern="0" dirty="0" smtClean="0">
@@ -17435,7 +17787,7 @@
                     <a:ea typeface="굴림"/>
                     <a:cs typeface="Tahoma" panose="020B0604030504040204" pitchFamily="34" charset="0"/>
                   </a:rPr>
-                  <a:t> :</a:t>
+                  <a:t>:</a:t>
                 </a:r>
               </a:p>
               <a:p>
@@ -17493,7 +17845,7 @@
                   <a:t> = </a:t>
                 </a:r>
                 <a:r>
-                  <a:rPr lang="en-US" altLang="ko-KR" sz="2000" kern="0" dirty="0">
+                  <a:rPr lang="en-US" altLang="ko-KR" sz="2000" kern="0" dirty="0" smtClean="0">
                     <a:solidFill>
                       <a:srgbClr val="000000"/>
                     </a:solidFill>
@@ -17501,10 +17853,10 @@
                     <a:ea typeface="굴림"/>
                     <a:cs typeface="Tahoma" panose="020B0604030504040204" pitchFamily="34" charset="0"/>
                   </a:rPr>
-                  <a:t>| bitrate – </a:t>
+                  <a:t>max(</a:t>
                 </a:r>
                 <a:r>
-                  <a:rPr lang="en-US" altLang="ko-KR" sz="2000" kern="0" dirty="0" err="1">
+                  <a:rPr lang="en-US" altLang="ko-KR" sz="2000" kern="0" dirty="0" err="1" smtClean="0">
                     <a:solidFill>
                       <a:srgbClr val="000000"/>
                     </a:solidFill>
@@ -17515,7 +17867,7 @@
                   <a:t>Req_bitrate</a:t>
                 </a:r>
                 <a:r>
-                  <a:rPr lang="en-US" altLang="ko-KR" sz="2000" kern="0" dirty="0">
+                  <a:rPr lang="en-US" altLang="ko-KR" sz="2000" kern="0" dirty="0" smtClean="0">
                     <a:solidFill>
                       <a:srgbClr val="000000"/>
                     </a:solidFill>
@@ -17526,6 +17878,17 @@
                   <a:t> </a:t>
                 </a:r>
                 <a:r>
+                  <a:rPr lang="en-US" altLang="ko-KR" sz="2000" kern="0" dirty="0">
+                    <a:solidFill>
+                      <a:srgbClr val="000000"/>
+                    </a:solidFill>
+                    <a:latin typeface="Arial"/>
+                    <a:ea typeface="굴림"/>
+                    <a:cs typeface="Tahoma" panose="020B0604030504040204" pitchFamily="34" charset="0"/>
+                  </a:rPr>
+                  <a:t>– bitrate, </a:t>
+                </a:r>
+                <a:r>
                   <a:rPr lang="en-US" altLang="ko-KR" sz="2000" kern="0" dirty="0" smtClean="0">
                     <a:solidFill>
                       <a:srgbClr val="000000"/>
@@ -17534,19 +17897,8 @@
                     <a:ea typeface="굴림"/>
                     <a:cs typeface="Tahoma" panose="020B0604030504040204" pitchFamily="34" charset="0"/>
                   </a:rPr>
-                  <a:t>|</a:t>
+                  <a:t>0) </a:t>
                 </a:r>
-              </a:p>
-              <a:p>
-                <a:pPr lvl="1" fontAlgn="t">
-                  <a:spcBef>
-                    <a:spcPct val="20000"/>
-                  </a:spcBef>
-                  <a:buClr>
-                    <a:srgbClr val="A20000"/>
-                  </a:buClr>
-                  <a:buSzPct val="100000"/>
-                </a:pPr>
                 <a:r>
                   <a:rPr lang="en-US" altLang="ko-KR" sz="2000" kern="0" dirty="0">
                     <a:solidFill>
@@ -17589,27 +17941,19 @@
                     <a:ea typeface="굴림"/>
                     <a:cs typeface="Tahoma" panose="020B0604030504040204" pitchFamily="34" charset="0"/>
                   </a:rPr>
-                  <a:t> = a</a:t>
+                  <a:t> = </a:t>
                 </a:r>
-                <a:endParaRPr lang="en-US" altLang="ko-KR" sz="2000" kern="0" dirty="0">
-                  <a:solidFill>
-                    <a:srgbClr val="000000"/>
-                  </a:solidFill>
-                  <a:latin typeface="Arial"/>
-                  <a:ea typeface="굴림"/>
-                  <a:cs typeface="Tahoma" panose="020B0604030504040204" pitchFamily="34" charset="0"/>
-                </a:endParaRPr>
-              </a:p>
-              <a:p>
-                <a:pPr lvl="1" fontAlgn="t">
-                  <a:spcBef>
-                    <a:spcPct val="20000"/>
-                  </a:spcBef>
-                  <a:buClr>
-                    <a:srgbClr val="A20000"/>
-                  </a:buClr>
-                  <a:buSzPct val="100000"/>
-                </a:pPr>
+                <a:r>
+                  <a:rPr lang="en-US" altLang="ko-KR" sz="2000" kern="0" dirty="0" smtClean="0">
+                    <a:solidFill>
+                      <a:srgbClr val="000000"/>
+                    </a:solidFill>
+                    <a:latin typeface="Arial"/>
+                    <a:ea typeface="굴림"/>
+                    <a:cs typeface="Tahoma" panose="020B0604030504040204" pitchFamily="34" charset="0"/>
+                  </a:rPr>
+                  <a:t>a</a:t>
+                </a:r>
                 <a:endParaRPr lang="en-US" altLang="ko-KR" sz="2000" kern="0" dirty="0" smtClean="0">
                   <a:solidFill>
                     <a:srgbClr val="000000"/>
@@ -17660,7 +18004,125 @@
                     <a:ea typeface="굴림"/>
                     <a:cs typeface="Tahoma" panose="020B0604030504040204" pitchFamily="34" charset="0"/>
                   </a:rPr>
-                  <a:t> == Null :</a:t>
+                  <a:t> </a:t>
+                </a:r>
+                <a:r>
+                  <a:rPr lang="en-US" altLang="ko-KR" sz="2000" kern="0" dirty="0" smtClean="0">
+                    <a:solidFill>
+                      <a:srgbClr val="000000"/>
+                    </a:solidFill>
+                    <a:latin typeface="Arial"/>
+                    <a:ea typeface="굴림"/>
+                    <a:cs typeface="Tahoma" panose="020B0604030504040204" pitchFamily="34" charset="0"/>
+                  </a:rPr>
+                  <a:t>:</a:t>
+                </a:r>
+              </a:p>
+              <a:p>
+                <a:pPr lvl="1" fontAlgn="t">
+                  <a:spcBef>
+                    <a:spcPct val="20000"/>
+                  </a:spcBef>
+                  <a:buClr>
+                    <a:srgbClr val="A20000"/>
+                  </a:buClr>
+                  <a:buSzPct val="100000"/>
+                </a:pPr>
+                <a:r>
+                  <a:rPr lang="en-US" altLang="ko-KR" sz="2000" kern="0" dirty="0" smtClean="0">
+                    <a:solidFill>
+                      <a:srgbClr val="000000"/>
+                    </a:solidFill>
+                    <a:latin typeface="Arial"/>
+                    <a:ea typeface="굴림"/>
+                    <a:cs typeface="Tahoma" panose="020B0604030504040204" pitchFamily="34" charset="0"/>
+                  </a:rPr>
+                  <a:t>	</a:t>
+                </a:r>
+                <a:r>
+                  <a:rPr lang="en-US" altLang="ko-KR" sz="2000" kern="0" dirty="0" err="1" smtClean="0">
+                    <a:solidFill>
+                      <a:srgbClr val="000000"/>
+                    </a:solidFill>
+                    <a:latin typeface="Arial"/>
+                    <a:ea typeface="굴림"/>
+                    <a:cs typeface="Tahoma" panose="020B0604030504040204" pitchFamily="34" charset="0"/>
+                  </a:rPr>
+                  <a:t>Best_AP</a:t>
+                </a:r>
+                <a:r>
+                  <a:rPr lang="ko-KR" altLang="en-US" sz="2000" kern="0" dirty="0" smtClean="0">
+                    <a:solidFill>
+                      <a:srgbClr val="000000"/>
+                    </a:solidFill>
+                    <a:latin typeface="Arial"/>
+                    <a:ea typeface="굴림"/>
+                    <a:cs typeface="Tahoma" panose="020B0604030504040204" pitchFamily="34" charset="0"/>
+                  </a:rPr>
+                  <a:t>로 </a:t>
+                </a:r>
+                <a:r>
+                  <a:rPr lang="en-US" altLang="ko-KR" sz="2000" kern="0" dirty="0" smtClean="0">
+                    <a:solidFill>
+                      <a:srgbClr val="000000"/>
+                    </a:solidFill>
+                    <a:latin typeface="Arial"/>
+                    <a:ea typeface="굴림"/>
+                    <a:cs typeface="Tahoma" panose="020B0604030504040204" pitchFamily="34" charset="0"/>
+                  </a:rPr>
+                  <a:t>Handover</a:t>
+                </a:r>
+                <a:r>
+                  <a:rPr lang="en-US" altLang="ko-KR" sz="2000" kern="0" dirty="0">
+                    <a:solidFill>
+                      <a:srgbClr val="000000"/>
+                    </a:solidFill>
+                    <a:latin typeface="Arial"/>
+                    <a:ea typeface="굴림"/>
+                    <a:cs typeface="Tahoma" panose="020B0604030504040204" pitchFamily="34" charset="0"/>
+                  </a:rPr>
+                  <a:t>	</a:t>
+                </a:r>
+                <a:endParaRPr lang="en-US" altLang="ko-KR" sz="2000" kern="0" dirty="0">
+                  <a:solidFill>
+                    <a:srgbClr val="000000"/>
+                  </a:solidFill>
+                  <a:latin typeface="Arial"/>
+                  <a:ea typeface="굴림"/>
+                  <a:cs typeface="Tahoma" panose="020B0604030504040204" pitchFamily="34" charset="0"/>
+                </a:endParaRPr>
+              </a:p>
+              <a:p>
+                <a:pPr lvl="1" fontAlgn="t">
+                  <a:spcBef>
+                    <a:spcPct val="20000"/>
+                  </a:spcBef>
+                  <a:buClr>
+                    <a:srgbClr val="A20000"/>
+                  </a:buClr>
+                  <a:buSzPct val="100000"/>
+                </a:pPr>
+                <a:r>
+                  <a:rPr lang="en-US" altLang="ko-KR" sz="2000" kern="0" dirty="0" smtClean="0">
+                    <a:solidFill>
+                      <a:srgbClr val="000000"/>
+                    </a:solidFill>
+                    <a:latin typeface="Arial"/>
+                    <a:ea typeface="굴림"/>
+                    <a:cs typeface="Tahoma" panose="020B0604030504040204" pitchFamily="34" charset="0"/>
+                  </a:rPr>
+                  <a:t>Else </a:t>
+                </a:r>
+                <a:r>
+                  <a:rPr lang="en-US" altLang="ko-KR" sz="2000" kern="0" dirty="0">
+                    <a:solidFill>
+                      <a:srgbClr val="000000"/>
+                    </a:solidFill>
+                    <a:latin typeface="Arial"/>
+                    <a:ea typeface="굴림"/>
+                    <a:cs typeface="Tahoma" panose="020B0604030504040204" pitchFamily="34" charset="0"/>
+                  </a:rPr>
+                  <a:t>:</a:t>
                 </a:r>
               </a:p>
               <a:p>
@@ -17682,21 +18144,10 @@
                     <a:ea typeface="굴림"/>
                     <a:cs typeface="Tahoma" panose="020B0604030504040204" pitchFamily="34" charset="0"/>
                   </a:rPr>
-                  <a:t>	</a:t>
+                  <a:t>	Handover</a:t>
                 </a:r>
                 <a:r>
-                  <a:rPr lang="en-US" altLang="ko-KR" sz="2000" kern="0" dirty="0" smtClean="0">
-                    <a:solidFill>
-                      <a:srgbClr val="000000"/>
-                    </a:solidFill>
-                    <a:latin typeface="Arial"/>
-                    <a:ea typeface="굴림"/>
-                    <a:cs typeface="Tahoma" panose="020B0604030504040204" pitchFamily="34" charset="0"/>
-                  </a:rPr>
-                  <a:t>Handover</a:t>
-                </a:r>
-                <a:r>
-                  <a:rPr lang="ko-KR" altLang="en-US" sz="2000" kern="0" dirty="0" smtClean="0">
+                  <a:rPr lang="ko-KR" altLang="en-US" sz="2000" kern="0" dirty="0">
                     <a:solidFill>
                       <a:srgbClr val="000000"/>
                     </a:solidFill>
@@ -17717,6 +18168,77 @@
                   </a:rPr>
                   <a:t>알고리즘</a:t>
                 </a:r>
+                <a:r>
+                  <a:rPr lang="en-US" altLang="ko-KR" sz="2000" kern="0" dirty="0" smtClean="0">
+                    <a:solidFill>
+                      <a:srgbClr val="000000"/>
+                    </a:solidFill>
+                    <a:latin typeface="Arial"/>
+                    <a:ea typeface="굴림"/>
+                    <a:cs typeface="Tahoma" panose="020B0604030504040204" pitchFamily="34" charset="0"/>
+                  </a:rPr>
+                  <a:t>(</a:t>
+                </a:r>
+                <a:r>
+                  <a:rPr lang="ko-KR" altLang="en-US" sz="2000" kern="0" dirty="0" smtClean="0">
+                    <a:solidFill>
+                      <a:srgbClr val="000000"/>
+                    </a:solidFill>
+                    <a:latin typeface="Arial"/>
+                    <a:ea typeface="굴림"/>
+                    <a:cs typeface="Tahoma" panose="020B0604030504040204" pitchFamily="34" charset="0"/>
+                  </a:rPr>
+                  <a:t>전체</a:t>
+                </a:r>
+                <a:r>
+                  <a:rPr lang="en-US" altLang="ko-KR" sz="2000" kern="0" dirty="0" smtClean="0">
+                    <a:solidFill>
+                      <a:srgbClr val="000000"/>
+                    </a:solidFill>
+                    <a:latin typeface="Arial"/>
+                    <a:ea typeface="굴림"/>
+                    <a:cs typeface="Tahoma" panose="020B0604030504040204" pitchFamily="34" charset="0"/>
+                  </a:rPr>
+                  <a:t>)</a:t>
+                </a:r>
+                <a:endParaRPr lang="en-US" altLang="ko-KR" sz="2000" kern="0" dirty="0">
+                  <a:solidFill>
+                    <a:srgbClr val="000000"/>
+                  </a:solidFill>
+                  <a:latin typeface="Arial"/>
+                  <a:ea typeface="굴림"/>
+                  <a:cs typeface="Tahoma" panose="020B0604030504040204" pitchFamily="34" charset="0"/>
+                </a:endParaRPr>
+              </a:p>
+              <a:p>
+                <a:pPr lvl="1" fontAlgn="t">
+                  <a:spcBef>
+                    <a:spcPct val="20000"/>
+                  </a:spcBef>
+                  <a:buClr>
+                    <a:srgbClr val="A20000"/>
+                  </a:buClr>
+                  <a:buSzPct val="100000"/>
+                </a:pPr>
+                <a:endParaRPr lang="en-US" altLang="ko-KR" sz="2000" kern="0" dirty="0" smtClean="0">
+                  <a:solidFill>
+                    <a:srgbClr val="000000"/>
+                  </a:solidFill>
+                  <a:latin typeface="Arial"/>
+                  <a:ea typeface="굴림"/>
+                  <a:cs typeface="Tahoma" panose="020B0604030504040204" pitchFamily="34" charset="0"/>
+                </a:endParaRPr>
+              </a:p>
+              <a:p>
+                <a:pPr lvl="1" fontAlgn="t">
+                  <a:spcBef>
+                    <a:spcPct val="20000"/>
+                  </a:spcBef>
+                  <a:buClr>
+                    <a:srgbClr val="A20000"/>
+                  </a:buClr>
+                  <a:buSzPct val="100000"/>
+                </a:pPr>
                 <a:endParaRPr lang="en-US" altLang="ko-KR" sz="2000" kern="0" dirty="0" smtClean="0">
                   <a:solidFill>
                     <a:srgbClr val="000000"/>
@@ -17741,7 +18263,7 @@
             <p:spPr>
               <a:xfrm>
                 <a:off x="395535" y="1135063"/>
-                <a:ext cx="8208913" cy="4893647"/>
+                <a:ext cx="8208913" cy="5940088"/>
               </a:xfrm>
               <a:prstGeom prst="rect">
                 <a:avLst/>
@@ -17749,7 +18271,7 @@
               <a:blipFill>
                 <a:blip r:embed="rId3"/>
                 <a:stretch>
-                  <a:fillRect l="-1040" t="-996" b="-1245"/>
+                  <a:fillRect l="-1040" t="-821" r="-1560"/>
                 </a:stretch>
               </a:blipFill>
             </p:spPr>
@@ -18143,83 +18665,7 @@
   <p:timing>
     <p:tnLst>
       <p:par>
-        <p:cTn id="1" dur="indefinite" restart="never" nodeType="tmRoot">
-          <p:childTnLst>
-            <p:seq concurrent="1" nextAc="seek">
-              <p:cTn id="2" dur="indefinite" nodeType="mainSeq">
-                <p:childTnLst>
-                  <p:par>
-                    <p:cTn id="3" fill="hold">
-                      <p:stCondLst>
-                        <p:cond delay="indefinite"/>
-                      </p:stCondLst>
-                      <p:childTnLst>
-                        <p:par>
-                          <p:cTn id="4" fill="hold">
-                            <p:stCondLst>
-                              <p:cond delay="0"/>
-                            </p:stCondLst>
-                            <p:childTnLst>
-                              <p:par>
-                                <p:cTn id="5" presetID="10" presetClass="entr" presetSubtype="0" fill="hold" nodeType="clickEffect">
-                                  <p:stCondLst>
-                                    <p:cond delay="0"/>
-                                  </p:stCondLst>
-                                  <p:childTnLst>
-                                    <p:set>
-                                      <p:cBhvr>
-                                        <p:cTn id="6" dur="1" fill="hold">
-                                          <p:stCondLst>
-                                            <p:cond delay="0"/>
-                                          </p:stCondLst>
-                                        </p:cTn>
-                                        <p:tgtEl>
-                                          <p:spTgt spid="2"/>
-                                        </p:tgtEl>
-                                        <p:attrNameLst>
-                                          <p:attrName>style.visibility</p:attrName>
-                                        </p:attrNameLst>
-                                      </p:cBhvr>
-                                      <p:to>
-                                        <p:strVal val="visible"/>
-                                      </p:to>
-                                    </p:set>
-                                    <p:animEffect transition="in" filter="fade">
-                                      <p:cBhvr>
-                                        <p:cTn id="7" dur="500"/>
-                                        <p:tgtEl>
-                                          <p:spTgt spid="2"/>
-                                        </p:tgtEl>
-                                      </p:cBhvr>
-                                    </p:animEffect>
-                                  </p:childTnLst>
-                                </p:cTn>
-                              </p:par>
-                            </p:childTnLst>
-                          </p:cTn>
-                        </p:par>
-                      </p:childTnLst>
-                    </p:cTn>
-                  </p:par>
-                </p:childTnLst>
-              </p:cTn>
-              <p:prevCondLst>
-                <p:cond evt="onPrev" delay="0">
-                  <p:tgtEl>
-                    <p:sldTgt/>
-                  </p:tgtEl>
-                </p:cond>
-              </p:prevCondLst>
-              <p:nextCondLst>
-                <p:cond evt="onNext" delay="0">
-                  <p:tgtEl>
-                    <p:sldTgt/>
-                  </p:tgtEl>
-                </p:cond>
-              </p:nextCondLst>
-            </p:seq>
-          </p:childTnLst>
-        </p:cTn>
+        <p:cTn id="1" dur="indefinite" restart="never" nodeType="tmRoot"/>
       </p:par>
     </p:tnLst>
   </p:timing>
@@ -18265,7 +18711,11 @@
             </a:pPr>
             <a:r>
               <a:rPr lang="en-US" altLang="ko-KR" dirty="0" smtClean="0"/>
-              <a:t>Knapsack Algorithm</a:t>
+              <a:t>Knapsack </a:t>
+            </a:r>
+            <a:r>
+              <a:rPr lang="en-US" altLang="ko-KR" dirty="0" smtClean="0"/>
+              <a:t>Problem</a:t>
             </a:r>
             <a:endParaRPr lang="en-US" altLang="ko-KR" dirty="0"/>
           </a:p>
@@ -18525,7 +18975,7 @@
         <p:spPr>
           <a:xfrm>
             <a:off x="395535" y="1135063"/>
-            <a:ext cx="8208913" cy="5964710"/>
+            <a:ext cx="8208913" cy="4844403"/>
           </a:xfrm>
           <a:prstGeom prst="rect">
             <a:avLst/>
@@ -18600,48 +19050,6 @@
             </a:endParaRPr>
           </a:p>
           <a:p>
-            <a:pPr marL="342900" indent="-342900" fontAlgn="t">
-              <a:spcBef>
-                <a:spcPct val="20000"/>
-              </a:spcBef>
-              <a:buClr>
-                <a:srgbClr val="A20000"/>
-              </a:buClr>
-              <a:buSzPct val="100000"/>
-              <a:buFont typeface="Wingdings" panose="05000000000000000000" pitchFamily="2" charset="2"/>
-              <a:buChar char=""/>
-            </a:pPr>
-            <a:endParaRPr lang="en-US" altLang="ko-KR" kern="0" dirty="0">
-              <a:solidFill>
-                <a:srgbClr val="000000"/>
-              </a:solidFill>
-              <a:latin typeface="Arial"/>
-              <a:ea typeface="굴림"/>
-              <a:cs typeface="Tahoma" panose="020B0604030504040204" pitchFamily="34" charset="0"/>
-            </a:endParaRPr>
-          </a:p>
-          <a:p>
-            <a:pPr marL="342900" indent="-342900" fontAlgn="t">
-              <a:spcBef>
-                <a:spcPct val="20000"/>
-              </a:spcBef>
-              <a:buClr>
-                <a:srgbClr val="A20000"/>
-              </a:buClr>
-              <a:buSzPct val="100000"/>
-              <a:buFont typeface="Wingdings" panose="05000000000000000000" pitchFamily="2" charset="2"/>
-              <a:buChar char=""/>
-            </a:pPr>
-            <a:endParaRPr lang="en-US" altLang="ko-KR" kern="0" dirty="0" smtClean="0">
-              <a:solidFill>
-                <a:srgbClr val="000000"/>
-              </a:solidFill>
-              <a:latin typeface="Arial"/>
-              <a:ea typeface="굴림"/>
-              <a:cs typeface="Tahoma" panose="020B0604030504040204" pitchFamily="34" charset="0"/>
-            </a:endParaRPr>
-          </a:p>
-          <a:p>
             <a:pPr fontAlgn="t">
               <a:spcBef>
                 <a:spcPct val="20000"/>
@@ -18673,7 +19081,7 @@
               <a:buChar char=""/>
             </a:pPr>
             <a:r>
-              <a:rPr lang="en-US" altLang="ko-KR" kern="0" dirty="0" smtClean="0">
+              <a:rPr lang="en-US" altLang="ko-KR" sz="2000" kern="0" dirty="0" smtClean="0">
                 <a:solidFill>
                   <a:srgbClr val="000000"/>
                 </a:solidFill>
@@ -18681,96 +19089,16 @@
                 <a:ea typeface="굴림"/>
                 <a:cs typeface="Tahoma" panose="020B0604030504040204" pitchFamily="34" charset="0"/>
               </a:rPr>
-              <a:t>There are two types of algorithms</a:t>
-            </a:r>
-          </a:p>
-          <a:p>
-            <a:pPr lvl="1" fontAlgn="t">
-              <a:spcBef>
-                <a:spcPct val="20000"/>
-              </a:spcBef>
-              <a:buClr>
-                <a:srgbClr val="A20000"/>
-              </a:buClr>
-              <a:buSzPct val="100000"/>
-            </a:pPr>
-            <a:r>
-              <a:rPr lang="en-US" altLang="ko-KR" sz="2000" kern="0" dirty="0" smtClean="0">
-                <a:solidFill>
-                  <a:srgbClr val="000000"/>
-                </a:solidFill>
-                <a:latin typeface="Arial"/>
-                <a:ea typeface="굴림"/>
-                <a:cs typeface="Tahoma" panose="020B0604030504040204" pitchFamily="34" charset="0"/>
-              </a:rPr>
-              <a:t>1. 0/1 </a:t>
-            </a:r>
-            <a:r>
-              <a:rPr lang="en-US" altLang="ko-KR" sz="2000" kern="0" dirty="0">
-                <a:solidFill>
-                  <a:srgbClr val="000000"/>
-                </a:solidFill>
-                <a:latin typeface="Arial"/>
-                <a:ea typeface="굴림"/>
-                <a:cs typeface="Tahoma" panose="020B0604030504040204" pitchFamily="34" charset="0"/>
-              </a:rPr>
-              <a:t>Knapsack algorithm using Dynamic </a:t>
-            </a:r>
-            <a:r>
-              <a:rPr lang="en-US" altLang="ko-KR" sz="2000" kern="0" dirty="0" smtClean="0">
-                <a:solidFill>
-                  <a:srgbClr val="000000"/>
-                </a:solidFill>
-                <a:latin typeface="Arial"/>
-                <a:ea typeface="굴림"/>
-                <a:cs typeface="Tahoma" panose="020B0604030504040204" pitchFamily="34" charset="0"/>
-              </a:rPr>
-              <a:t>Programming</a:t>
-            </a:r>
-          </a:p>
-          <a:p>
-            <a:pPr lvl="1" fontAlgn="t">
-              <a:spcBef>
-                <a:spcPct val="20000"/>
-              </a:spcBef>
-              <a:buClr>
-                <a:srgbClr val="A20000"/>
-              </a:buClr>
-              <a:buSzPct val="100000"/>
-            </a:pPr>
-            <a:r>
-              <a:rPr lang="en-US" altLang="ko-KR" sz="2000" kern="0" dirty="0" smtClean="0">
-                <a:solidFill>
-                  <a:srgbClr val="000000"/>
-                </a:solidFill>
-                <a:latin typeface="Arial"/>
-                <a:ea typeface="굴림"/>
-                <a:cs typeface="Tahoma" panose="020B0604030504040204" pitchFamily="34" charset="0"/>
-              </a:rPr>
-              <a:t>2. Unbounded </a:t>
-            </a:r>
-            <a:r>
-              <a:rPr lang="en-US" altLang="ko-KR" sz="2000" kern="0" dirty="0">
-                <a:solidFill>
-                  <a:srgbClr val="000000"/>
-                </a:solidFill>
-                <a:latin typeface="Arial"/>
-                <a:ea typeface="굴림"/>
-                <a:cs typeface="Tahoma" panose="020B0604030504040204" pitchFamily="34" charset="0"/>
-              </a:rPr>
-              <a:t>Knapsack problem using Greedy </a:t>
-            </a:r>
-            <a:r>
-              <a:rPr lang="en-US" altLang="ko-KR" sz="2000" kern="0" dirty="0" smtClean="0">
-                <a:solidFill>
-                  <a:srgbClr val="000000"/>
-                </a:solidFill>
-                <a:latin typeface="Arial"/>
-                <a:ea typeface="굴림"/>
-                <a:cs typeface="Tahoma" panose="020B0604030504040204" pitchFamily="34" charset="0"/>
-              </a:rPr>
-              <a:t>Algorithm</a:t>
-            </a:r>
+              <a:t>Definition</a:t>
+            </a:r>
+            <a:endParaRPr lang="en-US" altLang="ko-KR" sz="2000" kern="0" dirty="0">
+              <a:solidFill>
+                <a:srgbClr val="000000"/>
+              </a:solidFill>
+              <a:latin typeface="Arial"/>
+              <a:ea typeface="굴림"/>
+              <a:cs typeface="Tahoma" panose="020B0604030504040204" pitchFamily="34" charset="0"/>
+            </a:endParaRPr>
           </a:p>
           <a:p>
             <a:pPr marL="800100" lvl="1" indent="-342900" fontAlgn="t">
@@ -18785,6 +19113,35 @@
               <a:buChar char="l"/>
             </a:pPr>
             <a:r>
+              <a:rPr lang="en-US" altLang="ko-KR" sz="1400" dirty="0" smtClean="0"/>
+              <a:t>Given </a:t>
+            </a:r>
+            <a:r>
+              <a:rPr lang="en-US" altLang="ko-KR" sz="1400" dirty="0"/>
+              <a:t>a set of items, each with a weight and a value, determine the number of each item to include in a collection so that the total weight is less than or equal to a given limit and the total value is as large as possible</a:t>
+            </a:r>
+            <a:endParaRPr lang="en-US" altLang="ko-KR" sz="1400" kern="0" dirty="0" smtClean="0">
+              <a:solidFill>
+                <a:srgbClr val="000000"/>
+              </a:solidFill>
+              <a:latin typeface="Arial"/>
+              <a:ea typeface="굴림"/>
+              <a:cs typeface="Tahoma" panose="020B0604030504040204" pitchFamily="34" charset="0"/>
+            </a:endParaRPr>
+          </a:p>
+          <a:p>
+            <a:pPr marL="342900" indent="-342900" fontAlgn="t">
+              <a:spcBef>
+                <a:spcPct val="20000"/>
+              </a:spcBef>
+              <a:buClr>
+                <a:srgbClr val="A20000"/>
+              </a:buClr>
+              <a:buSzPct val="100000"/>
+              <a:buFont typeface="Wingdings" panose="05000000000000000000" pitchFamily="2" charset="2"/>
+              <a:buChar char=""/>
+            </a:pPr>
+            <a:r>
               <a:rPr lang="en-US" altLang="ko-KR" sz="2000" kern="0" dirty="0" smtClean="0">
                 <a:solidFill>
                   <a:srgbClr val="000000"/>
@@ -18793,7 +19150,137 @@
                 <a:ea typeface="굴림"/>
                 <a:cs typeface="Tahoma" panose="020B0604030504040204" pitchFamily="34" charset="0"/>
               </a:rPr>
-              <a:t>In this study, 0/1 knapsack problem can be utilized</a:t>
+              <a:t>two </a:t>
+            </a:r>
+            <a:r>
+              <a:rPr lang="en-US" altLang="ko-KR" sz="2000" kern="0" dirty="0" smtClean="0">
+                <a:solidFill>
+                  <a:srgbClr val="000000"/>
+                </a:solidFill>
+                <a:latin typeface="Arial"/>
+                <a:ea typeface="굴림"/>
+                <a:cs typeface="Tahoma" panose="020B0604030504040204" pitchFamily="34" charset="0"/>
+              </a:rPr>
+              <a:t>types of </a:t>
+            </a:r>
+            <a:r>
+              <a:rPr lang="en-US" altLang="ko-KR" sz="2000" kern="0" dirty="0" smtClean="0">
+                <a:solidFill>
+                  <a:srgbClr val="000000"/>
+                </a:solidFill>
+                <a:latin typeface="Arial"/>
+                <a:ea typeface="굴림"/>
+                <a:cs typeface="Tahoma" panose="020B0604030504040204" pitchFamily="34" charset="0"/>
+              </a:rPr>
+              <a:t>algorithms</a:t>
+            </a:r>
+            <a:endParaRPr lang="en-US" altLang="ko-KR" sz="1800" kern="0" dirty="0">
+              <a:solidFill>
+                <a:srgbClr val="000000"/>
+              </a:solidFill>
+              <a:latin typeface="Arial"/>
+              <a:ea typeface="굴림"/>
+              <a:cs typeface="Tahoma" panose="020B0604030504040204" pitchFamily="34" charset="0"/>
+            </a:endParaRPr>
+          </a:p>
+          <a:p>
+            <a:pPr marL="800100" lvl="1" indent="-342900" fontAlgn="t">
+              <a:spcBef>
+                <a:spcPct val="20000"/>
+              </a:spcBef>
+              <a:buClr>
+                <a:srgbClr val="A20000"/>
+              </a:buClr>
+              <a:buSzPct val="100000"/>
+              <a:buFont typeface="Wingdings" panose="05000000000000000000" pitchFamily="2" charset="2"/>
+              <a:buChar char="l"/>
+            </a:pPr>
+            <a:r>
+              <a:rPr lang="en-US" altLang="ko-KR" sz="1800" kern="0" dirty="0" smtClean="0">
+                <a:solidFill>
+                  <a:srgbClr val="000000"/>
+                </a:solidFill>
+                <a:latin typeface="Arial"/>
+                <a:ea typeface="굴림"/>
+                <a:cs typeface="Tahoma" panose="020B0604030504040204" pitchFamily="34" charset="0"/>
+              </a:rPr>
+              <a:t>0/1 </a:t>
+            </a:r>
+            <a:r>
+              <a:rPr lang="en-US" altLang="ko-KR" sz="1800" kern="0" dirty="0">
+                <a:solidFill>
+                  <a:srgbClr val="000000"/>
+                </a:solidFill>
+                <a:latin typeface="Arial"/>
+                <a:ea typeface="굴림"/>
+                <a:cs typeface="Tahoma" panose="020B0604030504040204" pitchFamily="34" charset="0"/>
+              </a:rPr>
+              <a:t>Knapsack </a:t>
+            </a:r>
+            <a:r>
+              <a:rPr lang="en-US" altLang="ko-KR" sz="1800" kern="0" dirty="0" smtClean="0">
+                <a:solidFill>
+                  <a:srgbClr val="000000"/>
+                </a:solidFill>
+                <a:latin typeface="Arial"/>
+                <a:ea typeface="굴림"/>
+                <a:cs typeface="Tahoma" panose="020B0604030504040204" pitchFamily="34" charset="0"/>
+              </a:rPr>
+              <a:t>problem, Unbounded </a:t>
+            </a:r>
+            <a:r>
+              <a:rPr lang="en-US" altLang="ko-KR" sz="1800" kern="0" dirty="0">
+                <a:solidFill>
+                  <a:srgbClr val="000000"/>
+                </a:solidFill>
+                <a:latin typeface="Arial"/>
+                <a:ea typeface="굴림"/>
+                <a:cs typeface="Tahoma" panose="020B0604030504040204" pitchFamily="34" charset="0"/>
+              </a:rPr>
+              <a:t>Knapsack </a:t>
+            </a:r>
+            <a:r>
+              <a:rPr lang="en-US" altLang="ko-KR" sz="1800" kern="0" dirty="0" smtClean="0">
+                <a:solidFill>
+                  <a:srgbClr val="000000"/>
+                </a:solidFill>
+                <a:latin typeface="Arial"/>
+                <a:ea typeface="굴림"/>
+                <a:cs typeface="Tahoma" panose="020B0604030504040204" pitchFamily="34" charset="0"/>
+              </a:rPr>
+              <a:t>problem</a:t>
+            </a:r>
+            <a:endParaRPr lang="en-US" altLang="ko-KR" sz="1400" kern="0" dirty="0">
+              <a:solidFill>
+                <a:srgbClr val="000000"/>
+              </a:solidFill>
+              <a:latin typeface="Arial"/>
+              <a:ea typeface="굴림"/>
+              <a:cs typeface="Tahoma" panose="020B0604030504040204" pitchFamily="34" charset="0"/>
+            </a:endParaRPr>
+          </a:p>
+          <a:p>
+            <a:pPr marL="342900" indent="-342900" fontAlgn="t">
+              <a:spcBef>
+                <a:spcPct val="20000"/>
+              </a:spcBef>
+              <a:buClr>
+                <a:srgbClr val="A20000"/>
+              </a:buClr>
+              <a:buSzPct val="100000"/>
+              <a:buFont typeface="Wingdings" panose="05000000000000000000" pitchFamily="2" charset="2"/>
+              <a:buChar char=""/>
+            </a:pPr>
+            <a:r>
+              <a:rPr lang="en-US" altLang="ko-KR" sz="2000" kern="0" dirty="0" smtClean="0">
+                <a:solidFill>
+                  <a:srgbClr val="000000"/>
+                </a:solidFill>
+                <a:latin typeface="Arial"/>
+                <a:ea typeface="굴림"/>
+                <a:cs typeface="Tahoma" panose="020B0604030504040204" pitchFamily="34" charset="0"/>
+              </a:rPr>
+              <a:t>In this study</a:t>
             </a:r>
             <a:endParaRPr lang="en-US" altLang="ko-KR" sz="1800" kern="0" dirty="0" smtClean="0">
               <a:solidFill>
@@ -18803,6 +19290,41 @@
               <a:ea typeface="굴림"/>
               <a:cs typeface="Tahoma" panose="020B0604030504040204" pitchFamily="34" charset="0"/>
             </a:endParaRPr>
+          </a:p>
+          <a:p>
+            <a:pPr marL="800100" lvl="1" indent="-342900" fontAlgn="t">
+              <a:spcBef>
+                <a:spcPct val="20000"/>
+              </a:spcBef>
+              <a:buClr>
+                <a:srgbClr val="A20000"/>
+              </a:buClr>
+              <a:buSzPct val="100000"/>
+              <a:buFont typeface="Wingdings" panose="05000000000000000000" pitchFamily="2" charset="2"/>
+              <a:buChar char="l"/>
+            </a:pPr>
+            <a:r>
+              <a:rPr lang="en-US" altLang="ko-KR" sz="1800" kern="0" dirty="0" smtClean="0">
+                <a:solidFill>
+                  <a:srgbClr val="000000"/>
+                </a:solidFill>
+                <a:latin typeface="Arial"/>
+                <a:ea typeface="굴림"/>
+                <a:cs typeface="Tahoma" panose="020B0604030504040204" pitchFamily="34" charset="0"/>
+              </a:rPr>
+              <a:t>0/1 </a:t>
+            </a:r>
+            <a:r>
+              <a:rPr lang="en-US" altLang="ko-KR" sz="1800" kern="0" dirty="0" smtClean="0">
+                <a:solidFill>
+                  <a:srgbClr val="000000"/>
+                </a:solidFill>
+                <a:latin typeface="Arial"/>
+                <a:ea typeface="굴림"/>
+                <a:cs typeface="Tahoma" panose="020B0604030504040204" pitchFamily="34" charset="0"/>
+              </a:rPr>
+              <a:t>knapsack problem can be utilized</a:t>
+            </a:r>
           </a:p>
           <a:p>
             <a:pPr marL="1276650" lvl="2" indent="-457200" fontAlgn="t">
@@ -18817,7 +19339,7 @@
               <a:buChar char="‒"/>
             </a:pPr>
             <a:r>
-              <a:rPr lang="en-US" altLang="ko-KR" sz="1800" kern="0" dirty="0" smtClean="0">
+              <a:rPr lang="en-US" altLang="ko-KR" sz="1600" kern="0" dirty="0" smtClean="0">
                 <a:solidFill>
                   <a:srgbClr val="000000"/>
                 </a:solidFill>
@@ -18825,10 +19347,10 @@
                 <a:ea typeface="굴림"/>
                 <a:cs typeface="Tahoma" panose="020B0604030504040204" pitchFamily="34" charset="0"/>
               </a:rPr>
-              <a:t>One </a:t>
-            </a:r>
-            <a:r>
-              <a:rPr lang="en-US" altLang="ko-KR" sz="1800" kern="0" dirty="0">
+              <a:t>(existing) One </a:t>
+            </a:r>
+            <a:r>
+              <a:rPr lang="en-US" altLang="ko-KR" sz="1600" kern="0" dirty="0">
                 <a:solidFill>
                   <a:srgbClr val="000000"/>
                 </a:solidFill>
@@ -18839,7 +19361,7 @@
               <a:t>client accesses to one </a:t>
             </a:r>
             <a:r>
-              <a:rPr lang="en-US" altLang="ko-KR" sz="1800" kern="0" dirty="0" smtClean="0">
+              <a:rPr lang="en-US" altLang="ko-KR" sz="1600" kern="0" dirty="0" smtClean="0">
                 <a:solidFill>
                   <a:srgbClr val="000000"/>
                 </a:solidFill>
@@ -18849,38 +19371,6 @@
               </a:rPr>
               <a:t>AP</a:t>
             </a:r>
-          </a:p>
-          <a:p>
-            <a:pPr marL="800100" lvl="1" indent="-342900" fontAlgn="t">
-              <a:spcBef>
-                <a:spcPct val="20000"/>
-              </a:spcBef>
-              <a:buClr>
-                <a:srgbClr val="A20000"/>
-              </a:buClr>
-              <a:buSzPct val="100000"/>
-              <a:buFont typeface="Wingdings" panose="05000000000000000000" pitchFamily="2" charset="2"/>
-              <a:buChar char="l"/>
-            </a:pPr>
-            <a:r>
-              <a:rPr lang="en-US" altLang="ko-KR" sz="1800" kern="0" dirty="0" smtClean="0">
-                <a:solidFill>
-                  <a:srgbClr val="000000"/>
-                </a:solidFill>
-                <a:latin typeface="Arial"/>
-                <a:ea typeface="굴림"/>
-                <a:cs typeface="Tahoma" panose="020B0604030504040204" pitchFamily="34" charset="0"/>
-              </a:rPr>
-              <a:t>Need to expand existing 0/1 knapsack algorithm</a:t>
-            </a:r>
-            <a:endParaRPr lang="en-US" altLang="ko-KR" sz="1800" kern="0" dirty="0">
-              <a:solidFill>
-                <a:srgbClr val="000000"/>
-              </a:solidFill>
-              <a:latin typeface="Arial"/>
-              <a:ea typeface="굴림"/>
-              <a:cs typeface="Tahoma" panose="020B0604030504040204" pitchFamily="34" charset="0"/>
-            </a:endParaRPr>
           </a:p>
           <a:p>
             <a:pPr marL="1276650" lvl="2" indent="-457200" fontAlgn="t">
@@ -18895,7 +19385,7 @@
               <a:buChar char="‒"/>
             </a:pPr>
             <a:r>
-              <a:rPr lang="en-US" altLang="ko-KR" sz="1800" kern="0" dirty="0">
+              <a:rPr lang="en-US" altLang="ko-KR" sz="1600" kern="0" dirty="0" smtClean="0">
                 <a:solidFill>
                   <a:srgbClr val="000000"/>
                 </a:solidFill>
@@ -18903,10 +19393,10 @@
                 <a:ea typeface="굴림"/>
                 <a:cs typeface="Tahoma" panose="020B0604030504040204" pitchFamily="34" charset="0"/>
               </a:rPr>
-              <a:t>One </a:t>
-            </a:r>
-            <a:r>
-              <a:rPr lang="en-US" altLang="ko-KR" sz="1800" kern="0" dirty="0" smtClean="0">
+              <a:t>(expanding) One </a:t>
+            </a:r>
+            <a:r>
+              <a:rPr lang="en-US" altLang="ko-KR" sz="1600" kern="0" dirty="0">
                 <a:solidFill>
                   <a:srgbClr val="000000"/>
                 </a:solidFill>
@@ -18914,10 +19404,10 @@
                 <a:ea typeface="굴림"/>
                 <a:cs typeface="Tahoma" panose="020B0604030504040204" pitchFamily="34" charset="0"/>
               </a:rPr>
-              <a:t>client can </a:t>
-            </a:r>
-            <a:r>
-              <a:rPr lang="en-US" altLang="ko-KR" sz="1800" kern="0" dirty="0">
+              <a:t>client can accesses to multiple </a:t>
+            </a:r>
+            <a:r>
+              <a:rPr lang="en-US" altLang="ko-KR" sz="1600" kern="0" dirty="0" smtClean="0">
                 <a:solidFill>
                   <a:srgbClr val="000000"/>
                 </a:solidFill>
@@ -18925,62 +19415,12 @@
                 <a:ea typeface="굴림"/>
                 <a:cs typeface="Tahoma" panose="020B0604030504040204" pitchFamily="34" charset="0"/>
               </a:rPr>
-              <a:t>accesses to </a:t>
-            </a:r>
-            <a:r>
-              <a:rPr lang="en-US" altLang="ko-KR" sz="1800" kern="0" dirty="0" smtClean="0">
-                <a:solidFill>
-                  <a:srgbClr val="000000"/>
-                </a:solidFill>
-                <a:latin typeface="Arial"/>
-                <a:ea typeface="굴림"/>
-                <a:cs typeface="Tahoma" panose="020B0604030504040204" pitchFamily="34" charset="0"/>
-              </a:rPr>
-              <a:t>multiple APs</a:t>
-            </a:r>
-            <a:endParaRPr lang="en-US" altLang="ko-KR" sz="1800" kern="0" dirty="0">
+              <a:t>APs</a:t>
+            </a:r>
+            <a:endParaRPr lang="en-US" altLang="ko-KR" sz="1600" kern="0" dirty="0">
               <a:solidFill>
                 <a:srgbClr val="000000"/>
               </a:solidFill>
-              <a:latin typeface="Arial"/>
-              <a:ea typeface="굴림"/>
-              <a:cs typeface="Tahoma" panose="020B0604030504040204" pitchFamily="34" charset="0"/>
-            </a:endParaRPr>
-          </a:p>
-          <a:p>
-            <a:pPr marL="1276650" lvl="2" indent="-457200" fontAlgn="t">
-              <a:spcBef>
-                <a:spcPct val="20000"/>
-              </a:spcBef>
-              <a:buClr>
-                <a:srgbClr val="A20000"/>
-              </a:buClr>
-              <a:buSzPct val="100000"/>
-              <a:buFont typeface="Arial" panose="020B0604020202020204" pitchFamily="34" charset="0"/>
-              <a:buChar char="‒"/>
-            </a:pPr>
-            <a:endParaRPr lang="en-US" altLang="ko-KR" sz="2000" kern="0" dirty="0" smtClean="0">
-              <a:solidFill>
-                <a:srgbClr val="000000"/>
-              </a:solidFill>
-              <a:latin typeface="Arial"/>
-              <a:ea typeface="굴림"/>
-              <a:cs typeface="Tahoma" panose="020B0604030504040204" pitchFamily="34" charset="0"/>
-            </a:endParaRPr>
-          </a:p>
-          <a:p>
-            <a:pPr marL="1276650" lvl="2" indent="-457200" fontAlgn="t">
-              <a:spcBef>
-                <a:spcPct val="20000"/>
-              </a:spcBef>
-              <a:buClr>
-                <a:srgbClr val="A20000"/>
-              </a:buClr>
-              <a:buSzPct val="100000"/>
-              <a:buFont typeface="Arial" panose="020B0604020202020204" pitchFamily="34" charset="0"/>
-              <a:buChar char="‒"/>
-            </a:pPr>
-            <a:endParaRPr lang="en-US" altLang="ko-KR" sz="2000" kern="0" dirty="0">
               <a:latin typeface="Arial"/>
               <a:ea typeface="굴림"/>
               <a:cs typeface="Tahoma" panose="020B0604030504040204" pitchFamily="34" charset="0"/>
@@ -19011,8 +19451,8 @@
         </p:blipFill>
         <p:spPr bwMode="auto">
           <a:xfrm>
-            <a:off x="3054784" y="1135063"/>
-            <a:ext cx="3096344" cy="2682225"/>
+            <a:off x="3484308" y="1135063"/>
+            <a:ext cx="2237296" cy="1938070"/>
           </a:xfrm>
           <a:prstGeom prst="rect">
             <a:avLst/>
@@ -19090,7 +19530,6 @@
               <a:rPr lang="en-US" altLang="ko-KR" dirty="0"/>
               <a:t>Knapsack Algorithm</a:t>
             </a:r>
-            <a:endParaRPr lang="en-US" altLang="ko-KR" dirty="0"/>
           </a:p>
         </p:txBody>
       </p:sp>
@@ -19428,8 +19867,8 @@
         </p:nvSpPr>
         <p:spPr bwMode="auto">
           <a:xfrm>
-            <a:off x="1619672" y="2276872"/>
-            <a:ext cx="1944216" cy="2585323"/>
+            <a:off x="1619672" y="1916832"/>
+            <a:ext cx="1944216" cy="3046988"/>
           </a:xfrm>
           <a:prstGeom prst="rect">
             <a:avLst/>
@@ -19448,26 +19887,34 @@
           <a:p>
             <a:pPr algn="ctr"/>
             <a:r>
-              <a:rPr lang="ko-KR" altLang="en-US" sz="5400" b="1" dirty="0" smtClean="0"/>
+              <a:rPr lang="ko-KR" altLang="en-US" sz="4800" b="1" dirty="0" smtClean="0"/>
               <a:t>가방</a:t>
             </a:r>
-            <a:endParaRPr lang="en-US" altLang="ko-KR" sz="5400" b="1" dirty="0" smtClean="0"/>
+            <a:endParaRPr lang="en-US" altLang="ko-KR" sz="4800" b="1" dirty="0" smtClean="0"/>
           </a:p>
           <a:p>
             <a:pPr algn="ctr"/>
             <a:r>
-              <a:rPr lang="ko-KR" altLang="en-US" sz="5400" b="1" dirty="0" smtClean="0"/>
+              <a:rPr lang="ko-KR" altLang="en-US" sz="4800" b="1" dirty="0" smtClean="0"/>
               <a:t>짐</a:t>
             </a:r>
-            <a:endParaRPr lang="en-US" altLang="ko-KR" sz="5400" b="1" dirty="0" smtClean="0"/>
+            <a:endParaRPr lang="en-US" altLang="ko-KR" sz="4800" b="1" dirty="0" smtClean="0"/>
           </a:p>
           <a:p>
             <a:pPr algn="ctr"/>
             <a:r>
-              <a:rPr lang="ko-KR" altLang="en-US" sz="5400" b="1" dirty="0" smtClean="0"/>
+              <a:rPr lang="ko-KR" altLang="en-US" sz="4800" b="1" dirty="0" smtClean="0"/>
               <a:t>가치</a:t>
             </a:r>
-            <a:endParaRPr lang="ko-KR" altLang="en-US" sz="5400" b="1" dirty="0"/>
+            <a:endParaRPr lang="en-US" altLang="ko-KR" sz="4800" b="1" dirty="0" smtClean="0"/>
+          </a:p>
+          <a:p>
+            <a:pPr algn="ctr"/>
+            <a:r>
+              <a:rPr lang="ko-KR" altLang="en-US" sz="4800" b="1" dirty="0" smtClean="0"/>
+              <a:t>무게</a:t>
+            </a:r>
+            <a:endParaRPr lang="ko-KR" altLang="en-US" sz="4800" b="1" dirty="0"/>
           </a:p>
         </p:txBody>
       </p:sp>
@@ -19479,8 +19926,8 @@
         </p:nvSpPr>
         <p:spPr bwMode="auto">
           <a:xfrm>
-            <a:off x="5148064" y="2276872"/>
-            <a:ext cx="2962672" cy="2585323"/>
+            <a:off x="5148064" y="1916832"/>
+            <a:ext cx="2962672" cy="3046988"/>
           </a:xfrm>
           <a:prstGeom prst="rect">
             <a:avLst/>
@@ -19499,24 +19946,31 @@
           <a:p>
             <a:pPr algn="ctr"/>
             <a:r>
-              <a:rPr lang="en-US" altLang="ko-KR" sz="5400" b="1" dirty="0" smtClean="0"/>
+              <a:rPr lang="en-US" altLang="ko-KR" sz="4800" b="1" dirty="0" smtClean="0"/>
               <a:t>AP</a:t>
             </a:r>
           </a:p>
           <a:p>
             <a:pPr algn="ctr"/>
             <a:r>
-              <a:rPr lang="en-US" altLang="ko-KR" sz="5400" b="1" dirty="0" smtClean="0"/>
+              <a:rPr lang="en-US" altLang="ko-KR" sz="4800" b="1" dirty="0" smtClean="0"/>
               <a:t>UE</a:t>
             </a:r>
           </a:p>
           <a:p>
             <a:pPr algn="ctr"/>
             <a:r>
-              <a:rPr lang="en-US" altLang="ko-KR" sz="5400" b="1" dirty="0" smtClean="0"/>
+              <a:rPr lang="en-US" altLang="ko-KR" sz="4800" b="1" dirty="0" smtClean="0"/>
               <a:t>Quality</a:t>
             </a:r>
-            <a:endParaRPr lang="ko-KR" altLang="en-US" sz="5400" b="1" dirty="0"/>
+          </a:p>
+          <a:p>
+            <a:pPr algn="ctr"/>
+            <a:r>
+              <a:rPr lang="en-US" altLang="ko-KR" sz="4800" b="1" dirty="0" smtClean="0"/>
+              <a:t>Time slot</a:t>
+            </a:r>
+            <a:endParaRPr lang="ko-KR" altLang="en-US" sz="4800" b="1" dirty="0"/>
           </a:p>
         </p:txBody>
       </p:sp>
@@ -19769,7 +20223,6 @@
               <a:rPr lang="en-US" altLang="ko-KR" dirty="0"/>
               <a:t>Knapsack Algorithm</a:t>
             </a:r>
-            <a:endParaRPr lang="en-US" altLang="ko-KR" dirty="0"/>
           </a:p>
         </p:txBody>
       </p:sp>
@@ -20107,7 +20560,7 @@
         </p:nvSpPr>
         <p:spPr>
           <a:xfrm rot="10800000">
-            <a:off x="3563888" y="2996952"/>
+            <a:off x="6361584" y="2963250"/>
             <a:ext cx="504056" cy="288032"/>
           </a:xfrm>
           <a:prstGeom prst="rightArrow">
@@ -20141,8 +20594,8 @@
         </p:nvSpPr>
         <p:spPr bwMode="auto">
           <a:xfrm>
-            <a:off x="4211960" y="2924944"/>
-            <a:ext cx="1656184" cy="400110"/>
+            <a:off x="6876256" y="2924944"/>
+            <a:ext cx="1656184" cy="246221"/>
           </a:xfrm>
           <a:prstGeom prst="rect">
             <a:avLst/>
@@ -20160,14 +20613,26 @@
           <a:lstStyle/>
           <a:p>
             <a:r>
-              <a:rPr lang="en-US" altLang="ko-KR" sz="2000" dirty="0" smtClean="0"/>
+              <a:rPr lang="en-US" altLang="ko-KR" sz="1000" b="1" dirty="0" smtClean="0">
+                <a:solidFill>
+                  <a:srgbClr val="FF0000"/>
+                </a:solidFill>
+              </a:rPr>
               <a:t>AP loop </a:t>
             </a:r>
             <a:r>
-              <a:rPr lang="ko-KR" altLang="en-US" sz="2000" dirty="0" smtClean="0"/>
+              <a:rPr lang="ko-KR" altLang="en-US" sz="1000" b="1" dirty="0" smtClean="0">
+                <a:solidFill>
+                  <a:srgbClr val="FF0000"/>
+                </a:solidFill>
+              </a:rPr>
               <a:t>추가</a:t>
             </a:r>
-            <a:endParaRPr lang="ko-KR" altLang="en-US" sz="2000" dirty="0"/>
+            <a:endParaRPr lang="ko-KR" altLang="en-US" sz="1000" b="1" dirty="0">
+              <a:solidFill>
+                <a:srgbClr val="FF0000"/>
+              </a:solidFill>
+            </a:endParaRPr>
           </a:p>
         </p:txBody>
       </p:sp>
@@ -20179,7 +20644,7 @@
         </p:nvSpPr>
         <p:spPr>
           <a:xfrm rot="10800000">
-            <a:off x="1835696" y="4005064"/>
+            <a:off x="6340252" y="4043631"/>
             <a:ext cx="504056" cy="288032"/>
           </a:xfrm>
           <a:prstGeom prst="rightArrow">
@@ -20213,7 +20678,7 @@
         </p:nvSpPr>
         <p:spPr bwMode="auto">
           <a:xfrm>
-            <a:off x="2361084" y="3949025"/>
+            <a:off x="6865640" y="3987592"/>
             <a:ext cx="7035452" cy="400110"/>
           </a:xfrm>
           <a:prstGeom prst="rect">
@@ -20232,22 +20697,101 @@
           <a:lstStyle/>
           <a:p>
             <a:r>
-              <a:rPr lang="en-US" altLang="ko-KR" sz="2000" dirty="0" smtClean="0"/>
+              <a:rPr lang="en-US" altLang="ko-KR" sz="1000" b="1" dirty="0" smtClean="0">
+                <a:solidFill>
+                  <a:srgbClr val="FF0000"/>
+                </a:solidFill>
+              </a:rPr>
               <a:t>Loop</a:t>
             </a:r>
             <a:r>
-              <a:rPr lang="ko-KR" altLang="en-US" sz="2000" dirty="0" smtClean="0"/>
-              <a:t>가 끝날 때 어떤 </a:t>
-            </a:r>
-            <a:r>
-              <a:rPr lang="en-US" altLang="ko-KR" sz="2000" dirty="0" smtClean="0"/>
+              <a:rPr lang="ko-KR" altLang="en-US" sz="1000" b="1" dirty="0" smtClean="0">
+                <a:solidFill>
+                  <a:srgbClr val="FF0000"/>
+                </a:solidFill>
+              </a:rPr>
+              <a:t>가 끝날 때 </a:t>
+            </a:r>
+            <a:r>
+              <a:rPr lang="en-US" altLang="ko-KR" sz="1000" b="1" dirty="0" smtClean="0">
+                <a:solidFill>
+                  <a:srgbClr val="FF0000"/>
+                </a:solidFill>
+              </a:rPr>
+              <a:t/>
+            </a:r>
+            <a:br>
+              <a:rPr lang="en-US" altLang="ko-KR" sz="1000" b="1" dirty="0" smtClean="0">
+                <a:solidFill>
+                  <a:srgbClr val="FF0000"/>
+                </a:solidFill>
+              </a:rPr>
+            </a:br>
+            <a:r>
+              <a:rPr lang="ko-KR" altLang="en-US" sz="1000" b="1" dirty="0" smtClean="0">
+                <a:solidFill>
+                  <a:srgbClr val="FF0000"/>
+                </a:solidFill>
+              </a:rPr>
+              <a:t>어떤 </a:t>
+            </a:r>
+            <a:r>
+              <a:rPr lang="en-US" altLang="ko-KR" sz="1000" b="1" dirty="0" smtClean="0">
+                <a:solidFill>
+                  <a:srgbClr val="FF0000"/>
+                </a:solidFill>
+              </a:rPr>
               <a:t>AP</a:t>
             </a:r>
             <a:r>
-              <a:rPr lang="ko-KR" altLang="en-US" sz="2000" dirty="0" smtClean="0"/>
+              <a:rPr lang="ko-KR" altLang="en-US" sz="1000" b="1" dirty="0" smtClean="0">
+                <a:solidFill>
+                  <a:srgbClr val="FF0000"/>
+                </a:solidFill>
+              </a:rPr>
               <a:t>에서 퀄리티가 최대인지 판단</a:t>
             </a:r>
-            <a:endParaRPr lang="ko-KR" altLang="en-US" sz="2000" dirty="0"/>
+            <a:endParaRPr lang="ko-KR" altLang="en-US" sz="2000" b="1" dirty="0">
+              <a:solidFill>
+                <a:srgbClr val="FF0000"/>
+              </a:solidFill>
+            </a:endParaRPr>
+          </a:p>
+        </p:txBody>
+      </p:sp>
+      <p:sp>
+        <p:nvSpPr>
+          <p:cNvPr id="4" name="직사각형 3"/>
+          <p:cNvSpPr/>
+          <p:nvPr/>
+        </p:nvSpPr>
+        <p:spPr>
+          <a:xfrm>
+            <a:off x="1691680" y="3095530"/>
+            <a:ext cx="4464496" cy="1080120"/>
+          </a:xfrm>
+          <a:prstGeom prst="rect">
+            <a:avLst/>
+          </a:prstGeom>
+          <a:ln>
+            <a:solidFill>
+              <a:srgbClr val="FF0000"/>
+            </a:solidFill>
+          </a:ln>
+        </p:spPr>
+        <p:txBody>
+          <a:bodyPr wrap="square" rtlCol="0" anchor="ctr">
+            <a:spAutoFit/>
+          </a:bodyPr>
+          <a:lstStyle/>
+          <a:p>
+            <a:pPr algn="ctr"/>
+            <a:endParaRPr lang="ko-KR" altLang="en-US" sz="1200" i="1" smtClean="0">
+              <a:solidFill>
+                <a:srgbClr val="FF0000"/>
+              </a:solidFill>
+              <a:latin typeface="Cambria Math" panose="02040503050406030204" pitchFamily="18" charset="0"/>
+            </a:endParaRPr>
           </a:p>
         </p:txBody>
       </p:sp>
@@ -20264,9 +20808,232 @@
   <p:timing>
     <p:tnLst>
       <p:par>
-        <p:cTn id="1" dur="indefinite" restart="never" nodeType="tmRoot"/>
+        <p:cTn id="1" dur="indefinite" restart="never" nodeType="tmRoot">
+          <p:childTnLst>
+            <p:seq concurrent="1" nextAc="seek">
+              <p:cTn id="2" dur="indefinite" nodeType="mainSeq">
+                <p:childTnLst>
+                  <p:par>
+                    <p:cTn id="3" fill="hold">
+                      <p:stCondLst>
+                        <p:cond delay="indefinite"/>
+                      </p:stCondLst>
+                      <p:childTnLst>
+                        <p:par>
+                          <p:cTn id="4" fill="hold">
+                            <p:stCondLst>
+                              <p:cond delay="0"/>
+                            </p:stCondLst>
+                            <p:childTnLst>
+                              <p:par>
+                                <p:cTn id="5" presetID="10" presetClass="entr" presetSubtype="0" fill="hold" grpId="0" nodeType="clickEffect">
+                                  <p:stCondLst>
+                                    <p:cond delay="0"/>
+                                  </p:stCondLst>
+                                  <p:childTnLst>
+                                    <p:set>
+                                      <p:cBhvr>
+                                        <p:cTn id="6" dur="1" fill="hold">
+                                          <p:stCondLst>
+                                            <p:cond delay="0"/>
+                                          </p:stCondLst>
+                                        </p:cTn>
+                                        <p:tgtEl>
+                                          <p:spTgt spid="4"/>
+                                        </p:tgtEl>
+                                        <p:attrNameLst>
+                                          <p:attrName>style.visibility</p:attrName>
+                                        </p:attrNameLst>
+                                      </p:cBhvr>
+                                      <p:to>
+                                        <p:strVal val="visible"/>
+                                      </p:to>
+                                    </p:set>
+                                    <p:animEffect transition="in" filter="fade">
+                                      <p:cBhvr>
+                                        <p:cTn id="7" dur="500"/>
+                                        <p:tgtEl>
+                                          <p:spTgt spid="4"/>
+                                        </p:tgtEl>
+                                      </p:cBhvr>
+                                    </p:animEffect>
+                                  </p:childTnLst>
+                                </p:cTn>
+                              </p:par>
+                              <p:par>
+                                <p:cTn id="8" presetID="10" presetClass="entr" presetSubtype="0" fill="hold" grpId="0" nodeType="withEffect">
+                                  <p:stCondLst>
+                                    <p:cond delay="0"/>
+                                  </p:stCondLst>
+                                  <p:childTnLst>
+                                    <p:set>
+                                      <p:cBhvr>
+                                        <p:cTn id="9" dur="1" fill="hold">
+                                          <p:stCondLst>
+                                            <p:cond delay="0"/>
+                                          </p:stCondLst>
+                                        </p:cTn>
+                                        <p:tgtEl>
+                                          <p:spTgt spid="7"/>
+                                        </p:tgtEl>
+                                        <p:attrNameLst>
+                                          <p:attrName>style.visibility</p:attrName>
+                                        </p:attrNameLst>
+                                      </p:cBhvr>
+                                      <p:to>
+                                        <p:strVal val="visible"/>
+                                      </p:to>
+                                    </p:set>
+                                    <p:animEffect transition="in" filter="fade">
+                                      <p:cBhvr>
+                                        <p:cTn id="10" dur="500"/>
+                                        <p:tgtEl>
+                                          <p:spTgt spid="7"/>
+                                        </p:tgtEl>
+                                      </p:cBhvr>
+                                    </p:animEffect>
+                                  </p:childTnLst>
+                                </p:cTn>
+                              </p:par>
+                              <p:par>
+                                <p:cTn id="11" presetID="10" presetClass="entr" presetSubtype="0" fill="hold" grpId="0" nodeType="withEffect">
+                                  <p:stCondLst>
+                                    <p:cond delay="0"/>
+                                  </p:stCondLst>
+                                  <p:childTnLst>
+                                    <p:set>
+                                      <p:cBhvr>
+                                        <p:cTn id="12" dur="1" fill="hold">
+                                          <p:stCondLst>
+                                            <p:cond delay="0"/>
+                                          </p:stCondLst>
+                                        </p:cTn>
+                                        <p:tgtEl>
+                                          <p:spTgt spid="6"/>
+                                        </p:tgtEl>
+                                        <p:attrNameLst>
+                                          <p:attrName>style.visibility</p:attrName>
+                                        </p:attrNameLst>
+                                      </p:cBhvr>
+                                      <p:to>
+                                        <p:strVal val="visible"/>
+                                      </p:to>
+                                    </p:set>
+                                    <p:animEffect transition="in" filter="fade">
+                                      <p:cBhvr>
+                                        <p:cTn id="13" dur="500"/>
+                                        <p:tgtEl>
+                                          <p:spTgt spid="6"/>
+                                        </p:tgtEl>
+                                      </p:cBhvr>
+                                    </p:animEffect>
+                                  </p:childTnLst>
+                                </p:cTn>
+                              </p:par>
+                              <p:par>
+                                <p:cTn id="14" presetID="10" presetClass="entr" presetSubtype="0" fill="hold" grpId="0" nodeType="withEffect">
+                                  <p:stCondLst>
+                                    <p:cond delay="0"/>
+                                  </p:stCondLst>
+                                  <p:childTnLst>
+                                    <p:set>
+                                      <p:cBhvr>
+                                        <p:cTn id="15" dur="1" fill="hold">
+                                          <p:stCondLst>
+                                            <p:cond delay="0"/>
+                                          </p:stCondLst>
+                                        </p:cTn>
+                                        <p:tgtEl>
+                                          <p:spTgt spid="12"/>
+                                        </p:tgtEl>
+                                        <p:attrNameLst>
+                                          <p:attrName>style.visibility</p:attrName>
+                                        </p:attrNameLst>
+                                      </p:cBhvr>
+                                      <p:to>
+                                        <p:strVal val="visible"/>
+                                      </p:to>
+                                    </p:set>
+                                    <p:animEffect transition="in" filter="fade">
+                                      <p:cBhvr>
+                                        <p:cTn id="16" dur="500"/>
+                                        <p:tgtEl>
+                                          <p:spTgt spid="12"/>
+                                        </p:tgtEl>
+                                      </p:cBhvr>
+                                    </p:animEffect>
+                                  </p:childTnLst>
+                                </p:cTn>
+                              </p:par>
+                              <p:par>
+                                <p:cTn id="17" presetID="10" presetClass="entr" presetSubtype="0" fill="hold" grpId="0" nodeType="withEffect">
+                                  <p:stCondLst>
+                                    <p:cond delay="0"/>
+                                  </p:stCondLst>
+                                  <p:childTnLst>
+                                    <p:set>
+                                      <p:cBhvr>
+                                        <p:cTn id="18" dur="1" fill="hold">
+                                          <p:stCondLst>
+                                            <p:cond delay="0"/>
+                                          </p:stCondLst>
+                                        </p:cTn>
+                                        <p:tgtEl>
+                                          <p:spTgt spid="13"/>
+                                        </p:tgtEl>
+                                        <p:attrNameLst>
+                                          <p:attrName>style.visibility</p:attrName>
+                                        </p:attrNameLst>
+                                      </p:cBhvr>
+                                      <p:to>
+                                        <p:strVal val="visible"/>
+                                      </p:to>
+                                    </p:set>
+                                    <p:animEffect transition="in" filter="fade">
+                                      <p:cBhvr>
+                                        <p:cTn id="19" dur="500"/>
+                                        <p:tgtEl>
+                                          <p:spTgt spid="13"/>
+                                        </p:tgtEl>
+                                      </p:cBhvr>
+                                    </p:animEffect>
+                                  </p:childTnLst>
+                                </p:cTn>
+                              </p:par>
+                            </p:childTnLst>
+                          </p:cTn>
+                        </p:par>
+                      </p:childTnLst>
+                    </p:cTn>
+                  </p:par>
+                </p:childTnLst>
+              </p:cTn>
+              <p:prevCondLst>
+                <p:cond evt="onPrev" delay="0">
+                  <p:tgtEl>
+                    <p:sldTgt/>
+                  </p:tgtEl>
+                </p:cond>
+              </p:prevCondLst>
+              <p:nextCondLst>
+                <p:cond evt="onNext" delay="0">
+                  <p:tgtEl>
+                    <p:sldTgt/>
+                  </p:tgtEl>
+                </p:cond>
+              </p:nextCondLst>
+            </p:seq>
+          </p:childTnLst>
+        </p:cTn>
       </p:par>
     </p:tnLst>
+    <p:bldLst>
+      <p:bldP spid="6" grpId="0" animBg="1"/>
+      <p:bldP spid="7" grpId="0"/>
+      <p:bldP spid="12" grpId="0" animBg="1"/>
+      <p:bldP spid="13" grpId="0"/>
+      <p:bldP spid="4" grpId="0" animBg="1"/>
+    </p:bldLst>
   </p:timing>
 </p:sld>
 </file>
